--- a/fa2024/files/presentations/9-19-EmergentAbility-Zhong-Bafna.pptx
+++ b/fa2024/files/presentations/9-19-EmergentAbility-Zhong-Bafna.pptx
@@ -32,21 +32,34 @@
     <p:sldId id="277" r:id="rId28"/>
     <p:sldId id="278" r:id="rId29"/>
     <p:sldId id="279" r:id="rId30"/>
+    <p:sldId id="280" r:id="rId31"/>
+    <p:sldId id="281" r:id="rId32"/>
+    <p:sldId id="282" r:id="rId33"/>
+    <p:sldId id="283" r:id="rId34"/>
+    <p:sldId id="284" r:id="rId35"/>
+    <p:sldId id="285" r:id="rId36"/>
+    <p:sldId id="286" r:id="rId37"/>
+    <p:sldId id="287" r:id="rId38"/>
+    <p:sldId id="288" r:id="rId39"/>
+    <p:sldId id="289" r:id="rId40"/>
+    <p:sldId id="290" r:id="rId41"/>
+    <p:sldId id="291" r:id="rId42"/>
+    <p:sldId id="292" r:id="rId43"/>
   </p:sldIdLst>
   <p:sldSz cy="5143500" cx="9144000"/>
   <p:notesSz cx="6858000" cy="9144000"/>
   <p:embeddedFontLst>
     <p:embeddedFont>
       <p:font typeface="PT Sans Narrow"/>
-      <p:regular r:id="rId31"/>
-      <p:bold r:id="rId32"/>
+      <p:regular r:id="rId44"/>
+      <p:bold r:id="rId45"/>
     </p:embeddedFont>
     <p:embeddedFont>
       <p:font typeface="Open Sans"/>
-      <p:regular r:id="rId33"/>
-      <p:bold r:id="rId34"/>
-      <p:italic r:id="rId35"/>
-      <p:boldItalic r:id="rId36"/>
+      <p:regular r:id="rId46"/>
+      <p:bold r:id="rId47"/>
+      <p:italic r:id="rId48"/>
+      <p:boldItalic r:id="rId49"/>
     </p:embeddedFont>
   </p:embeddedFontLst>
   <p:defaultTextStyle>
@@ -299,205 +312,103 @@
 
 <file path=ppt/commentAuthors.xml><?xml version="1.0" encoding="utf-8"?>
 <p:cmAuthorLst xmlns:a="http://schemas.openxmlformats.org/drawingml/2006/main" xmlns:r="http://schemas.openxmlformats.org/officeDocument/2006/relationships" xmlns:mc="http://schemas.openxmlformats.org/markup-compatibility/2006" xmlns:mv="urn:schemas-microsoft-com:mac:vml" xmlns:p="http://schemas.openxmlformats.org/presentationml/2006/main" xmlns:c="http://schemas.openxmlformats.org/drawingml/2006/chart" xmlns:dgm="http://schemas.openxmlformats.org/drawingml/2006/diagram" xmlns:o="urn:schemas-microsoft-com:office:office" xmlns:v="urn:schemas-microsoft-com:vml" xmlns:pvml="urn:schemas-microsoft-com:office:powerpoint" xmlns:com="http://schemas.openxmlformats.org/drawingml/2006/compatibility" xmlns:p14="http://schemas.microsoft.com/office/powerpoint/2010/main" xmlns:p15="http://schemas.microsoft.com/office/powerpoint/2012/main" xmlns:ahyp="http://schemas.microsoft.com/office/drawing/2018/hyperlinkcolor">
-  <p:cmAuthor clrIdx="0" id="0" initials="" lastIdx="31" name="Daniel Khashabi"/>
+  <p:cmAuthor clrIdx="0" id="0" initials="" lastIdx="12" name="Daniel Khashabi"/>
+  <p:cmAuthor clrIdx="1" id="1" initials="" lastIdx="2" name="Niyati Bafna"/>
 </p:cmAuthorLst>
 </file>
 
 <file path=ppt/comments/comment1.xml><?xml version="1.0" encoding="utf-8"?>
 <p:cmLst xmlns:a="http://schemas.openxmlformats.org/drawingml/2006/main" xmlns:r="http://schemas.openxmlformats.org/officeDocument/2006/relationships" xmlns:mc="http://schemas.openxmlformats.org/markup-compatibility/2006" xmlns:mv="urn:schemas-microsoft-com:mac:vml" xmlns:p="http://schemas.openxmlformats.org/presentationml/2006/main" xmlns:c="http://schemas.openxmlformats.org/drawingml/2006/chart" xmlns:dgm="http://schemas.openxmlformats.org/drawingml/2006/diagram" xmlns:o="urn:schemas-microsoft-com:office:office" xmlns:v="urn:schemas-microsoft-com:vml" xmlns:pvml="urn:schemas-microsoft-com:office:powerpoint" xmlns:com="http://schemas.openxmlformats.org/drawingml/2006/compatibility" xmlns:p14="http://schemas.microsoft.com/office/powerpoint/2010/main" xmlns:p15="http://schemas.microsoft.com/office/powerpoint/2012/main" xmlns:ahyp="http://schemas.microsoft.com/office/drawing/2018/hyperlinkcolor">
-  <p:cm authorId="0" idx="1" dt="2024-09-19T03:22:30.024">
+  <p:cm authorId="0" idx="1" dt="2024-09-19T12:27:45.709">
+    <p:pos x="196" y="797"/>
+    <p:text>too low?</p:text>
+  </p:cm>
+  <p:cm authorId="1" idx="1" dt="2024-09-19T12:27:45.709">
+    <p:pos x="196" y="797"/>
+    <p:text>Lower resolution is better acc to the definition given in the paper?</p:text>
+  </p:cm>
+  <p:cm authorId="0" idx="2" dt="2024-09-19T12:27:35.698">
     <p:pos x="6000" y="0"/>
-    <p:text>inconsistent bullet style. intentional?</p:text>
+    <p:text>Perhaps move this slide before slide 6 for better flow? (slide 6 seems to be quite relevant to slide 8)</p:text>
   </p:cm>
-  <p:cm authorId="0" idx="2" dt="2024-09-19T03:22:30.024">
+  <p:cm authorId="1" idx="2" dt="2024-09-19T12:27:35.698">
     <p:pos x="6000" y="0"/>
-    <p:text>I think you meant to indent the bullets?</p:text>
-  </p:cm>
-  <p:cm authorId="0" idx="3" dt="2024-09-19T03:22:16.440">
-    <p:pos x="196" y="797"/>
-    <p:text>not sure what you mean by "warning". Rephrase?</p:text>
-  </p:cm>
-  <p:cm authorId="0" idx="4" dt="2024-09-19T03:23:18.920">
-    <p:pos x="196" y="897"/>
-    <p:text>please put the full title of this paper at the bottom of the slide so people know for sure what paper you're talking about.</p:text>
+    <p:text>I needed the resolution intuition before talking about non-linearity, I think it uses the idea!</p:text>
   </p:cm>
 </p:cmLst>
 </file>
 
-<file path=ppt/comments/comment10.xml><?xml version="1.0" encoding="utf-8"?>
+<file path=ppt/comments/comment2.xml><?xml version="1.0" encoding="utf-8"?>
 <p:cmLst xmlns:a="http://schemas.openxmlformats.org/drawingml/2006/main" xmlns:r="http://schemas.openxmlformats.org/officeDocument/2006/relationships" xmlns:mc="http://schemas.openxmlformats.org/markup-compatibility/2006" xmlns:mv="urn:schemas-microsoft-com:mac:vml" xmlns:p="http://schemas.openxmlformats.org/presentationml/2006/main" xmlns:c="http://schemas.openxmlformats.org/drawingml/2006/chart" xmlns:dgm="http://schemas.openxmlformats.org/drawingml/2006/diagram" xmlns:o="urn:schemas-microsoft-com:office:office" xmlns:v="urn:schemas-microsoft-com:vml" xmlns:pvml="urn:schemas-microsoft-com:office:powerpoint" xmlns:com="http://schemas.openxmlformats.org/drawingml/2006/compatibility" xmlns:p14="http://schemas.microsoft.com/office/powerpoint/2010/main" xmlns:p15="http://schemas.microsoft.com/office/powerpoint/2012/main" xmlns:ahyp="http://schemas.microsoft.com/office/drawing/2018/hyperlinkcolor">
-  <p:cm authorId="0" idx="23" dt="2024-09-19T03:47:23.362">
-    <p:pos x="196" y="280"/>
-    <p:text>Result 2? Experiment 2?</p:text>
+  <p:cm authorId="0" idx="3" dt="2024-09-19T03:42:41.727">
+    <p:pos x="196" y="797"/>
+    <p:text>What is f(.) here? Please make it more precise.</p:text>
   </p:cm>
 </p:cmLst>
 </file>
 
-<file path=ppt/comments/comment11.xml><?xml version="1.0" encoding="utf-8"?>
+<file path=ppt/comments/comment3.xml><?xml version="1.0" encoding="utf-8"?>
 <p:cmLst xmlns:a="http://schemas.openxmlformats.org/drawingml/2006/main" xmlns:r="http://schemas.openxmlformats.org/officeDocument/2006/relationships" xmlns:mc="http://schemas.openxmlformats.org/markup-compatibility/2006" xmlns:mv="urn:schemas-microsoft-com:mac:vml" xmlns:p="http://schemas.openxmlformats.org/presentationml/2006/main" xmlns:c="http://schemas.openxmlformats.org/drawingml/2006/chart" xmlns:dgm="http://schemas.openxmlformats.org/drawingml/2006/diagram" xmlns:o="urn:schemas-microsoft-com:office:office" xmlns:v="urn:schemas-microsoft-com:vml" xmlns:pvml="urn:schemas-microsoft-com:office:powerpoint" xmlns:com="http://schemas.openxmlformats.org/drawingml/2006/compatibility" xmlns:p14="http://schemas.microsoft.com/office/powerpoint/2010/main" xmlns:p15="http://schemas.microsoft.com/office/powerpoint/2012/main" xmlns:ahyp="http://schemas.microsoft.com/office/drawing/2018/hyperlinkcolor">
-  <p:cm authorId="0" idx="24" dt="2024-09-19T04:01:36.908">
+  <p:cm authorId="0" idx="4" dt="2024-09-19T03:44:46.783">
+    <p:pos x="196" y="797"/>
+    <p:text>I don't think they view L as a variable. They assume that it's a fixed, but potentially a large number, say, 10. So, this is going to create a major different between p vs p^10, as you change p.</p:text>
+  </p:cm>
+  <p:cm authorId="0" idx="5" dt="2024-09-19T03:44:46.783">
+    <p:pos x="196" y="797"/>
+    <p:text>You can actually see examples in the results figures.</p:text>
+  </p:cm>
+</p:cmLst>
+</file>
+
+<file path=ppt/comments/comment4.xml><?xml version="1.0" encoding="utf-8"?>
+<p:cmLst xmlns:a="http://schemas.openxmlformats.org/drawingml/2006/main" xmlns:r="http://schemas.openxmlformats.org/officeDocument/2006/relationships" xmlns:mc="http://schemas.openxmlformats.org/markup-compatibility/2006" xmlns:mv="urn:schemas-microsoft-com:mac:vml" xmlns:p="http://schemas.openxmlformats.org/presentationml/2006/main" xmlns:c="http://schemas.openxmlformats.org/drawingml/2006/chart" xmlns:dgm="http://schemas.openxmlformats.org/drawingml/2006/diagram" xmlns:o="urn:schemas-microsoft-com:office:office" xmlns:v="urn:schemas-microsoft-com:vml" xmlns:pvml="urn:schemas-microsoft-com:office:powerpoint" xmlns:com="http://schemas.openxmlformats.org/drawingml/2006/compatibility" xmlns:p14="http://schemas.microsoft.com/office/powerpoint/2010/main" xmlns:p15="http://schemas.microsoft.com/office/powerpoint/2012/main" xmlns:ahyp="http://schemas.microsoft.com/office/drawing/2018/hyperlinkcolor">
+  <p:cm authorId="0" idx="6" dt="2024-09-19T03:45:12.930">
+    <p:pos x="6000" y="0"/>
+    <p:text>Add a brief sentence describing what is "target str len"</p:text>
+  </p:cm>
+  <p:cm authorId="0" idx="7" dt="2024-09-19T03:39:54.658">
+    <p:pos x="6000" y="100"/>
+    <p:text>The figure quality is low here</p:text>
+  </p:cm>
+</p:cmLst>
+</file>
+
+<file path=ppt/comments/comment5.xml><?xml version="1.0" encoding="utf-8"?>
+<p:cmLst xmlns:a="http://schemas.openxmlformats.org/drawingml/2006/main" xmlns:r="http://schemas.openxmlformats.org/officeDocument/2006/relationships" xmlns:mc="http://schemas.openxmlformats.org/markup-compatibility/2006" xmlns:mv="urn:schemas-microsoft-com:mac:vml" xmlns:p="http://schemas.openxmlformats.org/presentationml/2006/main" xmlns:c="http://schemas.openxmlformats.org/drawingml/2006/chart" xmlns:dgm="http://schemas.openxmlformats.org/drawingml/2006/diagram" xmlns:o="urn:schemas-microsoft-com:office:office" xmlns:v="urn:schemas-microsoft-com:vml" xmlns:pvml="urn:schemas-microsoft-com:office:powerpoint" xmlns:com="http://schemas.openxmlformats.org/drawingml/2006/compatibility" xmlns:p14="http://schemas.microsoft.com/office/powerpoint/2010/main" xmlns:p15="http://schemas.microsoft.com/office/powerpoint/2012/main" xmlns:ahyp="http://schemas.microsoft.com/office/drawing/2018/hyperlinkcolor">
+  <p:cm authorId="0" idx="8" dt="2024-09-19T04:01:36.908">
     <p:pos x="6000" y="0"/>
     <p:text>Unsure what is new here. Seems repeating the previous content.</p:text>
   </p:cm>
-  <p:cm authorId="0" idx="25" dt="2024-09-19T04:01:36.908">
+  <p:cm authorId="0" idx="9" dt="2024-09-19T04:01:36.908">
     <p:pos x="6000" y="0"/>
     <p:text>If it is part of the next slide, I think you can condense it and merge it with the next slide.</p:text>
   </p:cm>
 </p:cmLst>
 </file>
 
-<file path=ppt/comments/comment12.xml><?xml version="1.0" encoding="utf-8"?>
+<file path=ppt/comments/comment6.xml><?xml version="1.0" encoding="utf-8"?>
 <p:cmLst xmlns:a="http://schemas.openxmlformats.org/drawingml/2006/main" xmlns:r="http://schemas.openxmlformats.org/officeDocument/2006/relationships" xmlns:mc="http://schemas.openxmlformats.org/markup-compatibility/2006" xmlns:mv="urn:schemas-microsoft-com:mac:vml" xmlns:p="http://schemas.openxmlformats.org/presentationml/2006/main" xmlns:c="http://schemas.openxmlformats.org/drawingml/2006/chart" xmlns:dgm="http://schemas.openxmlformats.org/drawingml/2006/diagram" xmlns:o="urn:schemas-microsoft-com:office:office" xmlns:v="urn:schemas-microsoft-com:vml" xmlns:pvml="urn:schemas-microsoft-com:office:powerpoint" xmlns:com="http://schemas.openxmlformats.org/drawingml/2006/compatibility" xmlns:p14="http://schemas.microsoft.com/office/powerpoint/2010/main" xmlns:p15="http://schemas.microsoft.com/office/powerpoint/2012/main" xmlns:ahyp="http://schemas.microsoft.com/office/drawing/2018/hyperlinkcolor">
-  <p:cm authorId="0" idx="26" dt="2024-09-19T04:04:58.932">
-    <p:pos x="6000" y="0"/>
-    <p:text>Again the figure quality is low</p:text>
-  </p:cm>
-  <p:cm authorId="0" idx="27" dt="2024-09-19T04:06:37.023">
+  <p:cm authorId="0" idx="10" dt="2024-09-19T04:06:37.023">
     <p:pos x="196" y="797"/>
     <p:text>mention the exception(s)</p:text>
   </p:cm>
 </p:cmLst>
 </file>
 
-<file path=ppt/comments/comment13.xml><?xml version="1.0" encoding="utf-8"?>
+<file path=ppt/comments/comment7.xml><?xml version="1.0" encoding="utf-8"?>
 <p:cmLst xmlns:a="http://schemas.openxmlformats.org/drawingml/2006/main" xmlns:r="http://schemas.openxmlformats.org/officeDocument/2006/relationships" xmlns:mc="http://schemas.openxmlformats.org/markup-compatibility/2006" xmlns:mv="urn:schemas-microsoft-com:mac:vml" xmlns:p="http://schemas.openxmlformats.org/presentationml/2006/main" xmlns:c="http://schemas.openxmlformats.org/drawingml/2006/chart" xmlns:dgm="http://schemas.openxmlformats.org/drawingml/2006/diagram" xmlns:o="urn:schemas-microsoft-com:office:office" xmlns:v="urn:schemas-microsoft-com:vml" xmlns:pvml="urn:schemas-microsoft-com:office:powerpoint" xmlns:com="http://schemas.openxmlformats.org/drawingml/2006/compatibility" xmlns:p14="http://schemas.microsoft.com/office/powerpoint/2010/main" xmlns:p15="http://schemas.microsoft.com/office/powerpoint/2012/main" xmlns:ahyp="http://schemas.microsoft.com/office/drawing/2018/hyperlinkcolor">
-  <p:cm authorId="0" idx="28" dt="2024-09-19T04:06:49.614">
+  <p:cm authorId="0" idx="11" dt="2024-09-19T04:06:49.614">
     <p:pos x="6000" y="0"/>
     <p:text>Again figure quality is low</p:text>
   </p:cm>
 </p:cmLst>
 </file>
 
-<file path=ppt/comments/comment14.xml><?xml version="1.0" encoding="utf-8"?>
+<file path=ppt/comments/comment8.xml><?xml version="1.0" encoding="utf-8"?>
 <p:cmLst xmlns:a="http://schemas.openxmlformats.org/drawingml/2006/main" xmlns:r="http://schemas.openxmlformats.org/officeDocument/2006/relationships" xmlns:mc="http://schemas.openxmlformats.org/markup-compatibility/2006" xmlns:mv="urn:schemas-microsoft-com:mac:vml" xmlns:p="http://schemas.openxmlformats.org/presentationml/2006/main" xmlns:c="http://schemas.openxmlformats.org/drawingml/2006/chart" xmlns:dgm="http://schemas.openxmlformats.org/drawingml/2006/diagram" xmlns:o="urn:schemas-microsoft-com:office:office" xmlns:v="urn:schemas-microsoft-com:vml" xmlns:pvml="urn:schemas-microsoft-com:office:powerpoint" xmlns:com="http://schemas.openxmlformats.org/drawingml/2006/compatibility" xmlns:p14="http://schemas.microsoft.com/office/powerpoint/2010/main" xmlns:p15="http://schemas.microsoft.com/office/powerpoint/2012/main" xmlns:ahyp="http://schemas.microsoft.com/office/drawing/2018/hyperlinkcolor">
-  <p:cm authorId="0" idx="29" dt="2024-09-19T04:07:34.763">
-    <p:pos x="6000" y="0"/>
-    <p:text>We discussed this that you might not need all these figures to communicate the message. Perhaps Shot=3 is enough.</p:text>
-  </p:cm>
-  <p:cm authorId="0" idx="30" dt="2024-09-19T04:07:34.763">
-    <p:pos x="6000" y="0"/>
-    <p:text>Again, figure quality.</p:text>
-  </p:cm>
-</p:cmLst>
-</file>
-
-<file path=ppt/comments/comment15.xml><?xml version="1.0" encoding="utf-8"?>
-<p:cmLst xmlns:a="http://schemas.openxmlformats.org/drawingml/2006/main" xmlns:r="http://schemas.openxmlformats.org/officeDocument/2006/relationships" xmlns:mc="http://schemas.openxmlformats.org/markup-compatibility/2006" xmlns:mv="urn:schemas-microsoft-com:mac:vml" xmlns:p="http://schemas.openxmlformats.org/presentationml/2006/main" xmlns:c="http://schemas.openxmlformats.org/drawingml/2006/chart" xmlns:dgm="http://schemas.openxmlformats.org/drawingml/2006/diagram" xmlns:o="urn:schemas-microsoft-com:office:office" xmlns:v="urn:schemas-microsoft-com:vml" xmlns:pvml="urn:schemas-microsoft-com:office:powerpoint" xmlns:com="http://schemas.openxmlformats.org/drawingml/2006/compatibility" xmlns:p14="http://schemas.microsoft.com/office/powerpoint/2010/main" xmlns:p15="http://schemas.microsoft.com/office/powerpoint/2012/main" xmlns:ahyp="http://schemas.microsoft.com/office/drawing/2018/hyperlinkcolor">
-  <p:cm authorId="0" idx="31" dt="2024-09-19T04:08:31.216">
+  <p:cm authorId="0" idx="12" dt="2024-09-19T04:08:31.216">
     <p:pos x="6000" y="0"/>
     <p:text>I would drop the 3 slides on CV task as they seem like a distraction.</p:text>
-  </p:cm>
-</p:cmLst>
-</file>
-
-<file path=ppt/comments/comment2.xml><?xml version="1.0" encoding="utf-8"?>
-<p:cmLst xmlns:a="http://schemas.openxmlformats.org/drawingml/2006/main" xmlns:r="http://schemas.openxmlformats.org/officeDocument/2006/relationships" xmlns:mc="http://schemas.openxmlformats.org/markup-compatibility/2006" xmlns:mv="urn:schemas-microsoft-com:mac:vml" xmlns:p="http://schemas.openxmlformats.org/presentationml/2006/main" xmlns:c="http://schemas.openxmlformats.org/drawingml/2006/chart" xmlns:dgm="http://schemas.openxmlformats.org/drawingml/2006/diagram" xmlns:o="urn:schemas-microsoft-com:office:office" xmlns:v="urn:schemas-microsoft-com:vml" xmlns:pvml="urn:schemas-microsoft-com:office:powerpoint" xmlns:com="http://schemas.openxmlformats.org/drawingml/2006/compatibility" xmlns:p14="http://schemas.microsoft.com/office/powerpoint/2010/main" xmlns:p15="http://schemas.microsoft.com/office/powerpoint/2012/main" xmlns:ahyp="http://schemas.microsoft.com/office/drawing/2018/hyperlinkcolor">
-  <p:cm authorId="0" idx="5" dt="2024-09-19T03:24:26.039">
-    <p:pos x="196" y="797"/>
-    <p:text>by probing?</p:text>
-  </p:cm>
-  <p:cm authorId="0" idx="6" dt="2024-09-19T03:24:26.039">
-    <p:pos x="196" y="797"/>
-    <p:text>Also drop "the" (little LMs) since you're not talking about any specific "small LM"</p:text>
-  </p:cm>
-</p:cmLst>
-</file>
-
-<file path=ppt/comments/comment3.xml><?xml version="1.0" encoding="utf-8"?>
-<p:cmLst xmlns:a="http://schemas.openxmlformats.org/drawingml/2006/main" xmlns:r="http://schemas.openxmlformats.org/officeDocument/2006/relationships" xmlns:mc="http://schemas.openxmlformats.org/markup-compatibility/2006" xmlns:mv="urn:schemas-microsoft-com:mac:vml" xmlns:p="http://schemas.openxmlformats.org/presentationml/2006/main" xmlns:c="http://schemas.openxmlformats.org/drawingml/2006/chart" xmlns:dgm="http://schemas.openxmlformats.org/drawingml/2006/diagram" xmlns:o="urn:schemas-microsoft-com:office:office" xmlns:v="urn:schemas-microsoft-com:vml" xmlns:pvml="urn:schemas-microsoft-com:office:powerpoint" xmlns:com="http://schemas.openxmlformats.org/drawingml/2006/compatibility" xmlns:p14="http://schemas.microsoft.com/office/powerpoint/2010/main" xmlns:p15="http://schemas.microsoft.com/office/powerpoint/2012/main" xmlns:ahyp="http://schemas.microsoft.com/office/drawing/2018/hyperlinkcolor">
-  <p:cm authorId="0" idx="7" dt="2024-09-19T03:28:41.885">
-    <p:pos x="196" y="280"/>
-    <p:text>The issues with evaluations that we will discuss at a glance</p:text>
-  </p:cm>
-  <p:cm authorId="0" idx="8" dt="2024-09-19T03:25:03.930">
-    <p:pos x="196" y="797"/>
-    <p:text>again, you meant to indent?</p:text>
-  </p:cm>
-</p:cmLst>
-</file>
-
-<file path=ppt/comments/comment4.xml><?xml version="1.0" encoding="utf-8"?>
-<p:cmLst xmlns:a="http://schemas.openxmlformats.org/drawingml/2006/main" xmlns:r="http://schemas.openxmlformats.org/officeDocument/2006/relationships" xmlns:mc="http://schemas.openxmlformats.org/markup-compatibility/2006" xmlns:mv="urn:schemas-microsoft-com:mac:vml" xmlns:p="http://schemas.openxmlformats.org/presentationml/2006/main" xmlns:c="http://schemas.openxmlformats.org/drawingml/2006/chart" xmlns:dgm="http://schemas.openxmlformats.org/drawingml/2006/diagram" xmlns:o="urn:schemas-microsoft-com:office:office" xmlns:v="urn:schemas-microsoft-com:vml" xmlns:pvml="urn:schemas-microsoft-com:office:powerpoint" xmlns:com="http://schemas.openxmlformats.org/drawingml/2006/compatibility" xmlns:p14="http://schemas.microsoft.com/office/powerpoint/2010/main" xmlns:p15="http://schemas.microsoft.com/office/powerpoint/2012/main" xmlns:ahyp="http://schemas.microsoft.com/office/drawing/2018/hyperlinkcolor">
-  <p:cm authorId="0" idx="9" dt="2024-09-19T03:29:15.598">
-    <p:pos x="3560" y="179"/>
-    <p:text>note you have white space on the right, if you want more space for your text.</p:text>
-  </p:cm>
-  <p:cm authorId="0" idx="10" dt="2024-09-19T03:27:41.346">
-    <p:pos x="196" y="280"/>
-    <p:text>Discontinuity of Metrics?</p:text>
-  </p:cm>
-  <p:cm authorId="0" idx="11" dt="2024-09-19T03:27:14.811">
-    <p:pos x="196" y="797"/>
-    <p:text>Make it clear that this is YOUR note "Note from presenters"</p:text>
-  </p:cm>
-  <p:cm authorId="0" idx="12" dt="2024-09-19T03:28:55.598">
-    <p:pos x="196" y="897"/>
-    <p:text>indent</p:text>
-  </p:cm>
-</p:cmLst>
-</file>
-
-<file path=ppt/comments/comment5.xml><?xml version="1.0" encoding="utf-8"?>
-<p:cmLst xmlns:a="http://schemas.openxmlformats.org/drawingml/2006/main" xmlns:r="http://schemas.openxmlformats.org/officeDocument/2006/relationships" xmlns:mc="http://schemas.openxmlformats.org/markup-compatibility/2006" xmlns:mv="urn:schemas-microsoft-com:mac:vml" xmlns:p="http://schemas.openxmlformats.org/presentationml/2006/main" xmlns:c="http://schemas.openxmlformats.org/drawingml/2006/chart" xmlns:dgm="http://schemas.openxmlformats.org/drawingml/2006/diagram" xmlns:o="urn:schemas-microsoft-com:office:office" xmlns:v="urn:schemas-microsoft-com:vml" xmlns:pvml="urn:schemas-microsoft-com:office:powerpoint" xmlns:com="http://schemas.openxmlformats.org/drawingml/2006/compatibility" xmlns:p14="http://schemas.microsoft.com/office/powerpoint/2010/main" xmlns:p15="http://schemas.microsoft.com/office/powerpoint/2012/main" xmlns:ahyp="http://schemas.microsoft.com/office/drawing/2018/hyperlinkcolor">
-  <p:cm authorId="0" idx="13" dt="2024-09-19T03:30:06.522">
-    <p:pos x="196" y="797"/>
-    <p:text>too low?</p:text>
-  </p:cm>
-  <p:cm authorId="0" idx="14" dt="2024-09-19T03:37:19.398">
-    <p:pos x="6000" y="0"/>
-    <p:text>Perhaps move this slide before slide 6 for better flow? (slide 6 seems to be quite relevant to slide 8)</p:text>
-  </p:cm>
-</p:cmLst>
-</file>
-
-<file path=ppt/comments/comment6.xml><?xml version="1.0" encoding="utf-8"?>
-<p:cmLst xmlns:a="http://schemas.openxmlformats.org/drawingml/2006/main" xmlns:r="http://schemas.openxmlformats.org/officeDocument/2006/relationships" xmlns:mc="http://schemas.openxmlformats.org/markup-compatibility/2006" xmlns:mv="urn:schemas-microsoft-com:mac:vml" xmlns:p="http://schemas.openxmlformats.org/presentationml/2006/main" xmlns:c="http://schemas.openxmlformats.org/drawingml/2006/chart" xmlns:dgm="http://schemas.openxmlformats.org/drawingml/2006/diagram" xmlns:o="urn:schemas-microsoft-com:office:office" xmlns:v="urn:schemas-microsoft-com:vml" xmlns:pvml="urn:schemas-microsoft-com:office:powerpoint" xmlns:com="http://schemas.openxmlformats.org/drawingml/2006/compatibility" xmlns:p14="http://schemas.microsoft.com/office/powerpoint/2010/main" xmlns:p15="http://schemas.microsoft.com/office/powerpoint/2012/main" xmlns:ahyp="http://schemas.microsoft.com/office/drawing/2018/hyperlinkcolor">
-  <p:cm authorId="0" idx="15" dt="2024-09-19T03:42:41.727">
-    <p:pos x="196" y="797"/>
-    <p:text>What is f(.) here? Please make it more precise.</p:text>
-  </p:cm>
-</p:cmLst>
-</file>
-
-<file path=ppt/comments/comment7.xml><?xml version="1.0" encoding="utf-8"?>
-<p:cmLst xmlns:a="http://schemas.openxmlformats.org/drawingml/2006/main" xmlns:r="http://schemas.openxmlformats.org/officeDocument/2006/relationships" xmlns:mc="http://schemas.openxmlformats.org/markup-compatibility/2006" xmlns:mv="urn:schemas-microsoft-com:mac:vml" xmlns:p="http://schemas.openxmlformats.org/presentationml/2006/main" xmlns:c="http://schemas.openxmlformats.org/drawingml/2006/chart" xmlns:dgm="http://schemas.openxmlformats.org/drawingml/2006/diagram" xmlns:o="urn:schemas-microsoft-com:office:office" xmlns:v="urn:schemas-microsoft-com:vml" xmlns:pvml="urn:schemas-microsoft-com:office:powerpoint" xmlns:com="http://schemas.openxmlformats.org/drawingml/2006/compatibility" xmlns:p14="http://schemas.microsoft.com/office/powerpoint/2010/main" xmlns:p15="http://schemas.microsoft.com/office/powerpoint/2012/main" xmlns:ahyp="http://schemas.microsoft.com/office/drawing/2018/hyperlinkcolor">
-  <p:cm authorId="0" idx="16" dt="2024-09-19T03:44:46.783">
-    <p:pos x="196" y="797"/>
-    <p:text>I don't think they view L as a variable. They assume that it's a fixed, but potentially a large number, say, 10. So, this is going to create a major different between p vs p^10, as you change p.</p:text>
-  </p:cm>
-  <p:cm authorId="0" idx="17" dt="2024-09-19T03:44:46.783">
-    <p:pos x="196" y="797"/>
-    <p:text>You can actually see examples in the results figures.</p:text>
-  </p:cm>
-</p:cmLst>
-</file>
-
-<file path=ppt/comments/comment8.xml><?xml version="1.0" encoding="utf-8"?>
-<p:cmLst xmlns:a="http://schemas.openxmlformats.org/drawingml/2006/main" xmlns:r="http://schemas.openxmlformats.org/officeDocument/2006/relationships" xmlns:mc="http://schemas.openxmlformats.org/markup-compatibility/2006" xmlns:mv="urn:schemas-microsoft-com:mac:vml" xmlns:p="http://schemas.openxmlformats.org/presentationml/2006/main" xmlns:c="http://schemas.openxmlformats.org/drawingml/2006/chart" xmlns:dgm="http://schemas.openxmlformats.org/drawingml/2006/diagram" xmlns:o="urn:schemas-microsoft-com:office:office" xmlns:v="urn:schemas-microsoft-com:vml" xmlns:pvml="urn:schemas-microsoft-com:office:powerpoint" xmlns:com="http://schemas.openxmlformats.org/drawingml/2006/compatibility" xmlns:p14="http://schemas.microsoft.com/office/powerpoint/2010/main" xmlns:p15="http://schemas.microsoft.com/office/powerpoint/2012/main" xmlns:ahyp="http://schemas.microsoft.com/office/drawing/2018/hyperlinkcolor">
-  <p:cm authorId="0" idx="18" dt="2024-09-19T03:45:12.930">
-    <p:pos x="6000" y="0"/>
-    <p:text>Add a brief sentence describing what is "target str len"</p:text>
-  </p:cm>
-  <p:cm authorId="0" idx="19" dt="2024-09-19T03:39:54.658">
-    <p:pos x="6000" y="100"/>
-    <p:text>The figure quality is low here</p:text>
-  </p:cm>
-</p:cmLst>
-</file>
-
-<file path=ppt/comments/comment9.xml><?xml version="1.0" encoding="utf-8"?>
-<p:cmLst xmlns:a="http://schemas.openxmlformats.org/drawingml/2006/main" xmlns:r="http://schemas.openxmlformats.org/officeDocument/2006/relationships" xmlns:mc="http://schemas.openxmlformats.org/markup-compatibility/2006" xmlns:mv="urn:schemas-microsoft-com:mac:vml" xmlns:p="http://schemas.openxmlformats.org/presentationml/2006/main" xmlns:c="http://schemas.openxmlformats.org/drawingml/2006/chart" xmlns:dgm="http://schemas.openxmlformats.org/drawingml/2006/diagram" xmlns:o="urn:schemas-microsoft-com:office:office" xmlns:v="urn:schemas-microsoft-com:vml" xmlns:pvml="urn:schemas-microsoft-com:office:powerpoint" xmlns:com="http://schemas.openxmlformats.org/drawingml/2006/compatibility" xmlns:p14="http://schemas.microsoft.com/office/powerpoint/2010/main" xmlns:p15="http://schemas.microsoft.com/office/powerpoint/2012/main" xmlns:ahyp="http://schemas.microsoft.com/office/drawing/2018/hyperlinkcolor">
-  <p:cm authorId="0" idx="20" dt="2024-09-19T03:46:41.871">
-    <p:pos x="6000" y="0"/>
-    <p:text>This seems to be repeating the same results in 12? if so, redundant?</p:text>
-  </p:cm>
-  <p:cm authorId="0" idx="21" dt="2024-09-19T03:44:07.143">
-    <p:pos x="6000" y="100"/>
-    <p:text>Again, please include a more higher quality screenshot of the figures</p:text>
-  </p:cm>
-  <p:cm authorId="0" idx="22" dt="2024-09-19T03:47:00.456">
-    <p:pos x="260" y="280"/>
-    <p:text>Result 1? Experiment 1?</p:text>
   </p:cm>
 </p:cmLst>
 </file>
@@ -1032,7 +943,7 @@
   <p:cSld>
     <p:spTree>
       <p:nvGrpSpPr>
-        <p:cNvPr id="117" name="Shape 117"/>
+        <p:cNvPr id="118" name="Shape 118"/>
         <p:cNvGrpSpPr/>
         <p:nvPr/>
       </p:nvGrpSpPr>
@@ -1046,7 +957,7 @@
       </p:grpSpPr>
       <p:sp>
         <p:nvSpPr>
-          <p:cNvPr id="118" name="Google Shape;118;g30019bb8451_0_156:notes"/>
+          <p:cNvPr id="119" name="Google Shape;119;g30019bb8451_0_156:notes"/>
           <p:cNvSpPr/>
           <p:nvPr>
             <p:ph idx="2" type="sldImg"/>
@@ -1081,7 +992,7 @@
       </p:sp>
       <p:sp>
         <p:nvSpPr>
-          <p:cNvPr id="119" name="Google Shape;119;g30019bb8451_0_156:notes"/>
+          <p:cNvPr id="120" name="Google Shape;120;g30019bb8451_0_156:notes"/>
           <p:cNvSpPr txBox="1"/>
           <p:nvPr>
             <p:ph idx="1" type="body"/>
@@ -1131,7 +1042,7 @@
   <p:cSld>
     <p:spTree>
       <p:nvGrpSpPr>
-        <p:cNvPr id="123" name="Shape 123"/>
+        <p:cNvPr id="124" name="Shape 124"/>
         <p:cNvGrpSpPr/>
         <p:nvPr/>
       </p:nvGrpSpPr>
@@ -1145,7 +1056,7 @@
       </p:grpSpPr>
       <p:sp>
         <p:nvSpPr>
-          <p:cNvPr id="124" name="Google Shape;124;g30019bb8451_0_161:notes"/>
+          <p:cNvPr id="125" name="Google Shape;125;g30019bb8451_0_161:notes"/>
           <p:cNvSpPr/>
           <p:nvPr>
             <p:ph idx="2" type="sldImg"/>
@@ -1180,7 +1091,7 @@
       </p:sp>
       <p:sp>
         <p:nvSpPr>
-          <p:cNvPr id="125" name="Google Shape;125;g30019bb8451_0_161:notes"/>
+          <p:cNvPr id="126" name="Google Shape;126;g30019bb8451_0_161:notes"/>
           <p:cNvSpPr txBox="1"/>
           <p:nvPr>
             <p:ph idx="1" type="body"/>
@@ -1230,7 +1141,7 @@
   <p:cSld>
     <p:spTree>
       <p:nvGrpSpPr>
-        <p:cNvPr id="129" name="Shape 129"/>
+        <p:cNvPr id="130" name="Shape 130"/>
         <p:cNvGrpSpPr/>
         <p:nvPr/>
       </p:nvGrpSpPr>
@@ -1244,7 +1155,7 @@
       </p:grpSpPr>
       <p:sp>
         <p:nvSpPr>
-          <p:cNvPr id="130" name="Google Shape;130;g300aad7f145_1_5:notes"/>
+          <p:cNvPr id="131" name="Google Shape;131;g300aad7f145_1_5:notes"/>
           <p:cNvSpPr/>
           <p:nvPr>
             <p:ph idx="2" type="sldImg"/>
@@ -1279,7 +1190,7 @@
       </p:sp>
       <p:sp>
         <p:nvSpPr>
-          <p:cNvPr id="131" name="Google Shape;131;g300aad7f145_1_5:notes"/>
+          <p:cNvPr id="132" name="Google Shape;132;g300aad7f145_1_5:notes"/>
           <p:cNvSpPr txBox="1"/>
           <p:nvPr>
             <p:ph idx="1" type="body"/>
@@ -1343,7 +1254,7 @@
       </p:grpSpPr>
       <p:sp>
         <p:nvSpPr>
-          <p:cNvPr id="137" name="Google Shape;137;g300aad7f145_2_1:notes"/>
+          <p:cNvPr id="137" name="Google Shape;137;g302644daf69_0_7:notes"/>
           <p:cNvSpPr/>
           <p:nvPr>
             <p:ph idx="2" type="sldImg"/>
@@ -1378,7 +1289,7 @@
       </p:sp>
       <p:sp>
         <p:nvSpPr>
-          <p:cNvPr id="138" name="Google Shape;138;g300aad7f145_2_1:notes"/>
+          <p:cNvPr id="138" name="Google Shape;138;g302644daf69_0_7:notes"/>
           <p:cNvSpPr txBox="1"/>
           <p:nvPr>
             <p:ph idx="1" type="body"/>
@@ -1442,7 +1353,7 @@
       </p:grpSpPr>
       <p:sp>
         <p:nvSpPr>
-          <p:cNvPr id="143" name="Google Shape;143;g300aad7f145_2_10:notes"/>
+          <p:cNvPr id="143" name="Google Shape;143;g302644daf69_0_15:notes"/>
           <p:cNvSpPr/>
           <p:nvPr>
             <p:ph idx="2" type="sldImg"/>
@@ -1477,7 +1388,7 @@
       </p:sp>
       <p:sp>
         <p:nvSpPr>
-          <p:cNvPr id="144" name="Google Shape;144;g300aad7f145_2_10:notes"/>
+          <p:cNvPr id="144" name="Google Shape;144;g302644daf69_0_15:notes"/>
           <p:cNvSpPr txBox="1"/>
           <p:nvPr>
             <p:ph idx="1" type="body"/>
@@ -1527,7 +1438,7 @@
   <p:cSld>
     <p:spTree>
       <p:nvGrpSpPr>
-        <p:cNvPr id="151" name="Shape 151"/>
+        <p:cNvPr id="148" name="Shape 148"/>
         <p:cNvGrpSpPr/>
         <p:nvPr/>
       </p:nvGrpSpPr>
@@ -1541,7 +1452,7 @@
       </p:grpSpPr>
       <p:sp>
         <p:nvSpPr>
-          <p:cNvPr id="152" name="Google Shape;152;g300aad7f145_2_24:notes"/>
+          <p:cNvPr id="149" name="Google Shape;149;g302644daf69_0_24:notes"/>
           <p:cNvSpPr/>
           <p:nvPr>
             <p:ph idx="2" type="sldImg"/>
@@ -1576,7 +1487,7 @@
       </p:sp>
       <p:sp>
         <p:nvSpPr>
-          <p:cNvPr id="153" name="Google Shape;153;g300aad7f145_2_24:notes"/>
+          <p:cNvPr id="150" name="Google Shape;150;g302644daf69_0_24:notes"/>
           <p:cNvSpPr txBox="1"/>
           <p:nvPr>
             <p:ph idx="1" type="body"/>
@@ -1626,7 +1537,7 @@
   <p:cSld>
     <p:spTree>
       <p:nvGrpSpPr>
-        <p:cNvPr id="159" name="Shape 159"/>
+        <p:cNvPr id="153" name="Shape 153"/>
         <p:cNvGrpSpPr/>
         <p:nvPr/>
       </p:nvGrpSpPr>
@@ -1640,7 +1551,7 @@
       </p:grpSpPr>
       <p:sp>
         <p:nvSpPr>
-          <p:cNvPr id="160" name="Google Shape;160;g300aad7f145_2_33:notes"/>
+          <p:cNvPr id="154" name="Google Shape;154;g302644daf69_0_28:notes"/>
           <p:cNvSpPr/>
           <p:nvPr>
             <p:ph idx="2" type="sldImg"/>
@@ -1675,7 +1586,7 @@
       </p:sp>
       <p:sp>
         <p:nvSpPr>
-          <p:cNvPr id="161" name="Google Shape;161;g300aad7f145_2_33:notes"/>
+          <p:cNvPr id="155" name="Google Shape;155;g302644daf69_0_28:notes"/>
           <p:cNvSpPr txBox="1"/>
           <p:nvPr>
             <p:ph idx="1" type="body"/>
@@ -1725,7 +1636,7 @@
   <p:cSld>
     <p:spTree>
       <p:nvGrpSpPr>
-        <p:cNvPr id="165" name="Shape 165"/>
+        <p:cNvPr id="159" name="Shape 159"/>
         <p:cNvGrpSpPr/>
         <p:nvPr/>
       </p:nvGrpSpPr>
@@ -1739,7 +1650,7 @@
       </p:grpSpPr>
       <p:sp>
         <p:nvSpPr>
-          <p:cNvPr id="166" name="Google Shape;166;g300aad7f145_2_42:notes"/>
+          <p:cNvPr id="160" name="Google Shape;160;g302644daf69_0_33:notes"/>
           <p:cNvSpPr/>
           <p:nvPr>
             <p:ph idx="2" type="sldImg"/>
@@ -1774,7 +1685,7 @@
       </p:sp>
       <p:sp>
         <p:nvSpPr>
-          <p:cNvPr id="167" name="Google Shape;167;g300aad7f145_2_42:notes"/>
+          <p:cNvPr id="161" name="Google Shape;161;g302644daf69_0_33:notes"/>
           <p:cNvSpPr txBox="1"/>
           <p:nvPr>
             <p:ph idx="1" type="body"/>
@@ -1824,7 +1735,7 @@
   <p:cSld>
     <p:spTree>
       <p:nvGrpSpPr>
-        <p:cNvPr id="172" name="Shape 172"/>
+        <p:cNvPr id="164" name="Shape 164"/>
         <p:cNvGrpSpPr/>
         <p:nvPr/>
       </p:nvGrpSpPr>
@@ -1838,7 +1749,7 @@
       </p:grpSpPr>
       <p:sp>
         <p:nvSpPr>
-          <p:cNvPr id="173" name="Google Shape;173;g300aad7f145_2_51:notes"/>
+          <p:cNvPr id="165" name="Google Shape;165;g300aad7f145_2_1:notes"/>
           <p:cNvSpPr/>
           <p:nvPr>
             <p:ph idx="2" type="sldImg"/>
@@ -1873,7 +1784,7 @@
       </p:sp>
       <p:sp>
         <p:nvSpPr>
-          <p:cNvPr id="174" name="Google Shape;174;g300aad7f145_2_51:notes"/>
+          <p:cNvPr id="166" name="Google Shape;166;g300aad7f145_2_1:notes"/>
           <p:cNvSpPr txBox="1"/>
           <p:nvPr>
             <p:ph idx="1" type="body"/>
@@ -1923,7 +1834,7 @@
   <p:cSld>
     <p:spTree>
       <p:nvGrpSpPr>
-        <p:cNvPr id="180" name="Shape 180"/>
+        <p:cNvPr id="170" name="Shape 170"/>
         <p:cNvGrpSpPr/>
         <p:nvPr/>
       </p:nvGrpSpPr>
@@ -1937,7 +1848,7 @@
       </p:grpSpPr>
       <p:sp>
         <p:nvSpPr>
-          <p:cNvPr id="181" name="Google Shape;181;g300aad7f145_2_67:notes"/>
+          <p:cNvPr id="171" name="Google Shape;171;g302644daf69_0_41:notes"/>
           <p:cNvSpPr/>
           <p:nvPr>
             <p:ph idx="2" type="sldImg"/>
@@ -1972,7 +1883,7 @@
       </p:sp>
       <p:sp>
         <p:nvSpPr>
-          <p:cNvPr id="182" name="Google Shape;182;g300aad7f145_2_67:notes"/>
+          <p:cNvPr id="172" name="Google Shape;172;g302644daf69_0_41:notes"/>
           <p:cNvSpPr txBox="1"/>
           <p:nvPr>
             <p:ph idx="1" type="body"/>
@@ -2122,7 +2033,7 @@
   <p:cSld>
     <p:spTree>
       <p:nvGrpSpPr>
-        <p:cNvPr id="188" name="Shape 188"/>
+        <p:cNvPr id="176" name="Shape 176"/>
         <p:cNvGrpSpPr/>
         <p:nvPr/>
       </p:nvGrpSpPr>
@@ -2136,7 +2047,7 @@
       </p:grpSpPr>
       <p:sp>
         <p:nvSpPr>
-          <p:cNvPr id="189" name="Google Shape;189;g300aad7f145_2_76:notes"/>
+          <p:cNvPr id="177" name="Google Shape;177;g302644daf69_0_46:notes"/>
           <p:cNvSpPr/>
           <p:nvPr>
             <p:ph idx="2" type="sldImg"/>
@@ -2171,7 +2082,7 @@
       </p:sp>
       <p:sp>
         <p:nvSpPr>
-          <p:cNvPr id="190" name="Google Shape;190;g300aad7f145_2_76:notes"/>
+          <p:cNvPr id="178" name="Google Shape;178;g302644daf69_0_46:notes"/>
           <p:cNvSpPr txBox="1"/>
           <p:nvPr>
             <p:ph idx="1" type="body"/>
@@ -2221,7 +2132,7 @@
   <p:cSld>
     <p:spTree>
       <p:nvGrpSpPr>
-        <p:cNvPr id="197" name="Shape 197"/>
+        <p:cNvPr id="182" name="Shape 182"/>
         <p:cNvGrpSpPr/>
         <p:nvPr/>
       </p:nvGrpSpPr>
@@ -2235,7 +2146,7 @@
       </p:grpSpPr>
       <p:sp>
         <p:nvSpPr>
-          <p:cNvPr id="198" name="Google Shape;198;g300aad7f145_2_88:notes"/>
+          <p:cNvPr id="183" name="Google Shape;183;g300aad7f145_2_33:notes"/>
           <p:cNvSpPr/>
           <p:nvPr>
             <p:ph idx="2" type="sldImg"/>
@@ -2270,7 +2181,7 @@
       </p:sp>
       <p:sp>
         <p:nvSpPr>
-          <p:cNvPr id="199" name="Google Shape;199;g300aad7f145_2_88:notes"/>
+          <p:cNvPr id="184" name="Google Shape;184;g300aad7f145_2_33:notes"/>
           <p:cNvSpPr txBox="1"/>
           <p:nvPr>
             <p:ph idx="1" type="body"/>
@@ -2320,7 +2231,7 @@
   <p:cSld>
     <p:spTree>
       <p:nvGrpSpPr>
-        <p:cNvPr id="203" name="Shape 203"/>
+        <p:cNvPr id="188" name="Shape 188"/>
         <p:cNvGrpSpPr/>
         <p:nvPr/>
       </p:nvGrpSpPr>
@@ -2334,7 +2245,7 @@
       </p:grpSpPr>
       <p:sp>
         <p:nvSpPr>
-          <p:cNvPr id="204" name="Google Shape;204;g300aad7f145_2_95:notes"/>
+          <p:cNvPr id="189" name="Google Shape;189;g300aad7f145_2_42:notes"/>
           <p:cNvSpPr/>
           <p:nvPr>
             <p:ph idx="2" type="sldImg"/>
@@ -2369,7 +2280,7 @@
       </p:sp>
       <p:sp>
         <p:nvSpPr>
-          <p:cNvPr id="205" name="Google Shape;205;g300aad7f145_2_95:notes"/>
+          <p:cNvPr id="190" name="Google Shape;190;g300aad7f145_2_42:notes"/>
           <p:cNvSpPr txBox="1"/>
           <p:nvPr>
             <p:ph idx="1" type="body"/>
@@ -2419,7 +2330,7 @@
   <p:cSld>
     <p:spTree>
       <p:nvGrpSpPr>
-        <p:cNvPr id="211" name="Shape 211"/>
+        <p:cNvPr id="195" name="Shape 195"/>
         <p:cNvGrpSpPr/>
         <p:nvPr/>
       </p:nvGrpSpPr>
@@ -2433,7 +2344,7 @@
       </p:grpSpPr>
       <p:sp>
         <p:nvSpPr>
-          <p:cNvPr id="212" name="Google Shape;212;g300aad7f145_2_104:notes"/>
+          <p:cNvPr id="196" name="Google Shape;196;g302644daf69_0_52:notes"/>
           <p:cNvSpPr/>
           <p:nvPr>
             <p:ph idx="2" type="sldImg"/>
@@ -2468,7 +2379,7 @@
       </p:sp>
       <p:sp>
         <p:nvSpPr>
-          <p:cNvPr id="213" name="Google Shape;213;g300aad7f145_2_104:notes"/>
+          <p:cNvPr id="197" name="Google Shape;197;g302644daf69_0_52:notes"/>
           <p:cNvSpPr txBox="1"/>
           <p:nvPr>
             <p:ph idx="1" type="body"/>
@@ -2518,7 +2429,7 @@
   <p:cSld>
     <p:spTree>
       <p:nvGrpSpPr>
-        <p:cNvPr id="219" name="Shape 219"/>
+        <p:cNvPr id="200" name="Shape 200"/>
         <p:cNvGrpSpPr/>
         <p:nvPr/>
       </p:nvGrpSpPr>
@@ -2532,7 +2443,7 @@
       </p:grpSpPr>
       <p:sp>
         <p:nvSpPr>
-          <p:cNvPr id="220" name="Google Shape;220;g30110db2cff_0_6:notes"/>
+          <p:cNvPr id="201" name="Google Shape;201;g302644daf69_0_56:notes"/>
           <p:cNvSpPr/>
           <p:nvPr>
             <p:ph idx="2" type="sldImg"/>
@@ -2567,7 +2478,502 @@
       </p:sp>
       <p:sp>
         <p:nvSpPr>
-          <p:cNvPr id="221" name="Google Shape;221;g30110db2cff_0_6:notes"/>
+          <p:cNvPr id="202" name="Google Shape;202;g302644daf69_0_56:notes"/>
+          <p:cNvSpPr txBox="1"/>
+          <p:nvPr>
+            <p:ph idx="1" type="body"/>
+          </p:nvPr>
+        </p:nvSpPr>
+        <p:spPr>
+          <a:xfrm>
+            <a:off x="685800" y="4343400"/>
+            <a:ext cx="5486400" cy="4114800"/>
+          </a:xfrm>
+          <a:prstGeom prst="rect">
+            <a:avLst/>
+          </a:prstGeom>
+        </p:spPr>
+        <p:txBody>
+          <a:bodyPr anchorCtr="0" anchor="t" bIns="91425" lIns="91425" spcFirstLastPara="1" rIns="91425" wrap="square" tIns="91425">
+            <a:noAutofit/>
+          </a:bodyPr>
+          <a:lstStyle/>
+          <a:p>
+            <a:pPr indent="0" lvl="0" marL="0" rtl="0" algn="l">
+              <a:spcBef>
+                <a:spcPts val="0"/>
+              </a:spcBef>
+              <a:spcAft>
+                <a:spcPts val="0"/>
+              </a:spcAft>
+              <a:buNone/>
+            </a:pPr>
+            <a:r>
+              <a:t/>
+            </a:r>
+            <a:endParaRPr/>
+          </a:p>
+        </p:txBody>
+      </p:sp>
+    </p:spTree>
+  </p:cSld>
+  <p:clrMapOvr>
+    <a:masterClrMapping/>
+  </p:clrMapOvr>
+</p:notes>
+</file>
+
+<file path=ppt/notesSlides/notesSlide25.xml><?xml version="1.0" encoding="utf-8"?>
+<p:notes xmlns:a="http://schemas.openxmlformats.org/drawingml/2006/main" xmlns:r="http://schemas.openxmlformats.org/officeDocument/2006/relationships" xmlns:mc="http://schemas.openxmlformats.org/markup-compatibility/2006" xmlns:mv="urn:schemas-microsoft-com:mac:vml" xmlns:p="http://schemas.openxmlformats.org/presentationml/2006/main" xmlns:c="http://schemas.openxmlformats.org/drawingml/2006/chart" xmlns:dgm="http://schemas.openxmlformats.org/drawingml/2006/diagram" xmlns:o="urn:schemas-microsoft-com:office:office" xmlns:v="urn:schemas-microsoft-com:vml" xmlns:pvml="urn:schemas-microsoft-com:office:powerpoint" xmlns:com="http://schemas.openxmlformats.org/drawingml/2006/compatibility" xmlns:p14="http://schemas.microsoft.com/office/powerpoint/2010/main" xmlns:p15="http://schemas.microsoft.com/office/powerpoint/2012/main" xmlns:ahyp="http://schemas.microsoft.com/office/drawing/2018/hyperlinkcolor" showMasterPhAnim="0" showMasterSp="0">
+  <p:cSld>
+    <p:spTree>
+      <p:nvGrpSpPr>
+        <p:cNvPr id="206" name="Shape 206"/>
+        <p:cNvGrpSpPr/>
+        <p:nvPr/>
+      </p:nvGrpSpPr>
+      <p:grpSpPr>
+        <a:xfrm>
+          <a:off x="0" y="0"/>
+          <a:ext cx="0" cy="0"/>
+          <a:chOff x="0" y="0"/>
+          <a:chExt cx="0" cy="0"/>
+        </a:xfrm>
+      </p:grpSpPr>
+      <p:sp>
+        <p:nvSpPr>
+          <p:cNvPr id="207" name="Google Shape;207;g300aad7f145_2_67:notes"/>
+          <p:cNvSpPr/>
+          <p:nvPr>
+            <p:ph idx="2" type="sldImg"/>
+          </p:nvPr>
+        </p:nvSpPr>
+        <p:spPr>
+          <a:xfrm>
+            <a:off x="381300" y="685800"/>
+            <a:ext cx="6096000" cy="3429000"/>
+          </a:xfrm>
+          <a:custGeom>
+            <a:rect b="b" l="l" r="r" t="t"/>
+            <a:pathLst>
+              <a:path extrusionOk="0" h="120000" w="120000">
+                <a:moveTo>
+                  <a:pt x="0" y="0"/>
+                </a:moveTo>
+                <a:lnTo>
+                  <a:pt x="120000" y="0"/>
+                </a:lnTo>
+                <a:lnTo>
+                  <a:pt x="120000" y="120000"/>
+                </a:lnTo>
+                <a:lnTo>
+                  <a:pt x="0" y="120000"/>
+                </a:lnTo>
+                <a:close/>
+              </a:path>
+            </a:pathLst>
+          </a:custGeom>
+        </p:spPr>
+      </p:sp>
+      <p:sp>
+        <p:nvSpPr>
+          <p:cNvPr id="208" name="Google Shape;208;g300aad7f145_2_67:notes"/>
+          <p:cNvSpPr txBox="1"/>
+          <p:nvPr>
+            <p:ph idx="1" type="body"/>
+          </p:nvPr>
+        </p:nvSpPr>
+        <p:spPr>
+          <a:xfrm>
+            <a:off x="685800" y="4343400"/>
+            <a:ext cx="5486400" cy="4114800"/>
+          </a:xfrm>
+          <a:prstGeom prst="rect">
+            <a:avLst/>
+          </a:prstGeom>
+        </p:spPr>
+        <p:txBody>
+          <a:bodyPr anchorCtr="0" anchor="t" bIns="91425" lIns="91425" spcFirstLastPara="1" rIns="91425" wrap="square" tIns="91425">
+            <a:noAutofit/>
+          </a:bodyPr>
+          <a:lstStyle/>
+          <a:p>
+            <a:pPr indent="0" lvl="0" marL="0" rtl="0" algn="l">
+              <a:spcBef>
+                <a:spcPts val="0"/>
+              </a:spcBef>
+              <a:spcAft>
+                <a:spcPts val="0"/>
+              </a:spcAft>
+              <a:buNone/>
+            </a:pPr>
+            <a:r>
+              <a:t/>
+            </a:r>
+            <a:endParaRPr/>
+          </a:p>
+        </p:txBody>
+      </p:sp>
+    </p:spTree>
+  </p:cSld>
+  <p:clrMapOvr>
+    <a:masterClrMapping/>
+  </p:clrMapOvr>
+</p:notes>
+</file>
+
+<file path=ppt/notesSlides/notesSlide26.xml><?xml version="1.0" encoding="utf-8"?>
+<p:notes xmlns:a="http://schemas.openxmlformats.org/drawingml/2006/main" xmlns:r="http://schemas.openxmlformats.org/officeDocument/2006/relationships" xmlns:mc="http://schemas.openxmlformats.org/markup-compatibility/2006" xmlns:mv="urn:schemas-microsoft-com:mac:vml" xmlns:p="http://schemas.openxmlformats.org/presentationml/2006/main" xmlns:c="http://schemas.openxmlformats.org/drawingml/2006/chart" xmlns:dgm="http://schemas.openxmlformats.org/drawingml/2006/diagram" xmlns:o="urn:schemas-microsoft-com:office:office" xmlns:v="urn:schemas-microsoft-com:vml" xmlns:pvml="urn:schemas-microsoft-com:office:powerpoint" xmlns:com="http://schemas.openxmlformats.org/drawingml/2006/compatibility" xmlns:p14="http://schemas.microsoft.com/office/powerpoint/2010/main" xmlns:p15="http://schemas.microsoft.com/office/powerpoint/2012/main" xmlns:ahyp="http://schemas.microsoft.com/office/drawing/2018/hyperlinkcolor" showMasterPhAnim="0" showMasterSp="0">
+  <p:cSld>
+    <p:spTree>
+      <p:nvGrpSpPr>
+        <p:cNvPr id="214" name="Shape 214"/>
+        <p:cNvGrpSpPr/>
+        <p:nvPr/>
+      </p:nvGrpSpPr>
+      <p:grpSpPr>
+        <a:xfrm>
+          <a:off x="0" y="0"/>
+          <a:ext cx="0" cy="0"/>
+          <a:chOff x="0" y="0"/>
+          <a:chExt cx="0" cy="0"/>
+        </a:xfrm>
+      </p:grpSpPr>
+      <p:sp>
+        <p:nvSpPr>
+          <p:cNvPr id="215" name="Google Shape;215;g302644daf69_0_63:notes"/>
+          <p:cNvSpPr/>
+          <p:nvPr>
+            <p:ph idx="2" type="sldImg"/>
+          </p:nvPr>
+        </p:nvSpPr>
+        <p:spPr>
+          <a:xfrm>
+            <a:off x="381300" y="685800"/>
+            <a:ext cx="6096000" cy="3429000"/>
+          </a:xfrm>
+          <a:custGeom>
+            <a:rect b="b" l="l" r="r" t="t"/>
+            <a:pathLst>
+              <a:path extrusionOk="0" h="120000" w="120000">
+                <a:moveTo>
+                  <a:pt x="0" y="0"/>
+                </a:moveTo>
+                <a:lnTo>
+                  <a:pt x="120000" y="0"/>
+                </a:lnTo>
+                <a:lnTo>
+                  <a:pt x="120000" y="120000"/>
+                </a:lnTo>
+                <a:lnTo>
+                  <a:pt x="0" y="120000"/>
+                </a:lnTo>
+                <a:close/>
+              </a:path>
+            </a:pathLst>
+          </a:custGeom>
+        </p:spPr>
+      </p:sp>
+      <p:sp>
+        <p:nvSpPr>
+          <p:cNvPr id="216" name="Google Shape;216;g302644daf69_0_63:notes"/>
+          <p:cNvSpPr txBox="1"/>
+          <p:nvPr>
+            <p:ph idx="1" type="body"/>
+          </p:nvPr>
+        </p:nvSpPr>
+        <p:spPr>
+          <a:xfrm>
+            <a:off x="685800" y="4343400"/>
+            <a:ext cx="5486400" cy="4114800"/>
+          </a:xfrm>
+          <a:prstGeom prst="rect">
+            <a:avLst/>
+          </a:prstGeom>
+        </p:spPr>
+        <p:txBody>
+          <a:bodyPr anchorCtr="0" anchor="t" bIns="91425" lIns="91425" spcFirstLastPara="1" rIns="91425" wrap="square" tIns="91425">
+            <a:noAutofit/>
+          </a:bodyPr>
+          <a:lstStyle/>
+          <a:p>
+            <a:pPr indent="0" lvl="0" marL="0" rtl="0" algn="l">
+              <a:spcBef>
+                <a:spcPts val="0"/>
+              </a:spcBef>
+              <a:spcAft>
+                <a:spcPts val="0"/>
+              </a:spcAft>
+              <a:buNone/>
+            </a:pPr>
+            <a:r>
+              <a:t/>
+            </a:r>
+            <a:endParaRPr/>
+          </a:p>
+        </p:txBody>
+      </p:sp>
+    </p:spTree>
+  </p:cSld>
+  <p:clrMapOvr>
+    <a:masterClrMapping/>
+  </p:clrMapOvr>
+</p:notes>
+</file>
+
+<file path=ppt/notesSlides/notesSlide27.xml><?xml version="1.0" encoding="utf-8"?>
+<p:notes xmlns:a="http://schemas.openxmlformats.org/drawingml/2006/main" xmlns:r="http://schemas.openxmlformats.org/officeDocument/2006/relationships" xmlns:mc="http://schemas.openxmlformats.org/markup-compatibility/2006" xmlns:mv="urn:schemas-microsoft-com:mac:vml" xmlns:p="http://schemas.openxmlformats.org/presentationml/2006/main" xmlns:c="http://schemas.openxmlformats.org/drawingml/2006/chart" xmlns:dgm="http://schemas.openxmlformats.org/drawingml/2006/diagram" xmlns:o="urn:schemas-microsoft-com:office:office" xmlns:v="urn:schemas-microsoft-com:vml" xmlns:pvml="urn:schemas-microsoft-com:office:powerpoint" xmlns:com="http://schemas.openxmlformats.org/drawingml/2006/compatibility" xmlns:p14="http://schemas.microsoft.com/office/powerpoint/2010/main" xmlns:p15="http://schemas.microsoft.com/office/powerpoint/2012/main" xmlns:ahyp="http://schemas.microsoft.com/office/drawing/2018/hyperlinkcolor" showMasterPhAnim="0" showMasterSp="0">
+  <p:cSld>
+    <p:spTree>
+      <p:nvGrpSpPr>
+        <p:cNvPr id="220" name="Shape 220"/>
+        <p:cNvGrpSpPr/>
+        <p:nvPr/>
+      </p:nvGrpSpPr>
+      <p:grpSpPr>
+        <a:xfrm>
+          <a:off x="0" y="0"/>
+          <a:ext cx="0" cy="0"/>
+          <a:chOff x="0" y="0"/>
+          <a:chExt cx="0" cy="0"/>
+        </a:xfrm>
+      </p:grpSpPr>
+      <p:sp>
+        <p:nvSpPr>
+          <p:cNvPr id="221" name="Google Shape;221;g302644daf69_0_71:notes"/>
+          <p:cNvSpPr/>
+          <p:nvPr>
+            <p:ph idx="2" type="sldImg"/>
+          </p:nvPr>
+        </p:nvSpPr>
+        <p:spPr>
+          <a:xfrm>
+            <a:off x="381300" y="685800"/>
+            <a:ext cx="6096000" cy="3429000"/>
+          </a:xfrm>
+          <a:custGeom>
+            <a:rect b="b" l="l" r="r" t="t"/>
+            <a:pathLst>
+              <a:path extrusionOk="0" h="120000" w="120000">
+                <a:moveTo>
+                  <a:pt x="0" y="0"/>
+                </a:moveTo>
+                <a:lnTo>
+                  <a:pt x="120000" y="0"/>
+                </a:lnTo>
+                <a:lnTo>
+                  <a:pt x="120000" y="120000"/>
+                </a:lnTo>
+                <a:lnTo>
+                  <a:pt x="0" y="120000"/>
+                </a:lnTo>
+                <a:close/>
+              </a:path>
+            </a:pathLst>
+          </a:custGeom>
+        </p:spPr>
+      </p:sp>
+      <p:sp>
+        <p:nvSpPr>
+          <p:cNvPr id="222" name="Google Shape;222;g302644daf69_0_71:notes"/>
+          <p:cNvSpPr txBox="1"/>
+          <p:nvPr>
+            <p:ph idx="1" type="body"/>
+          </p:nvPr>
+        </p:nvSpPr>
+        <p:spPr>
+          <a:xfrm>
+            <a:off x="685800" y="4343400"/>
+            <a:ext cx="5486400" cy="4114800"/>
+          </a:xfrm>
+          <a:prstGeom prst="rect">
+            <a:avLst/>
+          </a:prstGeom>
+        </p:spPr>
+        <p:txBody>
+          <a:bodyPr anchorCtr="0" anchor="t" bIns="91425" lIns="91425" spcFirstLastPara="1" rIns="91425" wrap="square" tIns="91425">
+            <a:noAutofit/>
+          </a:bodyPr>
+          <a:lstStyle/>
+          <a:p>
+            <a:pPr indent="0" lvl="0" marL="0" rtl="0" algn="l">
+              <a:spcBef>
+                <a:spcPts val="0"/>
+              </a:spcBef>
+              <a:spcAft>
+                <a:spcPts val="0"/>
+              </a:spcAft>
+              <a:buNone/>
+            </a:pPr>
+            <a:r>
+              <a:t/>
+            </a:r>
+            <a:endParaRPr/>
+          </a:p>
+        </p:txBody>
+      </p:sp>
+    </p:spTree>
+  </p:cSld>
+  <p:clrMapOvr>
+    <a:masterClrMapping/>
+  </p:clrMapOvr>
+</p:notes>
+</file>
+
+<file path=ppt/notesSlides/notesSlide28.xml><?xml version="1.0" encoding="utf-8"?>
+<p:notes xmlns:a="http://schemas.openxmlformats.org/drawingml/2006/main" xmlns:r="http://schemas.openxmlformats.org/officeDocument/2006/relationships" xmlns:mc="http://schemas.openxmlformats.org/markup-compatibility/2006" xmlns:mv="urn:schemas-microsoft-com:mac:vml" xmlns:p="http://schemas.openxmlformats.org/presentationml/2006/main" xmlns:c="http://schemas.openxmlformats.org/drawingml/2006/chart" xmlns:dgm="http://schemas.openxmlformats.org/drawingml/2006/diagram" xmlns:o="urn:schemas-microsoft-com:office:office" xmlns:v="urn:schemas-microsoft-com:vml" xmlns:pvml="urn:schemas-microsoft-com:office:powerpoint" xmlns:com="http://schemas.openxmlformats.org/drawingml/2006/compatibility" xmlns:p14="http://schemas.microsoft.com/office/powerpoint/2010/main" xmlns:p15="http://schemas.microsoft.com/office/powerpoint/2012/main" xmlns:ahyp="http://schemas.microsoft.com/office/drawing/2018/hyperlinkcolor" showMasterPhAnim="0" showMasterSp="0">
+  <p:cSld>
+    <p:spTree>
+      <p:nvGrpSpPr>
+        <p:cNvPr id="226" name="Shape 226"/>
+        <p:cNvGrpSpPr/>
+        <p:nvPr/>
+      </p:nvGrpSpPr>
+      <p:grpSpPr>
+        <a:xfrm>
+          <a:off x="0" y="0"/>
+          <a:ext cx="0" cy="0"/>
+          <a:chOff x="0" y="0"/>
+          <a:chExt cx="0" cy="0"/>
+        </a:xfrm>
+      </p:grpSpPr>
+      <p:sp>
+        <p:nvSpPr>
+          <p:cNvPr id="227" name="Google Shape;227;g302644daf69_0_77:notes"/>
+          <p:cNvSpPr/>
+          <p:nvPr>
+            <p:ph idx="2" type="sldImg"/>
+          </p:nvPr>
+        </p:nvSpPr>
+        <p:spPr>
+          <a:xfrm>
+            <a:off x="381300" y="685800"/>
+            <a:ext cx="6096000" cy="3429000"/>
+          </a:xfrm>
+          <a:custGeom>
+            <a:rect b="b" l="l" r="r" t="t"/>
+            <a:pathLst>
+              <a:path extrusionOk="0" h="120000" w="120000">
+                <a:moveTo>
+                  <a:pt x="0" y="0"/>
+                </a:moveTo>
+                <a:lnTo>
+                  <a:pt x="120000" y="0"/>
+                </a:lnTo>
+                <a:lnTo>
+                  <a:pt x="120000" y="120000"/>
+                </a:lnTo>
+                <a:lnTo>
+                  <a:pt x="0" y="120000"/>
+                </a:lnTo>
+                <a:close/>
+              </a:path>
+            </a:pathLst>
+          </a:custGeom>
+        </p:spPr>
+      </p:sp>
+      <p:sp>
+        <p:nvSpPr>
+          <p:cNvPr id="228" name="Google Shape;228;g302644daf69_0_77:notes"/>
+          <p:cNvSpPr txBox="1"/>
+          <p:nvPr>
+            <p:ph idx="1" type="body"/>
+          </p:nvPr>
+        </p:nvSpPr>
+        <p:spPr>
+          <a:xfrm>
+            <a:off x="685800" y="4343400"/>
+            <a:ext cx="5486400" cy="4114800"/>
+          </a:xfrm>
+          <a:prstGeom prst="rect">
+            <a:avLst/>
+          </a:prstGeom>
+        </p:spPr>
+        <p:txBody>
+          <a:bodyPr anchorCtr="0" anchor="t" bIns="91425" lIns="91425" spcFirstLastPara="1" rIns="91425" wrap="square" tIns="91425">
+            <a:noAutofit/>
+          </a:bodyPr>
+          <a:lstStyle/>
+          <a:p>
+            <a:pPr indent="0" lvl="0" marL="0" rtl="0" algn="l">
+              <a:spcBef>
+                <a:spcPts val="0"/>
+              </a:spcBef>
+              <a:spcAft>
+                <a:spcPts val="0"/>
+              </a:spcAft>
+              <a:buNone/>
+            </a:pPr>
+            <a:r>
+              <a:t/>
+            </a:r>
+            <a:endParaRPr/>
+          </a:p>
+        </p:txBody>
+      </p:sp>
+    </p:spTree>
+  </p:cSld>
+  <p:clrMapOvr>
+    <a:masterClrMapping/>
+  </p:clrMapOvr>
+</p:notes>
+</file>
+
+<file path=ppt/notesSlides/notesSlide29.xml><?xml version="1.0" encoding="utf-8"?>
+<p:notes xmlns:a="http://schemas.openxmlformats.org/drawingml/2006/main" xmlns:r="http://schemas.openxmlformats.org/officeDocument/2006/relationships" xmlns:mc="http://schemas.openxmlformats.org/markup-compatibility/2006" xmlns:mv="urn:schemas-microsoft-com:mac:vml" xmlns:p="http://schemas.openxmlformats.org/presentationml/2006/main" xmlns:c="http://schemas.openxmlformats.org/drawingml/2006/chart" xmlns:dgm="http://schemas.openxmlformats.org/drawingml/2006/diagram" xmlns:o="urn:schemas-microsoft-com:office:office" xmlns:v="urn:schemas-microsoft-com:vml" xmlns:pvml="urn:schemas-microsoft-com:office:powerpoint" xmlns:com="http://schemas.openxmlformats.org/drawingml/2006/compatibility" xmlns:p14="http://schemas.microsoft.com/office/powerpoint/2010/main" xmlns:p15="http://schemas.microsoft.com/office/powerpoint/2012/main" xmlns:ahyp="http://schemas.microsoft.com/office/drawing/2018/hyperlinkcolor" showMasterPhAnim="0" showMasterSp="0">
+  <p:cSld>
+    <p:spTree>
+      <p:nvGrpSpPr>
+        <p:cNvPr id="232" name="Shape 232"/>
+        <p:cNvGrpSpPr/>
+        <p:nvPr/>
+      </p:nvGrpSpPr>
+      <p:grpSpPr>
+        <a:xfrm>
+          <a:off x="0" y="0"/>
+          <a:ext cx="0" cy="0"/>
+          <a:chOff x="0" y="0"/>
+          <a:chExt cx="0" cy="0"/>
+        </a:xfrm>
+      </p:grpSpPr>
+      <p:sp>
+        <p:nvSpPr>
+          <p:cNvPr id="233" name="Google Shape;233;g302644daf69_0_82:notes"/>
+          <p:cNvSpPr/>
+          <p:nvPr>
+            <p:ph idx="2" type="sldImg"/>
+          </p:nvPr>
+        </p:nvSpPr>
+        <p:spPr>
+          <a:xfrm>
+            <a:off x="381300" y="685800"/>
+            <a:ext cx="6096000" cy="3429000"/>
+          </a:xfrm>
+          <a:custGeom>
+            <a:rect b="b" l="l" r="r" t="t"/>
+            <a:pathLst>
+              <a:path extrusionOk="0" h="120000" w="120000">
+                <a:moveTo>
+                  <a:pt x="0" y="0"/>
+                </a:moveTo>
+                <a:lnTo>
+                  <a:pt x="120000" y="0"/>
+                </a:lnTo>
+                <a:lnTo>
+                  <a:pt x="120000" y="120000"/>
+                </a:lnTo>
+                <a:lnTo>
+                  <a:pt x="0" y="120000"/>
+                </a:lnTo>
+                <a:close/>
+              </a:path>
+            </a:pathLst>
+          </a:custGeom>
+        </p:spPr>
+      </p:sp>
+      <p:sp>
+        <p:nvSpPr>
+          <p:cNvPr id="234" name="Google Shape;234;g302644daf69_0_82:notes"/>
           <p:cNvSpPr txBox="1"/>
           <p:nvPr>
             <p:ph idx="1" type="body"/>
@@ -2667,6 +3073,798 @@
       <p:sp>
         <p:nvSpPr>
           <p:cNvPr id="76" name="Google Shape;76;g30019bb8451_0_61:notes"/>
+          <p:cNvSpPr txBox="1"/>
+          <p:nvPr>
+            <p:ph idx="1" type="body"/>
+          </p:nvPr>
+        </p:nvSpPr>
+        <p:spPr>
+          <a:xfrm>
+            <a:off x="685800" y="4343400"/>
+            <a:ext cx="5486400" cy="4114800"/>
+          </a:xfrm>
+          <a:prstGeom prst="rect">
+            <a:avLst/>
+          </a:prstGeom>
+        </p:spPr>
+        <p:txBody>
+          <a:bodyPr anchorCtr="0" anchor="t" bIns="91425" lIns="91425" spcFirstLastPara="1" rIns="91425" wrap="square" tIns="91425">
+            <a:noAutofit/>
+          </a:bodyPr>
+          <a:lstStyle/>
+          <a:p>
+            <a:pPr indent="0" lvl="0" marL="0" rtl="0" algn="l">
+              <a:spcBef>
+                <a:spcPts val="0"/>
+              </a:spcBef>
+              <a:spcAft>
+                <a:spcPts val="0"/>
+              </a:spcAft>
+              <a:buNone/>
+            </a:pPr>
+            <a:r>
+              <a:t/>
+            </a:r>
+            <a:endParaRPr/>
+          </a:p>
+        </p:txBody>
+      </p:sp>
+    </p:spTree>
+  </p:cSld>
+  <p:clrMapOvr>
+    <a:masterClrMapping/>
+  </p:clrMapOvr>
+</p:notes>
+</file>
+
+<file path=ppt/notesSlides/notesSlide30.xml><?xml version="1.0" encoding="utf-8"?>
+<p:notes xmlns:a="http://schemas.openxmlformats.org/drawingml/2006/main" xmlns:r="http://schemas.openxmlformats.org/officeDocument/2006/relationships" xmlns:mc="http://schemas.openxmlformats.org/markup-compatibility/2006" xmlns:mv="urn:schemas-microsoft-com:mac:vml" xmlns:p="http://schemas.openxmlformats.org/presentationml/2006/main" xmlns:c="http://schemas.openxmlformats.org/drawingml/2006/chart" xmlns:dgm="http://schemas.openxmlformats.org/drawingml/2006/diagram" xmlns:o="urn:schemas-microsoft-com:office:office" xmlns:v="urn:schemas-microsoft-com:vml" xmlns:pvml="urn:schemas-microsoft-com:office:powerpoint" xmlns:com="http://schemas.openxmlformats.org/drawingml/2006/compatibility" xmlns:p14="http://schemas.microsoft.com/office/powerpoint/2010/main" xmlns:p15="http://schemas.microsoft.com/office/powerpoint/2012/main" xmlns:ahyp="http://schemas.microsoft.com/office/drawing/2018/hyperlinkcolor" showMasterPhAnim="0" showMasterSp="0">
+  <p:cSld>
+    <p:spTree>
+      <p:nvGrpSpPr>
+        <p:cNvPr id="237" name="Shape 237"/>
+        <p:cNvGrpSpPr/>
+        <p:nvPr/>
+      </p:nvGrpSpPr>
+      <p:grpSpPr>
+        <a:xfrm>
+          <a:off x="0" y="0"/>
+          <a:ext cx="0" cy="0"/>
+          <a:chOff x="0" y="0"/>
+          <a:chExt cx="0" cy="0"/>
+        </a:xfrm>
+      </p:grpSpPr>
+      <p:sp>
+        <p:nvSpPr>
+          <p:cNvPr id="238" name="Google Shape;238;g300aad7f145_2_88:notes"/>
+          <p:cNvSpPr/>
+          <p:nvPr>
+            <p:ph idx="2" type="sldImg"/>
+          </p:nvPr>
+        </p:nvSpPr>
+        <p:spPr>
+          <a:xfrm>
+            <a:off x="381300" y="685800"/>
+            <a:ext cx="6096000" cy="3429000"/>
+          </a:xfrm>
+          <a:custGeom>
+            <a:rect b="b" l="l" r="r" t="t"/>
+            <a:pathLst>
+              <a:path extrusionOk="0" h="120000" w="120000">
+                <a:moveTo>
+                  <a:pt x="0" y="0"/>
+                </a:moveTo>
+                <a:lnTo>
+                  <a:pt x="120000" y="0"/>
+                </a:lnTo>
+                <a:lnTo>
+                  <a:pt x="120000" y="120000"/>
+                </a:lnTo>
+                <a:lnTo>
+                  <a:pt x="0" y="120000"/>
+                </a:lnTo>
+                <a:close/>
+              </a:path>
+            </a:pathLst>
+          </a:custGeom>
+        </p:spPr>
+      </p:sp>
+      <p:sp>
+        <p:nvSpPr>
+          <p:cNvPr id="239" name="Google Shape;239;g300aad7f145_2_88:notes"/>
+          <p:cNvSpPr txBox="1"/>
+          <p:nvPr>
+            <p:ph idx="1" type="body"/>
+          </p:nvPr>
+        </p:nvSpPr>
+        <p:spPr>
+          <a:xfrm>
+            <a:off x="685800" y="4343400"/>
+            <a:ext cx="5486400" cy="4114800"/>
+          </a:xfrm>
+          <a:prstGeom prst="rect">
+            <a:avLst/>
+          </a:prstGeom>
+        </p:spPr>
+        <p:txBody>
+          <a:bodyPr anchorCtr="0" anchor="t" bIns="91425" lIns="91425" spcFirstLastPara="1" rIns="91425" wrap="square" tIns="91425">
+            <a:noAutofit/>
+          </a:bodyPr>
+          <a:lstStyle/>
+          <a:p>
+            <a:pPr indent="0" lvl="0" marL="0" rtl="0" algn="l">
+              <a:spcBef>
+                <a:spcPts val="0"/>
+              </a:spcBef>
+              <a:spcAft>
+                <a:spcPts val="0"/>
+              </a:spcAft>
+              <a:buNone/>
+            </a:pPr>
+            <a:r>
+              <a:t/>
+            </a:r>
+            <a:endParaRPr/>
+          </a:p>
+        </p:txBody>
+      </p:sp>
+    </p:spTree>
+  </p:cSld>
+  <p:clrMapOvr>
+    <a:masterClrMapping/>
+  </p:clrMapOvr>
+</p:notes>
+</file>
+
+<file path=ppt/notesSlides/notesSlide31.xml><?xml version="1.0" encoding="utf-8"?>
+<p:notes xmlns:a="http://schemas.openxmlformats.org/drawingml/2006/main" xmlns:r="http://schemas.openxmlformats.org/officeDocument/2006/relationships" xmlns:mc="http://schemas.openxmlformats.org/markup-compatibility/2006" xmlns:mv="urn:schemas-microsoft-com:mac:vml" xmlns:p="http://schemas.openxmlformats.org/presentationml/2006/main" xmlns:c="http://schemas.openxmlformats.org/drawingml/2006/chart" xmlns:dgm="http://schemas.openxmlformats.org/drawingml/2006/diagram" xmlns:o="urn:schemas-microsoft-com:office:office" xmlns:v="urn:schemas-microsoft-com:vml" xmlns:pvml="urn:schemas-microsoft-com:office:powerpoint" xmlns:com="http://schemas.openxmlformats.org/drawingml/2006/compatibility" xmlns:p14="http://schemas.microsoft.com/office/powerpoint/2010/main" xmlns:p15="http://schemas.microsoft.com/office/powerpoint/2012/main" xmlns:ahyp="http://schemas.microsoft.com/office/drawing/2018/hyperlinkcolor" showMasterPhAnim="0" showMasterSp="0">
+  <p:cSld>
+    <p:spTree>
+      <p:nvGrpSpPr>
+        <p:cNvPr id="243" name="Shape 243"/>
+        <p:cNvGrpSpPr/>
+        <p:nvPr/>
+      </p:nvGrpSpPr>
+      <p:grpSpPr>
+        <a:xfrm>
+          <a:off x="0" y="0"/>
+          <a:ext cx="0" cy="0"/>
+          <a:chOff x="0" y="0"/>
+          <a:chExt cx="0" cy="0"/>
+        </a:xfrm>
+      </p:grpSpPr>
+      <p:sp>
+        <p:nvSpPr>
+          <p:cNvPr id="244" name="Google Shape;244;g302644daf69_0_87:notes"/>
+          <p:cNvSpPr/>
+          <p:nvPr>
+            <p:ph idx="2" type="sldImg"/>
+          </p:nvPr>
+        </p:nvSpPr>
+        <p:spPr>
+          <a:xfrm>
+            <a:off x="381300" y="685800"/>
+            <a:ext cx="6096000" cy="3429000"/>
+          </a:xfrm>
+          <a:custGeom>
+            <a:rect b="b" l="l" r="r" t="t"/>
+            <a:pathLst>
+              <a:path extrusionOk="0" h="120000" w="120000">
+                <a:moveTo>
+                  <a:pt x="0" y="0"/>
+                </a:moveTo>
+                <a:lnTo>
+                  <a:pt x="120000" y="0"/>
+                </a:lnTo>
+                <a:lnTo>
+                  <a:pt x="120000" y="120000"/>
+                </a:lnTo>
+                <a:lnTo>
+                  <a:pt x="0" y="120000"/>
+                </a:lnTo>
+                <a:close/>
+              </a:path>
+            </a:pathLst>
+          </a:custGeom>
+        </p:spPr>
+      </p:sp>
+      <p:sp>
+        <p:nvSpPr>
+          <p:cNvPr id="245" name="Google Shape;245;g302644daf69_0_87:notes"/>
+          <p:cNvSpPr txBox="1"/>
+          <p:nvPr>
+            <p:ph idx="1" type="body"/>
+          </p:nvPr>
+        </p:nvSpPr>
+        <p:spPr>
+          <a:xfrm>
+            <a:off x="685800" y="4343400"/>
+            <a:ext cx="5486400" cy="4114800"/>
+          </a:xfrm>
+          <a:prstGeom prst="rect">
+            <a:avLst/>
+          </a:prstGeom>
+        </p:spPr>
+        <p:txBody>
+          <a:bodyPr anchorCtr="0" anchor="t" bIns="91425" lIns="91425" spcFirstLastPara="1" rIns="91425" wrap="square" tIns="91425">
+            <a:noAutofit/>
+          </a:bodyPr>
+          <a:lstStyle/>
+          <a:p>
+            <a:pPr indent="0" lvl="0" marL="0" rtl="0" algn="l">
+              <a:spcBef>
+                <a:spcPts val="0"/>
+              </a:spcBef>
+              <a:spcAft>
+                <a:spcPts val="0"/>
+              </a:spcAft>
+              <a:buNone/>
+            </a:pPr>
+            <a:r>
+              <a:t/>
+            </a:r>
+            <a:endParaRPr/>
+          </a:p>
+        </p:txBody>
+      </p:sp>
+    </p:spTree>
+  </p:cSld>
+  <p:clrMapOvr>
+    <a:masterClrMapping/>
+  </p:clrMapOvr>
+</p:notes>
+</file>
+
+<file path=ppt/notesSlides/notesSlide32.xml><?xml version="1.0" encoding="utf-8"?>
+<p:notes xmlns:a="http://schemas.openxmlformats.org/drawingml/2006/main" xmlns:r="http://schemas.openxmlformats.org/officeDocument/2006/relationships" xmlns:mc="http://schemas.openxmlformats.org/markup-compatibility/2006" xmlns:mv="urn:schemas-microsoft-com:mac:vml" xmlns:p="http://schemas.openxmlformats.org/presentationml/2006/main" xmlns:c="http://schemas.openxmlformats.org/drawingml/2006/chart" xmlns:dgm="http://schemas.openxmlformats.org/drawingml/2006/diagram" xmlns:o="urn:schemas-microsoft-com:office:office" xmlns:v="urn:schemas-microsoft-com:vml" xmlns:pvml="urn:schemas-microsoft-com:office:powerpoint" xmlns:com="http://schemas.openxmlformats.org/drawingml/2006/compatibility" xmlns:p14="http://schemas.microsoft.com/office/powerpoint/2010/main" xmlns:p15="http://schemas.microsoft.com/office/powerpoint/2012/main" xmlns:ahyp="http://schemas.microsoft.com/office/drawing/2018/hyperlinkcolor" showMasterPhAnim="0" showMasterSp="0">
+  <p:cSld>
+    <p:spTree>
+      <p:nvGrpSpPr>
+        <p:cNvPr id="250" name="Shape 250"/>
+        <p:cNvGrpSpPr/>
+        <p:nvPr/>
+      </p:nvGrpSpPr>
+      <p:grpSpPr>
+        <a:xfrm>
+          <a:off x="0" y="0"/>
+          <a:ext cx="0" cy="0"/>
+          <a:chOff x="0" y="0"/>
+          <a:chExt cx="0" cy="0"/>
+        </a:xfrm>
+      </p:grpSpPr>
+      <p:sp>
+        <p:nvSpPr>
+          <p:cNvPr id="251" name="Google Shape;251;g302644daf69_0_93:notes"/>
+          <p:cNvSpPr/>
+          <p:nvPr>
+            <p:ph idx="2" type="sldImg"/>
+          </p:nvPr>
+        </p:nvSpPr>
+        <p:spPr>
+          <a:xfrm>
+            <a:off x="381300" y="685800"/>
+            <a:ext cx="6096000" cy="3429000"/>
+          </a:xfrm>
+          <a:custGeom>
+            <a:rect b="b" l="l" r="r" t="t"/>
+            <a:pathLst>
+              <a:path extrusionOk="0" h="120000" w="120000">
+                <a:moveTo>
+                  <a:pt x="0" y="0"/>
+                </a:moveTo>
+                <a:lnTo>
+                  <a:pt x="120000" y="0"/>
+                </a:lnTo>
+                <a:lnTo>
+                  <a:pt x="120000" y="120000"/>
+                </a:lnTo>
+                <a:lnTo>
+                  <a:pt x="0" y="120000"/>
+                </a:lnTo>
+                <a:close/>
+              </a:path>
+            </a:pathLst>
+          </a:custGeom>
+        </p:spPr>
+      </p:sp>
+      <p:sp>
+        <p:nvSpPr>
+          <p:cNvPr id="252" name="Google Shape;252;g302644daf69_0_93:notes"/>
+          <p:cNvSpPr txBox="1"/>
+          <p:nvPr>
+            <p:ph idx="1" type="body"/>
+          </p:nvPr>
+        </p:nvSpPr>
+        <p:spPr>
+          <a:xfrm>
+            <a:off x="685800" y="4343400"/>
+            <a:ext cx="5486400" cy="4114800"/>
+          </a:xfrm>
+          <a:prstGeom prst="rect">
+            <a:avLst/>
+          </a:prstGeom>
+        </p:spPr>
+        <p:txBody>
+          <a:bodyPr anchorCtr="0" anchor="t" bIns="91425" lIns="91425" spcFirstLastPara="1" rIns="91425" wrap="square" tIns="91425">
+            <a:noAutofit/>
+          </a:bodyPr>
+          <a:lstStyle/>
+          <a:p>
+            <a:pPr indent="0" lvl="0" marL="0" rtl="0" algn="l">
+              <a:spcBef>
+                <a:spcPts val="0"/>
+              </a:spcBef>
+              <a:spcAft>
+                <a:spcPts val="0"/>
+              </a:spcAft>
+              <a:buNone/>
+            </a:pPr>
+            <a:r>
+              <a:t/>
+            </a:r>
+            <a:endParaRPr/>
+          </a:p>
+        </p:txBody>
+      </p:sp>
+    </p:spTree>
+  </p:cSld>
+  <p:clrMapOvr>
+    <a:masterClrMapping/>
+  </p:clrMapOvr>
+</p:notes>
+</file>
+
+<file path=ppt/notesSlides/notesSlide33.xml><?xml version="1.0" encoding="utf-8"?>
+<p:notes xmlns:a="http://schemas.openxmlformats.org/drawingml/2006/main" xmlns:r="http://schemas.openxmlformats.org/officeDocument/2006/relationships" xmlns:mc="http://schemas.openxmlformats.org/markup-compatibility/2006" xmlns:mv="urn:schemas-microsoft-com:mac:vml" xmlns:p="http://schemas.openxmlformats.org/presentationml/2006/main" xmlns:c="http://schemas.openxmlformats.org/drawingml/2006/chart" xmlns:dgm="http://schemas.openxmlformats.org/drawingml/2006/diagram" xmlns:o="urn:schemas-microsoft-com:office:office" xmlns:v="urn:schemas-microsoft-com:vml" xmlns:pvml="urn:schemas-microsoft-com:office:powerpoint" xmlns:com="http://schemas.openxmlformats.org/drawingml/2006/compatibility" xmlns:p14="http://schemas.microsoft.com/office/powerpoint/2010/main" xmlns:p15="http://schemas.microsoft.com/office/powerpoint/2012/main" xmlns:ahyp="http://schemas.microsoft.com/office/drawing/2018/hyperlinkcolor" showMasterPhAnim="0" showMasterSp="0">
+  <p:cSld>
+    <p:spTree>
+      <p:nvGrpSpPr>
+        <p:cNvPr id="255" name="Shape 255"/>
+        <p:cNvGrpSpPr/>
+        <p:nvPr/>
+      </p:nvGrpSpPr>
+      <p:grpSpPr>
+        <a:xfrm>
+          <a:off x="0" y="0"/>
+          <a:ext cx="0" cy="0"/>
+          <a:chOff x="0" y="0"/>
+          <a:chExt cx="0" cy="0"/>
+        </a:xfrm>
+      </p:grpSpPr>
+      <p:sp>
+        <p:nvSpPr>
+          <p:cNvPr id="256" name="Google Shape;256;g302644daf69_0_98:notes"/>
+          <p:cNvSpPr/>
+          <p:nvPr>
+            <p:ph idx="2" type="sldImg"/>
+          </p:nvPr>
+        </p:nvSpPr>
+        <p:spPr>
+          <a:xfrm>
+            <a:off x="381300" y="685800"/>
+            <a:ext cx="6096000" cy="3429000"/>
+          </a:xfrm>
+          <a:custGeom>
+            <a:rect b="b" l="l" r="r" t="t"/>
+            <a:pathLst>
+              <a:path extrusionOk="0" h="120000" w="120000">
+                <a:moveTo>
+                  <a:pt x="0" y="0"/>
+                </a:moveTo>
+                <a:lnTo>
+                  <a:pt x="120000" y="0"/>
+                </a:lnTo>
+                <a:lnTo>
+                  <a:pt x="120000" y="120000"/>
+                </a:lnTo>
+                <a:lnTo>
+                  <a:pt x="0" y="120000"/>
+                </a:lnTo>
+                <a:close/>
+              </a:path>
+            </a:pathLst>
+          </a:custGeom>
+        </p:spPr>
+      </p:sp>
+      <p:sp>
+        <p:nvSpPr>
+          <p:cNvPr id="257" name="Google Shape;257;g302644daf69_0_98:notes"/>
+          <p:cNvSpPr txBox="1"/>
+          <p:nvPr>
+            <p:ph idx="1" type="body"/>
+          </p:nvPr>
+        </p:nvSpPr>
+        <p:spPr>
+          <a:xfrm>
+            <a:off x="685800" y="4343400"/>
+            <a:ext cx="5486400" cy="4114800"/>
+          </a:xfrm>
+          <a:prstGeom prst="rect">
+            <a:avLst/>
+          </a:prstGeom>
+        </p:spPr>
+        <p:txBody>
+          <a:bodyPr anchorCtr="0" anchor="t" bIns="91425" lIns="91425" spcFirstLastPara="1" rIns="91425" wrap="square" tIns="91425">
+            <a:noAutofit/>
+          </a:bodyPr>
+          <a:lstStyle/>
+          <a:p>
+            <a:pPr indent="0" lvl="0" marL="0" rtl="0" algn="l">
+              <a:spcBef>
+                <a:spcPts val="0"/>
+              </a:spcBef>
+              <a:spcAft>
+                <a:spcPts val="0"/>
+              </a:spcAft>
+              <a:buNone/>
+            </a:pPr>
+            <a:r>
+              <a:t/>
+            </a:r>
+            <a:endParaRPr/>
+          </a:p>
+        </p:txBody>
+      </p:sp>
+    </p:spTree>
+  </p:cSld>
+  <p:clrMapOvr>
+    <a:masterClrMapping/>
+  </p:clrMapOvr>
+</p:notes>
+</file>
+
+<file path=ppt/notesSlides/notesSlide34.xml><?xml version="1.0" encoding="utf-8"?>
+<p:notes xmlns:a="http://schemas.openxmlformats.org/drawingml/2006/main" xmlns:r="http://schemas.openxmlformats.org/officeDocument/2006/relationships" xmlns:mc="http://schemas.openxmlformats.org/markup-compatibility/2006" xmlns:mv="urn:schemas-microsoft-com:mac:vml" xmlns:p="http://schemas.openxmlformats.org/presentationml/2006/main" xmlns:c="http://schemas.openxmlformats.org/drawingml/2006/chart" xmlns:dgm="http://schemas.openxmlformats.org/drawingml/2006/diagram" xmlns:o="urn:schemas-microsoft-com:office:office" xmlns:v="urn:schemas-microsoft-com:vml" xmlns:pvml="urn:schemas-microsoft-com:office:powerpoint" xmlns:com="http://schemas.openxmlformats.org/drawingml/2006/compatibility" xmlns:p14="http://schemas.microsoft.com/office/powerpoint/2010/main" xmlns:p15="http://schemas.microsoft.com/office/powerpoint/2012/main" xmlns:ahyp="http://schemas.microsoft.com/office/drawing/2018/hyperlinkcolor" showMasterPhAnim="0" showMasterSp="0">
+  <p:cSld>
+    <p:spTree>
+      <p:nvGrpSpPr>
+        <p:cNvPr id="260" name="Shape 260"/>
+        <p:cNvGrpSpPr/>
+        <p:nvPr/>
+      </p:nvGrpSpPr>
+      <p:grpSpPr>
+        <a:xfrm>
+          <a:off x="0" y="0"/>
+          <a:ext cx="0" cy="0"/>
+          <a:chOff x="0" y="0"/>
+          <a:chExt cx="0" cy="0"/>
+        </a:xfrm>
+      </p:grpSpPr>
+      <p:sp>
+        <p:nvSpPr>
+          <p:cNvPr id="261" name="Google Shape;261;g302644daf69_0_102:notes"/>
+          <p:cNvSpPr/>
+          <p:nvPr>
+            <p:ph idx="2" type="sldImg"/>
+          </p:nvPr>
+        </p:nvSpPr>
+        <p:spPr>
+          <a:xfrm>
+            <a:off x="381300" y="685800"/>
+            <a:ext cx="6096000" cy="3429000"/>
+          </a:xfrm>
+          <a:custGeom>
+            <a:rect b="b" l="l" r="r" t="t"/>
+            <a:pathLst>
+              <a:path extrusionOk="0" h="120000" w="120000">
+                <a:moveTo>
+                  <a:pt x="0" y="0"/>
+                </a:moveTo>
+                <a:lnTo>
+                  <a:pt x="120000" y="0"/>
+                </a:lnTo>
+                <a:lnTo>
+                  <a:pt x="120000" y="120000"/>
+                </a:lnTo>
+                <a:lnTo>
+                  <a:pt x="0" y="120000"/>
+                </a:lnTo>
+                <a:close/>
+              </a:path>
+            </a:pathLst>
+          </a:custGeom>
+        </p:spPr>
+      </p:sp>
+      <p:sp>
+        <p:nvSpPr>
+          <p:cNvPr id="262" name="Google Shape;262;g302644daf69_0_102:notes"/>
+          <p:cNvSpPr txBox="1"/>
+          <p:nvPr>
+            <p:ph idx="1" type="body"/>
+          </p:nvPr>
+        </p:nvSpPr>
+        <p:spPr>
+          <a:xfrm>
+            <a:off x="685800" y="4343400"/>
+            <a:ext cx="5486400" cy="4114800"/>
+          </a:xfrm>
+          <a:prstGeom prst="rect">
+            <a:avLst/>
+          </a:prstGeom>
+        </p:spPr>
+        <p:txBody>
+          <a:bodyPr anchorCtr="0" anchor="t" bIns="91425" lIns="91425" spcFirstLastPara="1" rIns="91425" wrap="square" tIns="91425">
+            <a:noAutofit/>
+          </a:bodyPr>
+          <a:lstStyle/>
+          <a:p>
+            <a:pPr indent="0" lvl="0" marL="0" rtl="0" algn="l">
+              <a:spcBef>
+                <a:spcPts val="0"/>
+              </a:spcBef>
+              <a:spcAft>
+                <a:spcPts val="0"/>
+              </a:spcAft>
+              <a:buNone/>
+            </a:pPr>
+            <a:r>
+              <a:t/>
+            </a:r>
+            <a:endParaRPr/>
+          </a:p>
+        </p:txBody>
+      </p:sp>
+    </p:spTree>
+  </p:cSld>
+  <p:clrMapOvr>
+    <a:masterClrMapping/>
+  </p:clrMapOvr>
+</p:notes>
+</file>
+
+<file path=ppt/notesSlides/notesSlide35.xml><?xml version="1.0" encoding="utf-8"?>
+<p:notes xmlns:a="http://schemas.openxmlformats.org/drawingml/2006/main" xmlns:r="http://schemas.openxmlformats.org/officeDocument/2006/relationships" xmlns:mc="http://schemas.openxmlformats.org/markup-compatibility/2006" xmlns:mv="urn:schemas-microsoft-com:mac:vml" xmlns:p="http://schemas.openxmlformats.org/presentationml/2006/main" xmlns:c="http://schemas.openxmlformats.org/drawingml/2006/chart" xmlns:dgm="http://schemas.openxmlformats.org/drawingml/2006/diagram" xmlns:o="urn:schemas-microsoft-com:office:office" xmlns:v="urn:schemas-microsoft-com:vml" xmlns:pvml="urn:schemas-microsoft-com:office:powerpoint" xmlns:com="http://schemas.openxmlformats.org/drawingml/2006/compatibility" xmlns:p14="http://schemas.microsoft.com/office/powerpoint/2010/main" xmlns:p15="http://schemas.microsoft.com/office/powerpoint/2012/main" xmlns:ahyp="http://schemas.microsoft.com/office/drawing/2018/hyperlinkcolor" showMasterPhAnim="0" showMasterSp="0">
+  <p:cSld>
+    <p:spTree>
+      <p:nvGrpSpPr>
+        <p:cNvPr id="266" name="Shape 266"/>
+        <p:cNvGrpSpPr/>
+        <p:nvPr/>
+      </p:nvGrpSpPr>
+      <p:grpSpPr>
+        <a:xfrm>
+          <a:off x="0" y="0"/>
+          <a:ext cx="0" cy="0"/>
+          <a:chOff x="0" y="0"/>
+          <a:chExt cx="0" cy="0"/>
+        </a:xfrm>
+      </p:grpSpPr>
+      <p:sp>
+        <p:nvSpPr>
+          <p:cNvPr id="267" name="Google Shape;267;g302644daf69_0_108:notes"/>
+          <p:cNvSpPr/>
+          <p:nvPr>
+            <p:ph idx="2" type="sldImg"/>
+          </p:nvPr>
+        </p:nvSpPr>
+        <p:spPr>
+          <a:xfrm>
+            <a:off x="381300" y="685800"/>
+            <a:ext cx="6096000" cy="3429000"/>
+          </a:xfrm>
+          <a:custGeom>
+            <a:rect b="b" l="l" r="r" t="t"/>
+            <a:pathLst>
+              <a:path extrusionOk="0" h="120000" w="120000">
+                <a:moveTo>
+                  <a:pt x="0" y="0"/>
+                </a:moveTo>
+                <a:lnTo>
+                  <a:pt x="120000" y="0"/>
+                </a:lnTo>
+                <a:lnTo>
+                  <a:pt x="120000" y="120000"/>
+                </a:lnTo>
+                <a:lnTo>
+                  <a:pt x="0" y="120000"/>
+                </a:lnTo>
+                <a:close/>
+              </a:path>
+            </a:pathLst>
+          </a:custGeom>
+        </p:spPr>
+      </p:sp>
+      <p:sp>
+        <p:nvSpPr>
+          <p:cNvPr id="268" name="Google Shape;268;g302644daf69_0_108:notes"/>
+          <p:cNvSpPr txBox="1"/>
+          <p:nvPr>
+            <p:ph idx="1" type="body"/>
+          </p:nvPr>
+        </p:nvSpPr>
+        <p:spPr>
+          <a:xfrm>
+            <a:off x="685800" y="4343400"/>
+            <a:ext cx="5486400" cy="4114800"/>
+          </a:xfrm>
+          <a:prstGeom prst="rect">
+            <a:avLst/>
+          </a:prstGeom>
+        </p:spPr>
+        <p:txBody>
+          <a:bodyPr anchorCtr="0" anchor="t" bIns="91425" lIns="91425" spcFirstLastPara="1" rIns="91425" wrap="square" tIns="91425">
+            <a:noAutofit/>
+          </a:bodyPr>
+          <a:lstStyle/>
+          <a:p>
+            <a:pPr indent="0" lvl="0" marL="0" rtl="0" algn="l">
+              <a:spcBef>
+                <a:spcPts val="0"/>
+              </a:spcBef>
+              <a:spcAft>
+                <a:spcPts val="0"/>
+              </a:spcAft>
+              <a:buNone/>
+            </a:pPr>
+            <a:r>
+              <a:t/>
+            </a:r>
+            <a:endParaRPr/>
+          </a:p>
+        </p:txBody>
+      </p:sp>
+    </p:spTree>
+  </p:cSld>
+  <p:clrMapOvr>
+    <a:masterClrMapping/>
+  </p:clrMapOvr>
+</p:notes>
+</file>
+
+<file path=ppt/notesSlides/notesSlide36.xml><?xml version="1.0" encoding="utf-8"?>
+<p:notes xmlns:a="http://schemas.openxmlformats.org/drawingml/2006/main" xmlns:r="http://schemas.openxmlformats.org/officeDocument/2006/relationships" xmlns:mc="http://schemas.openxmlformats.org/markup-compatibility/2006" xmlns:mv="urn:schemas-microsoft-com:mac:vml" xmlns:p="http://schemas.openxmlformats.org/presentationml/2006/main" xmlns:c="http://schemas.openxmlformats.org/drawingml/2006/chart" xmlns:dgm="http://schemas.openxmlformats.org/drawingml/2006/diagram" xmlns:o="urn:schemas-microsoft-com:office:office" xmlns:v="urn:schemas-microsoft-com:vml" xmlns:pvml="urn:schemas-microsoft-com:office:powerpoint" xmlns:com="http://schemas.openxmlformats.org/drawingml/2006/compatibility" xmlns:p14="http://schemas.microsoft.com/office/powerpoint/2010/main" xmlns:p15="http://schemas.microsoft.com/office/powerpoint/2012/main" xmlns:ahyp="http://schemas.microsoft.com/office/drawing/2018/hyperlinkcolor" showMasterPhAnim="0" showMasterSp="0">
+  <p:cSld>
+    <p:spTree>
+      <p:nvGrpSpPr>
+        <p:cNvPr id="271" name="Shape 271"/>
+        <p:cNvGrpSpPr/>
+        <p:nvPr/>
+      </p:nvGrpSpPr>
+      <p:grpSpPr>
+        <a:xfrm>
+          <a:off x="0" y="0"/>
+          <a:ext cx="0" cy="0"/>
+          <a:chOff x="0" y="0"/>
+          <a:chExt cx="0" cy="0"/>
+        </a:xfrm>
+      </p:grpSpPr>
+      <p:sp>
+        <p:nvSpPr>
+          <p:cNvPr id="272" name="Google Shape;272;g302644daf69_0_112:notes"/>
+          <p:cNvSpPr/>
+          <p:nvPr>
+            <p:ph idx="2" type="sldImg"/>
+          </p:nvPr>
+        </p:nvSpPr>
+        <p:spPr>
+          <a:xfrm>
+            <a:off x="381300" y="685800"/>
+            <a:ext cx="6096000" cy="3429000"/>
+          </a:xfrm>
+          <a:custGeom>
+            <a:rect b="b" l="l" r="r" t="t"/>
+            <a:pathLst>
+              <a:path extrusionOk="0" h="120000" w="120000">
+                <a:moveTo>
+                  <a:pt x="0" y="0"/>
+                </a:moveTo>
+                <a:lnTo>
+                  <a:pt x="120000" y="0"/>
+                </a:lnTo>
+                <a:lnTo>
+                  <a:pt x="120000" y="120000"/>
+                </a:lnTo>
+                <a:lnTo>
+                  <a:pt x="0" y="120000"/>
+                </a:lnTo>
+                <a:close/>
+              </a:path>
+            </a:pathLst>
+          </a:custGeom>
+        </p:spPr>
+      </p:sp>
+      <p:sp>
+        <p:nvSpPr>
+          <p:cNvPr id="273" name="Google Shape;273;g302644daf69_0_112:notes"/>
+          <p:cNvSpPr txBox="1"/>
+          <p:nvPr>
+            <p:ph idx="1" type="body"/>
+          </p:nvPr>
+        </p:nvSpPr>
+        <p:spPr>
+          <a:xfrm>
+            <a:off x="685800" y="4343400"/>
+            <a:ext cx="5486400" cy="4114800"/>
+          </a:xfrm>
+          <a:prstGeom prst="rect">
+            <a:avLst/>
+          </a:prstGeom>
+        </p:spPr>
+        <p:txBody>
+          <a:bodyPr anchorCtr="0" anchor="t" bIns="91425" lIns="91425" spcFirstLastPara="1" rIns="91425" wrap="square" tIns="91425">
+            <a:noAutofit/>
+          </a:bodyPr>
+          <a:lstStyle/>
+          <a:p>
+            <a:pPr indent="0" lvl="0" marL="0" rtl="0" algn="l">
+              <a:spcBef>
+                <a:spcPts val="0"/>
+              </a:spcBef>
+              <a:spcAft>
+                <a:spcPts val="0"/>
+              </a:spcAft>
+              <a:buNone/>
+            </a:pPr>
+            <a:r>
+              <a:t/>
+            </a:r>
+            <a:endParaRPr/>
+          </a:p>
+        </p:txBody>
+      </p:sp>
+    </p:spTree>
+  </p:cSld>
+  <p:clrMapOvr>
+    <a:masterClrMapping/>
+  </p:clrMapOvr>
+</p:notes>
+</file>
+
+<file path=ppt/notesSlides/notesSlide37.xml><?xml version="1.0" encoding="utf-8"?>
+<p:notes xmlns:a="http://schemas.openxmlformats.org/drawingml/2006/main" xmlns:r="http://schemas.openxmlformats.org/officeDocument/2006/relationships" xmlns:mc="http://schemas.openxmlformats.org/markup-compatibility/2006" xmlns:mv="urn:schemas-microsoft-com:mac:vml" xmlns:p="http://schemas.openxmlformats.org/presentationml/2006/main" xmlns:c="http://schemas.openxmlformats.org/drawingml/2006/chart" xmlns:dgm="http://schemas.openxmlformats.org/drawingml/2006/diagram" xmlns:o="urn:schemas-microsoft-com:office:office" xmlns:v="urn:schemas-microsoft-com:vml" xmlns:pvml="urn:schemas-microsoft-com:office:powerpoint" xmlns:com="http://schemas.openxmlformats.org/drawingml/2006/compatibility" xmlns:p14="http://schemas.microsoft.com/office/powerpoint/2010/main" xmlns:p15="http://schemas.microsoft.com/office/powerpoint/2012/main" xmlns:ahyp="http://schemas.microsoft.com/office/drawing/2018/hyperlinkcolor" showMasterPhAnim="0" showMasterSp="0">
+  <p:cSld>
+    <p:spTree>
+      <p:nvGrpSpPr>
+        <p:cNvPr id="276" name="Shape 276"/>
+        <p:cNvGrpSpPr/>
+        <p:nvPr/>
+      </p:nvGrpSpPr>
+      <p:grpSpPr>
+        <a:xfrm>
+          <a:off x="0" y="0"/>
+          <a:ext cx="0" cy="0"/>
+          <a:chOff x="0" y="0"/>
+          <a:chExt cx="0" cy="0"/>
+        </a:xfrm>
+      </p:grpSpPr>
+      <p:sp>
+        <p:nvSpPr>
+          <p:cNvPr id="277" name="Google Shape;277;g30110db2cff_0_6:notes"/>
+          <p:cNvSpPr/>
+          <p:nvPr>
+            <p:ph idx="2" type="sldImg"/>
+          </p:nvPr>
+        </p:nvSpPr>
+        <p:spPr>
+          <a:xfrm>
+            <a:off x="381300" y="685800"/>
+            <a:ext cx="6096000" cy="3429000"/>
+          </a:xfrm>
+          <a:custGeom>
+            <a:rect b="b" l="l" r="r" t="t"/>
+            <a:pathLst>
+              <a:path extrusionOk="0" h="120000" w="120000">
+                <a:moveTo>
+                  <a:pt x="0" y="0"/>
+                </a:moveTo>
+                <a:lnTo>
+                  <a:pt x="120000" y="0"/>
+                </a:lnTo>
+                <a:lnTo>
+                  <a:pt x="120000" y="120000"/>
+                </a:lnTo>
+                <a:lnTo>
+                  <a:pt x="0" y="120000"/>
+                </a:lnTo>
+                <a:close/>
+              </a:path>
+            </a:pathLst>
+          </a:custGeom>
+        </p:spPr>
+      </p:sp>
+      <p:sp>
+        <p:nvSpPr>
+          <p:cNvPr id="278" name="Google Shape;278;g30110db2cff_0_6:notes"/>
           <p:cNvSpPr txBox="1"/>
           <p:nvPr>
             <p:ph idx="1" type="body"/>
@@ -8829,7 +10027,7 @@
   <p:cSld>
     <p:spTree>
       <p:nvGrpSpPr>
-        <p:cNvPr id="120" name="Shape 120"/>
+        <p:cNvPr id="121" name="Shape 121"/>
         <p:cNvGrpSpPr/>
         <p:nvPr/>
       </p:nvGrpSpPr>
@@ -8843,7 +10041,7 @@
       </p:grpSpPr>
       <p:sp>
         <p:nvSpPr>
-          <p:cNvPr id="121" name="Google Shape;121;p22"/>
+          <p:cNvPr id="122" name="Google Shape;122;p22"/>
           <p:cNvSpPr txBox="1"/>
           <p:nvPr>
             <p:ph type="title"/>
@@ -8883,7 +10081,7 @@
       </p:sp>
       <p:sp>
         <p:nvSpPr>
-          <p:cNvPr id="122" name="Google Shape;122;p22"/>
+          <p:cNvPr id="123" name="Google Shape;123;p22"/>
           <p:cNvSpPr txBox="1"/>
           <p:nvPr>
             <p:ph idx="1" type="body"/>
@@ -8921,7 +10119,7 @@
             <a:endParaRPr/>
           </a:p>
           <a:p>
-            <a:pPr indent="-342900" lvl="0" marL="457200" rtl="0" algn="l">
+            <a:pPr indent="-342900" lvl="0" marL="914400" rtl="0" algn="l">
               <a:spcBef>
                 <a:spcPts val="0"/>
               </a:spcBef>
@@ -8949,12 +10147,12 @@
             </a:r>
             <a:r>
               <a:rPr lang="en"/>
-              <a:t>, where p is the model probability of the right token</a:t>
-            </a:r>
-            <a:endParaRPr/>
-          </a:p>
-          <a:p>
-            <a:pPr indent="-342900" lvl="0" marL="457200" rtl="0" algn="l">
+              <a:t>  where p is the model probability of the right token</a:t>
+            </a:r>
+            <a:endParaRPr/>
+          </a:p>
+          <a:p>
+            <a:pPr indent="-342900" lvl="0" marL="914400" rtl="0" algn="l">
               <a:spcBef>
                 <a:spcPts val="0"/>
               </a:spcBef>
@@ -8990,12 +10188,20 @@
             </a:pPr>
             <a:r>
               <a:rPr lang="en"/>
-              <a:t>We know that loss scales as a power law of N</a:t>
-            </a:r>
-            <a:endParaRPr/>
-          </a:p>
-          <a:p>
-            <a:pPr indent="-342900" lvl="0" marL="457200" rtl="0" algn="l">
+              <a:t>Now, imagine that</a:t>
+            </a:r>
+            <a:r>
+              <a:rPr lang="en"/>
+              <a:t> for small N</a:t>
+            </a:r>
+            <a:r>
+              <a:rPr lang="en"/>
+              <a:t>, p is small, and grows smoothly with N</a:t>
+            </a:r>
+            <a:endParaRPr/>
+          </a:p>
+          <a:p>
+            <a:pPr indent="-342900" lvl="0" marL="914400" rtl="0" algn="l">
               <a:spcBef>
                 <a:spcPts val="0"/>
               </a:spcBef>
@@ -9007,40 +10213,12 @@
             </a:pPr>
             <a:r>
               <a:rPr lang="en"/>
-              <a:t>and that L_x = - log p</a:t>
-            </a:r>
-            <a:br>
-              <a:rPr lang="en"/>
-            </a:br>
-            <a:endParaRPr/>
-          </a:p>
-          <a:p>
-            <a:pPr indent="-342900" lvl="0" marL="457200" rtl="0" algn="l">
-              <a:spcBef>
-                <a:spcPts val="0"/>
-              </a:spcBef>
-              <a:spcAft>
-                <a:spcPts val="0"/>
-              </a:spcAft>
-              <a:buSzPts val="1800"/>
-              <a:buChar char="●"/>
-            </a:pPr>
-            <a:r>
-              <a:rPr lang="en"/>
-              <a:t>Now, imagine that</a:t>
-            </a:r>
-            <a:r>
-              <a:rPr lang="en"/>
-              <a:t> for small N</a:t>
-            </a:r>
-            <a:r>
-              <a:rPr lang="en"/>
-              <a:t>, p is small, and grows smoothly with N</a:t>
-            </a:r>
-            <a:endParaRPr/>
-          </a:p>
-          <a:p>
-            <a:pPr indent="-342900" lvl="0" marL="457200" rtl="0" algn="l">
+              <a:t>There will come a sudden time when p is sufficient, </a:t>
+            </a:r>
+            <a:endParaRPr/>
+          </a:p>
+          <a:p>
+            <a:pPr indent="-342900" lvl="0" marL="914400" rtl="0" algn="l">
               <a:spcBef>
                 <a:spcPts val="0"/>
               </a:spcBef>
@@ -9052,23 +10230,6 @@
             </a:pPr>
             <a:r>
               <a:rPr lang="en"/>
-              <a:t>There will come a sudden time when p is sufficient, </a:t>
-            </a:r>
-            <a:endParaRPr/>
-          </a:p>
-          <a:p>
-            <a:pPr indent="-342900" lvl="0" marL="457200" rtl="0" algn="l">
-              <a:spcBef>
-                <a:spcPts val="0"/>
-              </a:spcBef>
-              <a:spcAft>
-                <a:spcPts val="0"/>
-              </a:spcAft>
-              <a:buSzPts val="1800"/>
-              <a:buChar char="-"/>
-            </a:pPr>
-            <a:r>
-              <a:rPr lang="en"/>
               <a:t>F</a:t>
             </a:r>
             <a:r>
@@ -9078,7 +10239,7 @@
             <a:endParaRPr/>
           </a:p>
           <a:p>
-            <a:pPr indent="-342900" lvl="0" marL="457200" rtl="0" algn="l">
+            <a:pPr indent="-342900" lvl="0" marL="914400" rtl="0" algn="l">
               <a:spcBef>
                 <a:spcPts val="0"/>
               </a:spcBef>
@@ -9125,7 +10286,7 @@
   <p:cSld>
     <p:spTree>
       <p:nvGrpSpPr>
-        <p:cNvPr id="126" name="Shape 126"/>
+        <p:cNvPr id="127" name="Shape 127"/>
         <p:cNvGrpSpPr/>
         <p:nvPr/>
       </p:nvGrpSpPr>
@@ -9139,7 +10300,7 @@
       </p:grpSpPr>
       <p:sp>
         <p:nvSpPr>
-          <p:cNvPr id="127" name="Google Shape;127;p23"/>
+          <p:cNvPr id="128" name="Google Shape;128;p23"/>
           <p:cNvSpPr txBox="1"/>
           <p:nvPr>
             <p:ph type="title"/>
@@ -9179,7 +10340,7 @@
       </p:sp>
       <p:sp>
         <p:nvSpPr>
-          <p:cNvPr id="128" name="Google Shape;128;p23"/>
+          <p:cNvPr id="129" name="Google Shape;129;p23"/>
           <p:cNvSpPr txBox="1"/>
           <p:nvPr>
             <p:ph idx="1" type="body"/>
@@ -9196,11 +10357,11 @@
         </p:spPr>
         <p:txBody>
           <a:bodyPr anchorCtr="0" anchor="t" bIns="91425" lIns="91425" spcFirstLastPara="1" rIns="91425" wrap="square" tIns="91425">
-            <a:normAutofit fontScale="92500" lnSpcReduction="10000"/>
+            <a:normAutofit fontScale="85000" lnSpcReduction="10000"/>
           </a:bodyPr>
           <a:lstStyle/>
           <a:p>
-            <a:pPr indent="-334327" lvl="0" marL="457200" rtl="0" algn="l">
+            <a:pPr indent="-325755" lvl="0" marL="457200" rtl="0" algn="l">
               <a:spcBef>
                 <a:spcPts val="0"/>
               </a:spcBef>
@@ -9217,7 +10378,7 @@
             <a:endParaRPr/>
           </a:p>
           <a:p>
-            <a:pPr indent="-334327" lvl="0" marL="457200" rtl="0" algn="l">
+            <a:pPr indent="-325755" lvl="0" marL="914400" rtl="0" algn="l">
               <a:spcBef>
                 <a:spcPts val="0"/>
               </a:spcBef>
@@ -9234,7 +10395,7 @@
             <a:endParaRPr/>
           </a:p>
           <a:p>
-            <a:pPr indent="-334327" lvl="0" marL="457200" rtl="0" algn="l">
+            <a:pPr indent="-325755" lvl="0" marL="914400" rtl="0" algn="l">
               <a:spcBef>
                 <a:spcPts val="0"/>
               </a:spcBef>
@@ -9259,7 +10420,7 @@
             <a:endParaRPr/>
           </a:p>
           <a:p>
-            <a:pPr indent="-334327" lvl="0" marL="457200" rtl="0" algn="l">
+            <a:pPr indent="-325755" lvl="0" marL="914400" rtl="0" algn="l">
               <a:spcBef>
                 <a:spcPts val="0"/>
               </a:spcBef>
@@ -9284,7 +10445,7 @@
             <a:endParaRPr/>
           </a:p>
           <a:p>
-            <a:pPr indent="-334327" lvl="0" marL="457200" rtl="0" algn="l">
+            <a:pPr indent="-325755" lvl="0" marL="914400" rtl="0" algn="l">
               <a:spcBef>
                 <a:spcPts val="0"/>
               </a:spcBef>
@@ -9317,7 +10478,7 @@
             <a:endParaRPr/>
           </a:p>
           <a:p>
-            <a:pPr indent="-334327" lvl="0" marL="457200" rtl="0" algn="l">
+            <a:pPr indent="-325755" lvl="0" marL="914400" rtl="0" algn="l">
               <a:spcBef>
                 <a:spcPts val="0"/>
               </a:spcBef>
@@ -9330,6 +10491,27 @@
             <a:r>
               <a:rPr lang="en"/>
               <a:t>This is because we do thresholding/maxing per token</a:t>
+            </a:r>
+            <a:endParaRPr/>
+          </a:p>
+          <a:p>
+            <a:pPr indent="-325755" lvl="0" marL="914400" rtl="0" algn="l">
+              <a:spcBef>
+                <a:spcPts val="0"/>
+              </a:spcBef>
+              <a:spcAft>
+                <a:spcPts val="0"/>
+              </a:spcAft>
+              <a:buSzPct val="100000"/>
+              <a:buChar char="-"/>
+            </a:pPr>
+            <a:r>
+              <a:rPr lang="en"/>
+              <a:t>Something like </a:t>
+            </a:r>
+            <a:r>
+              <a:rPr lang="en"/>
+              <a:t>C = L.p^10 is as bad as B</a:t>
             </a:r>
             <a:br>
               <a:rPr lang="en"/>
@@ -9337,7 +10519,7 @@
             <a:endParaRPr/>
           </a:p>
           <a:p>
-            <a:pPr indent="-334327" lvl="0" marL="457200" rtl="0" algn="l">
+            <a:pPr indent="-325755" lvl="0" marL="457200" rtl="0" algn="l">
               <a:spcBef>
                 <a:spcPts val="0"/>
               </a:spcBef>
@@ -9349,7 +10531,40 @@
             </a:pPr>
             <a:r>
               <a:rPr lang="en"/>
-              <a:t>Seems like: if we switched to Brier Score for (non-linear) Accuracy, we would end up with a final smooth metric wrt N despite it being non-linear</a:t>
+              <a:t>Non-smoothness is coming from </a:t>
+            </a:r>
+            <a:r>
+              <a:rPr b="1" lang="en"/>
+              <a:t>discontinuity</a:t>
+            </a:r>
+            <a:r>
+              <a:rPr lang="en"/>
+              <a:t> (which can be thought of as per-sample high </a:t>
+            </a:r>
+            <a:r>
+              <a:rPr b="1" lang="en"/>
+              <a:t>resolution</a:t>
+            </a:r>
+            <a:r>
+              <a:rPr lang="en"/>
+              <a:t>), not from non-linearity (either in p or L)</a:t>
+            </a:r>
+            <a:endParaRPr/>
+          </a:p>
+          <a:p>
+            <a:pPr indent="-325755" lvl="0" marL="914400" rtl="0" algn="l">
+              <a:spcBef>
+                <a:spcPts val="0"/>
+              </a:spcBef>
+              <a:spcAft>
+                <a:spcPts val="0"/>
+              </a:spcAft>
+              <a:buSzPct val="100000"/>
+              <a:buChar char="-"/>
+            </a:pPr>
+            <a:r>
+              <a:rPr lang="en"/>
+              <a:t>But when metric is non-linear, non-smoothness is more dramatic </a:t>
             </a:r>
             <a:br>
               <a:rPr lang="en"/>
@@ -9357,7 +10572,7 @@
             <a:endParaRPr/>
           </a:p>
           <a:p>
-            <a:pPr indent="-334327" lvl="0" marL="457200" rtl="0" algn="l">
+            <a:pPr indent="-325755" lvl="0" marL="457200" rtl="0" algn="l">
               <a:spcBef>
                 <a:spcPts val="0"/>
               </a:spcBef>
@@ -9369,40 +10584,7 @@
             </a:pPr>
             <a:r>
               <a:rPr lang="en"/>
-              <a:t>Non-smoothness is coming from </a:t>
-            </a:r>
-            <a:r>
-              <a:rPr b="1" lang="en"/>
-              <a:t>discontinuity</a:t>
-            </a:r>
-            <a:r>
-              <a:rPr lang="en"/>
-              <a:t> (which can be thought of as per-sample high </a:t>
-            </a:r>
-            <a:r>
-              <a:rPr b="1" lang="en"/>
-              <a:t>resolution</a:t>
-            </a:r>
-            <a:r>
-              <a:rPr lang="en"/>
-              <a:t>), not from non-linearity (either in p or L)</a:t>
-            </a:r>
-            <a:endParaRPr/>
-          </a:p>
-          <a:p>
-            <a:pPr indent="-334327" lvl="0" marL="457200" rtl="0" algn="l">
-              <a:spcBef>
-                <a:spcPts val="0"/>
-              </a:spcBef>
-              <a:spcAft>
-                <a:spcPts val="0"/>
-              </a:spcAft>
-              <a:buSzPct val="100000"/>
-              <a:buChar char="-"/>
-            </a:pPr>
-            <a:r>
-              <a:rPr lang="en"/>
-              <a:t>But when metric is non-linear, non-smoothness is more dramatic </a:t>
+              <a:t>Seems like: if we switched to Brier Score for (non-linear) Accuracy, we would end up with a final smooth metric wrt N despite it being non-linear</a:t>
             </a:r>
             <a:endParaRPr/>
           </a:p>
@@ -9421,7 +10603,7 @@
   <p:cSld>
     <p:spTree>
       <p:nvGrpSpPr>
-        <p:cNvPr id="132" name="Shape 132"/>
+        <p:cNvPr id="133" name="Shape 133"/>
         <p:cNvGrpSpPr/>
         <p:nvPr/>
       </p:nvGrpSpPr>
@@ -9435,7 +10617,7 @@
       </p:grpSpPr>
       <p:sp>
         <p:nvSpPr>
-          <p:cNvPr id="133" name="Google Shape;133;p24"/>
+          <p:cNvPr id="134" name="Google Shape;134;p24"/>
           <p:cNvSpPr txBox="1"/>
           <p:nvPr>
             <p:ph type="title"/>
@@ -9475,7 +10657,7 @@
       </p:sp>
       <p:sp>
         <p:nvSpPr>
-          <p:cNvPr id="134" name="Google Shape;134;p24"/>
+          <p:cNvPr id="135" name="Google Shape;135;p24"/>
           <p:cNvSpPr txBox="1"/>
           <p:nvPr>
             <p:ph idx="1" type="body"/>
@@ -9484,7 +10666,7 @@
         <p:spPr>
           <a:xfrm>
             <a:off x="311700" y="1266175"/>
-            <a:ext cx="3999900" cy="3302700"/>
+            <a:ext cx="5691300" cy="3302700"/>
           </a:xfrm>
           <a:prstGeom prst="rect">
             <a:avLst/>
@@ -9492,7 +10674,7 @@
         </p:spPr>
         <p:txBody>
           <a:bodyPr anchorCtr="0" anchor="t" bIns="91425" lIns="91425" spcFirstLastPara="1" rIns="91425" wrap="square" tIns="91425">
-            <a:normAutofit/>
+            <a:normAutofit fontScale="32500" lnSpcReduction="20000"/>
           </a:bodyPr>
           <a:lstStyle/>
           <a:p>
@@ -9506,10 +10688,10 @@
               <a:buNone/>
             </a:pPr>
             <a:r>
-              <a:rPr b="1" i="1" lang="en"/>
-              <a:t>Changing from a nonlinear/discontinuous metric to a linear/continuous metric reveal smooth improvements in model performance</a:t>
-            </a:r>
-            <a:endParaRPr b="1" i="1"/>
+              <a:rPr lang="en" sz="4300"/>
+              <a:t>Testing whether the "emergent abilities" of GPT-3 models in arithmetic tasks are real or just an illusion caused by the metrics used.</a:t>
+            </a:r>
+            <a:endParaRPr sz="4300"/>
           </a:p>
           <a:p>
             <a:pPr indent="0" lvl="0" marL="0" rtl="0" algn="l">
@@ -9522,10 +10704,10 @@
               <a:buNone/>
             </a:pPr>
             <a:r>
-              <a:rPr lang="en"/>
-              <a:t>– Nonlinear metrics, like Accuracy making improvements look sharp and unpredictable</a:t>
-            </a:r>
-            <a:endParaRPr/>
+              <a:rPr lang="en" sz="4300"/>
+              <a:t>GPT3: publicly queryable model</a:t>
+            </a:r>
+            <a:endParaRPr sz="4300"/>
           </a:p>
           <a:p>
             <a:pPr indent="0" lvl="0" marL="0" rtl="0" algn="l">
@@ -9538,10 +10720,10 @@
               <a:buNone/>
             </a:pPr>
             <a:r>
-              <a:rPr lang="en"/>
-              <a:t>– linear metrics like Token Edit Distance make improvements look more gradual and continuous</a:t>
-            </a:r>
-            <a:endParaRPr/>
+              <a:rPr lang="en" sz="4300"/>
+              <a:t>Task: </a:t>
+            </a:r>
+            <a:endParaRPr sz="4300"/>
           </a:p>
           <a:p>
             <a:pPr indent="0" lvl="0" marL="0" rtl="0" algn="l">
@@ -9554,6 +10736,38 @@
               <a:buNone/>
             </a:pPr>
             <a:r>
+              <a:rPr lang="en" sz="4300"/>
+              <a:t>multiplication between two 2-digit integers (e.g., 45 * 67)</a:t>
+            </a:r>
+            <a:endParaRPr sz="4300"/>
+          </a:p>
+          <a:p>
+            <a:pPr indent="0" lvl="0" marL="0" rtl="0" algn="l">
+              <a:spcBef>
+                <a:spcPts val="1200"/>
+              </a:spcBef>
+              <a:spcAft>
+                <a:spcPts val="0"/>
+              </a:spcAft>
+              <a:buNone/>
+            </a:pPr>
+            <a:r>
+              <a:rPr lang="en" sz="4300"/>
+              <a:t>addition between two 4-digit integers (e.g., 1234 + 5678)</a:t>
+            </a:r>
+            <a:endParaRPr sz="4300"/>
+          </a:p>
+          <a:p>
+            <a:pPr indent="0" lvl="0" marL="0" rtl="0" algn="l">
+              <a:spcBef>
+                <a:spcPts val="1200"/>
+              </a:spcBef>
+              <a:spcAft>
+                <a:spcPts val="0"/>
+              </a:spcAft>
+              <a:buNone/>
+            </a:pPr>
+            <a:r>
               <a:t/>
             </a:r>
             <a:endParaRPr/>
@@ -9564,7 +10778,22 @@
                 <a:spcPts val="1200"/>
               </a:spcBef>
               <a:spcAft>
+                <a:spcPts val="0"/>
+              </a:spcAft>
+              <a:buNone/>
+            </a:pPr>
+            <a:r>
+              <a:t/>
+            </a:r>
+            <a:endParaRPr/>
+          </a:p>
+          <a:p>
+            <a:pPr indent="0" lvl="0" marL="0" rtl="0" algn="l">
+              <a:spcBef>
                 <a:spcPts val="1200"/>
+              </a:spcBef>
+              <a:spcAft>
+                <a:spcPts val="0"/>
               </a:spcAft>
               <a:buNone/>
             </a:pPr>
@@ -9573,36 +10802,38 @@
             </a:r>
             <a:endParaRPr/>
           </a:p>
+          <a:p>
+            <a:pPr indent="0" lvl="0" marL="0" rtl="0" algn="l">
+              <a:spcBef>
+                <a:spcPts val="1200"/>
+              </a:spcBef>
+              <a:spcAft>
+                <a:spcPts val="0"/>
+              </a:spcAft>
+              <a:buNone/>
+            </a:pPr>
+            <a:r>
+              <a:t/>
+            </a:r>
+            <a:endParaRPr/>
+          </a:p>
+          <a:p>
+            <a:pPr indent="0" lvl="0" marL="0" rtl="0" algn="l">
+              <a:spcBef>
+                <a:spcPts val="1200"/>
+              </a:spcBef>
+              <a:spcAft>
+                <a:spcPts val="1200"/>
+              </a:spcAft>
+              <a:buNone/>
+            </a:pPr>
+            <a:r>
+              <a:t/>
+            </a:r>
+            <a:endParaRPr/>
+          </a:p>
         </p:txBody>
       </p:sp>
-      <p:pic>
-        <p:nvPicPr>
-          <p:cNvPr id="135" name="Google Shape;135;p24"/>
-          <p:cNvPicPr preferRelativeResize="0"/>
-          <p:nvPr/>
-        </p:nvPicPr>
-        <p:blipFill>
-          <a:blip r:embed="rId4">
-            <a:alphaModFix/>
-          </a:blip>
-          <a:stretch>
-            <a:fillRect/>
-          </a:stretch>
-        </p:blipFill>
-        <p:spPr>
-          <a:xfrm>
-            <a:off x="4639327" y="1029650"/>
-            <a:ext cx="3044325" cy="3981450"/>
-          </a:xfrm>
-          <a:prstGeom prst="rect">
-            <a:avLst/>
-          </a:prstGeom>
-          <a:noFill/>
-          <a:ln>
-            <a:noFill/>
-          </a:ln>
-        </p:spPr>
-      </p:pic>
     </p:spTree>
   </p:cSld>
   <p:clrMapOvr>
@@ -9662,7 +10893,7 @@
             </a:pPr>
             <a:r>
               <a:rPr lang="en"/>
-              <a:t>InstructGPT/GPT3’s emergent abilities (2)</a:t>
+              <a:t>Prediction 1</a:t>
             </a:r>
             <a:endParaRPr/>
           </a:p>
@@ -9687,7 +10918,7 @@
         </p:spPr>
         <p:txBody>
           <a:bodyPr anchorCtr="0" anchor="t" bIns="91425" lIns="91425" spcFirstLastPara="1" rIns="91425" wrap="square" tIns="91425">
-            <a:normAutofit fontScale="85000"/>
+            <a:normAutofit/>
           </a:bodyPr>
           <a:lstStyle/>
           <a:p>
@@ -9701,10 +10932,10 @@
               <a:buNone/>
             </a:pPr>
             <a:r>
-              <a:rPr b="1" i="1" lang="en"/>
-              <a:t>Increasing the resolution of measured model performance by using a larger test dataset should also reveal smooth, continuous improvements</a:t>
-            </a:r>
-            <a:endParaRPr b="1" i="1"/>
+              <a:rPr b="1" i="1" lang="en" sz="1400"/>
+              <a:t>Changing from a nonlinear/discontinuous metric to a linear/continuous metric reveal smooth improvements in model performance</a:t>
+            </a:r>
+            <a:endParaRPr b="1" i="1" sz="1400"/>
           </a:p>
           <a:p>
             <a:pPr indent="0" lvl="0" marL="0" rtl="0" algn="l">
@@ -9717,10 +10948,10 @@
               <a:buNone/>
             </a:pPr>
             <a:r>
-              <a:rPr lang="en"/>
-              <a:t>– For nonlinear metrics, a smaller dataset can make the model look like it's suddenly getting better</a:t>
-            </a:r>
-            <a:endParaRPr/>
+              <a:rPr lang="en" sz="1400"/>
+              <a:t>– Nonlinear metrics, like Accuracy making improvements look sharp and unpredictable</a:t>
+            </a:r>
+            <a:endParaRPr sz="1400"/>
           </a:p>
           <a:p>
             <a:pPr indent="0" lvl="0" marL="0" rtl="0" algn="l">
@@ -9733,42 +10964,15 @@
               <a:buNone/>
             </a:pPr>
             <a:r>
-              <a:rPr b="1" i="1" lang="en"/>
-              <a:t>Longer sequences of input data should lead to predictable changes in model performance</a:t>
-            </a:r>
-            <a:endParaRPr b="1" i="1"/>
-          </a:p>
-          <a:p>
-            <a:pPr indent="0" lvl="0" marL="0" rtl="0" algn="l">
-              <a:spcBef>
-                <a:spcPts val="1200"/>
-              </a:spcBef>
-              <a:spcAft>
-                <a:spcPts val="0"/>
-              </a:spcAft>
-              <a:buNone/>
-            </a:pPr>
-            <a:r>
-              <a:rPr lang="en"/>
-              <a:t>– For accuracy, performance should degrade sharply for longer sequences (geometrically).</a:t>
-            </a:r>
-            <a:endParaRPr/>
-          </a:p>
-          <a:p>
-            <a:pPr indent="0" lvl="0" marL="0" rtl="0" algn="l">
-              <a:spcBef>
-                <a:spcPts val="1200"/>
-              </a:spcBef>
-              <a:spcAft>
-                <a:spcPts val="0"/>
-              </a:spcAft>
-              <a:buNone/>
-            </a:pPr>
-            <a:r>
-              <a:rPr lang="en"/>
-              <a:t>– For token edit distance, performance should degrade more smoothly (quasilinearly).</a:t>
-            </a:r>
-            <a:endParaRPr/>
+              <a:rPr lang="en" sz="1400"/>
+              <a:t>– linear metrics like Token Edit Distance make improvements look more gradual and continuous</a:t>
+            </a:r>
+            <a:endParaRPr sz="2400">
+              <a:latin typeface="PT Sans Narrow"/>
+              <a:ea typeface="PT Sans Narrow"/>
+              <a:cs typeface="PT Sans Narrow"/>
+              <a:sym typeface="PT Sans Narrow"/>
+            </a:endParaRPr>
           </a:p>
           <a:p>
             <a:pPr indent="0" lvl="0" marL="0" rtl="0" algn="l">
@@ -9822,7 +11026,7 @@
         </p:nvSpPr>
         <p:spPr>
           <a:xfrm>
-            <a:off x="412800" y="445025"/>
+            <a:off x="311700" y="445025"/>
             <a:ext cx="8520600" cy="707400"/>
           </a:xfrm>
           <a:prstGeom prst="rect">
@@ -9846,208 +11050,7 @@
             </a:pPr>
             <a:r>
               <a:rPr lang="en"/>
-              <a:t>Prediction</a:t>
-            </a:r>
-            <a:r>
-              <a:rPr lang="en"/>
-              <a:t> 1</a:t>
-            </a:r>
-            <a:endParaRPr/>
-          </a:p>
-        </p:txBody>
-      </p:sp>
-      <p:sp>
-        <p:nvSpPr>
-          <p:cNvPr id="147" name="Google Shape;147;p26"/>
-          <p:cNvSpPr txBox="1"/>
-          <p:nvPr>
-            <p:ph idx="1" type="body"/>
-          </p:nvPr>
-        </p:nvSpPr>
-        <p:spPr>
-          <a:xfrm>
-            <a:off x="197950" y="1152425"/>
-            <a:ext cx="3999900" cy="3416400"/>
-          </a:xfrm>
-          <a:prstGeom prst="rect">
-            <a:avLst/>
-          </a:prstGeom>
-        </p:spPr>
-        <p:txBody>
-          <a:bodyPr anchorCtr="0" anchor="t" bIns="91425" lIns="91425" spcFirstLastPara="1" rIns="91425" wrap="square" tIns="91425">
-            <a:normAutofit fontScale="47500" lnSpcReduction="20000"/>
-          </a:bodyPr>
-          <a:lstStyle/>
-          <a:p>
-            <a:pPr indent="0" lvl="0" marL="0" rtl="0" algn="l">
-              <a:spcBef>
-                <a:spcPts val="1200"/>
-              </a:spcBef>
-              <a:spcAft>
-                <a:spcPts val="0"/>
-              </a:spcAft>
-              <a:buNone/>
-            </a:pPr>
-            <a:r>
-              <a:rPr b="1" i="1" lang="en" sz="2095"/>
-              <a:t>When switching from a nonlinear to a linear metric, the sudden appearance of abilities vanishes, and performance improvement becomes gradual and predictable.</a:t>
-            </a:r>
-            <a:endParaRPr b="1" i="1" sz="2095"/>
-          </a:p>
-          <a:p>
-            <a:pPr indent="0" lvl="0" marL="0" rtl="0" algn="l">
-              <a:spcBef>
-                <a:spcPts val="1200"/>
-              </a:spcBef>
-              <a:spcAft>
-                <a:spcPts val="0"/>
-              </a:spcAft>
-              <a:buNone/>
-            </a:pPr>
-            <a:r>
-              <a:rPr lang="en" sz="2095"/>
-              <a:t>– Top rows shows the model's performance using Accuracy, a nonlinear metric</a:t>
-            </a:r>
-            <a:endParaRPr sz="2095"/>
-          </a:p>
-          <a:p>
-            <a:pPr indent="0" lvl="0" marL="0" rtl="0" algn="l">
-              <a:spcBef>
-                <a:spcPts val="1200"/>
-              </a:spcBef>
-              <a:spcAft>
-                <a:spcPts val="0"/>
-              </a:spcAft>
-              <a:buNone/>
-            </a:pPr>
-            <a:r>
-              <a:rPr lang="en" sz="2095"/>
-              <a:t>(performance appears to suddenly improve when dealing with longer input sequences)</a:t>
-            </a:r>
-            <a:endParaRPr sz="2095"/>
-          </a:p>
-          <a:p>
-            <a:pPr indent="0" lvl="0" marL="0" rtl="0" algn="l">
-              <a:spcBef>
-                <a:spcPts val="1200"/>
-              </a:spcBef>
-              <a:spcAft>
-                <a:spcPts val="0"/>
-              </a:spcAft>
-              <a:buNone/>
-            </a:pPr>
-            <a:r>
-              <a:rPr lang="en" sz="2095"/>
-              <a:t>– Bottom row shows the model’s performance using Token Edit Distance, a linear metric</a:t>
-            </a:r>
-            <a:endParaRPr sz="2095"/>
-          </a:p>
-          <a:p>
-            <a:pPr indent="0" lvl="0" marL="0" rtl="0" algn="l">
-              <a:spcBef>
-                <a:spcPts val="1200"/>
-              </a:spcBef>
-              <a:spcAft>
-                <a:spcPts val="0"/>
-              </a:spcAft>
-              <a:buNone/>
-            </a:pPr>
-            <a:r>
-              <a:rPr lang="en" sz="2095"/>
-              <a:t>(performance improvement is much smoother and more gradual)</a:t>
-            </a:r>
-            <a:endParaRPr sz="2095"/>
-          </a:p>
-          <a:p>
-            <a:pPr indent="0" lvl="0" marL="0" rtl="0" algn="l">
-              <a:spcBef>
-                <a:spcPts val="1200"/>
-              </a:spcBef>
-              <a:spcAft>
-                <a:spcPts val="0"/>
-              </a:spcAft>
-              <a:buNone/>
-            </a:pPr>
-            <a:r>
-              <a:rPr lang="en" sz="2095">
-                <a:solidFill>
-                  <a:srgbClr val="0000FF"/>
-                </a:solidFill>
-              </a:rPr>
-              <a:t>emergent abilities can be an illusion caused by using a sharp, nonlinear metric</a:t>
-            </a:r>
-            <a:endParaRPr sz="2095">
-              <a:solidFill>
-                <a:srgbClr val="0000FF"/>
-              </a:solidFill>
-            </a:endParaRPr>
-          </a:p>
-          <a:p>
-            <a:pPr indent="0" lvl="0" marL="0" rtl="0" algn="l">
-              <a:spcBef>
-                <a:spcPts val="1200"/>
-              </a:spcBef>
-              <a:spcAft>
-                <a:spcPts val="0"/>
-              </a:spcAft>
-              <a:buNone/>
-            </a:pPr>
-            <a:r>
-              <a:t/>
-            </a:r>
-            <a:endParaRPr/>
-          </a:p>
-          <a:p>
-            <a:pPr indent="0" lvl="0" marL="0" rtl="0" algn="l">
-              <a:spcBef>
-                <a:spcPts val="1200"/>
-              </a:spcBef>
-              <a:spcAft>
-                <a:spcPts val="1200"/>
-              </a:spcAft>
-              <a:buNone/>
-            </a:pPr>
-            <a:r>
-              <a:t/>
-            </a:r>
-            <a:endParaRPr/>
-          </a:p>
-        </p:txBody>
-      </p:sp>
-      <p:sp>
-        <p:nvSpPr>
-          <p:cNvPr id="148" name="Google Shape;148;p26"/>
-          <p:cNvSpPr txBox="1"/>
-          <p:nvPr>
-            <p:ph idx="2" type="body"/>
-          </p:nvPr>
-        </p:nvSpPr>
-        <p:spPr>
-          <a:xfrm>
-            <a:off x="4832400" y="1266175"/>
-            <a:ext cx="3999900" cy="3302700"/>
-          </a:xfrm>
-          <a:prstGeom prst="rect">
-            <a:avLst/>
-          </a:prstGeom>
-        </p:spPr>
-        <p:txBody>
-          <a:bodyPr anchorCtr="0" anchor="t" bIns="91425" lIns="91425" spcFirstLastPara="1" rIns="91425" wrap="square" tIns="91425">
-            <a:normAutofit/>
-          </a:bodyPr>
-          <a:lstStyle/>
-          <a:p>
-            <a:pPr indent="0" lvl="0" marL="0" rtl="0" algn="l">
-              <a:spcBef>
-                <a:spcPts val="0"/>
-              </a:spcBef>
-              <a:spcAft>
-                <a:spcPts val="1200"/>
-              </a:spcAft>
-              <a:buNone/>
-            </a:pPr>
-            <a:r>
-              <a:t/>
+              <a:t>2-digit multiplication</a:t>
             </a:r>
             <a:endParaRPr/>
           </a:p>
@@ -10055,12 +11058,12 @@
       </p:sp>
       <p:pic>
         <p:nvPicPr>
-          <p:cNvPr id="149" name="Google Shape;149;p26"/>
+          <p:cNvPr id="147" name="Google Shape;147;p26"/>
           <p:cNvPicPr preferRelativeResize="0"/>
           <p:nvPr/>
         </p:nvPicPr>
         <p:blipFill>
-          <a:blip r:embed="rId4">
+          <a:blip r:embed="rId3">
             <a:alphaModFix/>
           </a:blip>
           <a:stretch>
@@ -10069,36 +11072,8 @@
         </p:blipFill>
         <p:spPr>
           <a:xfrm>
-            <a:off x="4078650" y="869638"/>
-            <a:ext cx="2133600" cy="4095750"/>
-          </a:xfrm>
-          <a:prstGeom prst="rect">
-            <a:avLst/>
-          </a:prstGeom>
-          <a:noFill/>
-          <a:ln>
-            <a:noFill/>
-          </a:ln>
-        </p:spPr>
-      </p:pic>
-      <p:pic>
-        <p:nvPicPr>
-          <p:cNvPr id="150" name="Google Shape;150;p26"/>
-          <p:cNvPicPr preferRelativeResize="0"/>
-          <p:nvPr/>
-        </p:nvPicPr>
-        <p:blipFill>
-          <a:blip r:embed="rId5">
-            <a:alphaModFix/>
-          </a:blip>
-          <a:stretch>
-            <a:fillRect/>
-          </a:stretch>
-        </p:blipFill>
-        <p:spPr>
-          <a:xfrm>
-            <a:off x="6212238" y="912500"/>
-            <a:ext cx="2867025" cy="4010025"/>
+            <a:off x="1087600" y="1216375"/>
+            <a:ext cx="6115825" cy="3636450"/>
           </a:xfrm>
           <a:prstGeom prst="rect">
             <a:avLst/>
@@ -10122,7 +11097,7 @@
   <p:cSld>
     <p:spTree>
       <p:nvGrpSpPr>
-        <p:cNvPr id="154" name="Shape 154"/>
+        <p:cNvPr id="151" name="Shape 151"/>
         <p:cNvGrpSpPr/>
         <p:nvPr/>
       </p:nvGrpSpPr>
@@ -10134,125 +11109,14 @@
           <a:chExt cx="0" cy="0"/>
         </a:xfrm>
       </p:grpSpPr>
-      <p:sp>
-        <p:nvSpPr>
-          <p:cNvPr id="155" name="Google Shape;155;p27"/>
-          <p:cNvSpPr txBox="1"/>
-          <p:nvPr>
-            <p:ph type="title"/>
-          </p:nvPr>
-        </p:nvSpPr>
-        <p:spPr>
-          <a:xfrm>
-            <a:off x="311700" y="445025"/>
-            <a:ext cx="8520600" cy="707400"/>
-          </a:xfrm>
-          <a:prstGeom prst="rect">
-            <a:avLst/>
-          </a:prstGeom>
-        </p:spPr>
-        <p:txBody>
-          <a:bodyPr anchorCtr="0" anchor="t" bIns="91425" lIns="91425" spcFirstLastPara="1" rIns="91425" wrap="square" tIns="91425">
-            <a:normAutofit fontScale="90000"/>
-          </a:bodyPr>
-          <a:lstStyle/>
-          <a:p>
-            <a:pPr indent="0" lvl="0" marL="0" rtl="0" algn="l">
-              <a:spcBef>
-                <a:spcPts val="0"/>
-              </a:spcBef>
-              <a:spcAft>
-                <a:spcPts val="0"/>
-              </a:spcAft>
-              <a:buNone/>
-            </a:pPr>
-            <a:r>
-              <a:rPr lang="en"/>
-              <a:t>Prediction 2</a:t>
-            </a:r>
-            <a:endParaRPr/>
-          </a:p>
-        </p:txBody>
-      </p:sp>
-      <p:sp>
-        <p:nvSpPr>
-          <p:cNvPr id="156" name="Google Shape;156;p27"/>
-          <p:cNvSpPr txBox="1"/>
-          <p:nvPr>
-            <p:ph idx="1" type="body"/>
-          </p:nvPr>
-        </p:nvSpPr>
-        <p:spPr>
-          <a:xfrm>
-            <a:off x="311700" y="1266325"/>
-            <a:ext cx="4338900" cy="3302700"/>
-          </a:xfrm>
-          <a:prstGeom prst="rect">
-            <a:avLst/>
-          </a:prstGeom>
-        </p:spPr>
-        <p:txBody>
-          <a:bodyPr anchorCtr="0" anchor="t" bIns="91425" lIns="91425" spcFirstLastPara="1" rIns="91425" wrap="square" tIns="91425">
-            <a:normAutofit fontScale="85000"/>
-          </a:bodyPr>
-          <a:lstStyle/>
-          <a:p>
-            <a:pPr indent="0" lvl="0" marL="0" rtl="0" algn="l">
-              <a:spcBef>
-                <a:spcPts val="1200"/>
-              </a:spcBef>
-              <a:spcAft>
-                <a:spcPts val="0"/>
-              </a:spcAft>
-              <a:buNone/>
-            </a:pPr>
-            <a:r>
-              <a:rPr b="1" i="1" lang="en"/>
-              <a:t>using more test data, the emergent abilities smooth out, showing that smaller models are not entirely incapable of solving tasks—they just appear to be due to low-resolution measurements.</a:t>
-            </a:r>
-            <a:endParaRPr b="1" i="1"/>
-          </a:p>
-          <a:p>
-            <a:pPr indent="0" lvl="0" marL="0" rtl="0" algn="l">
-              <a:spcBef>
-                <a:spcPts val="1200"/>
-              </a:spcBef>
-              <a:spcAft>
-                <a:spcPts val="0"/>
-              </a:spcAft>
-              <a:buNone/>
-            </a:pPr>
-            <a:r>
-              <a:rPr lang="en"/>
-              <a:t>– further testing with more data (resolution), confirming that, even with accuracy as a metric, the model's improvements follow a smoother, more predictable path.</a:t>
-            </a:r>
-            <a:endParaRPr/>
-          </a:p>
-          <a:p>
-            <a:pPr indent="0" lvl="0" marL="0" rtl="0" algn="l">
-              <a:spcBef>
-                <a:spcPts val="1200"/>
-              </a:spcBef>
-              <a:spcAft>
-                <a:spcPts val="1200"/>
-              </a:spcAft>
-              <a:buNone/>
-            </a:pPr>
-            <a:r>
-              <a:t/>
-            </a:r>
-            <a:endParaRPr/>
-          </a:p>
-        </p:txBody>
-      </p:sp>
       <p:pic>
         <p:nvPicPr>
-          <p:cNvPr id="157" name="Google Shape;157;p27"/>
+          <p:cNvPr id="152" name="Google Shape;152;p27"/>
           <p:cNvPicPr preferRelativeResize="0"/>
           <p:nvPr/>
         </p:nvPicPr>
         <p:blipFill>
-          <a:blip r:embed="rId4">
+          <a:blip r:embed="rId3">
             <a:alphaModFix/>
           </a:blip>
           <a:stretch>
@@ -10261,36 +11125,8 @@
         </p:blipFill>
         <p:spPr>
           <a:xfrm>
-            <a:off x="4765100" y="1014150"/>
-            <a:ext cx="4188599" cy="1892500"/>
-          </a:xfrm>
-          <a:prstGeom prst="rect">
-            <a:avLst/>
-          </a:prstGeom>
-          <a:noFill/>
-          <a:ln>
-            <a:noFill/>
-          </a:ln>
-        </p:spPr>
-      </p:pic>
-      <p:pic>
-        <p:nvPicPr>
-          <p:cNvPr id="158" name="Google Shape;158;p27"/>
-          <p:cNvPicPr preferRelativeResize="0"/>
-          <p:nvPr/>
-        </p:nvPicPr>
-        <p:blipFill>
-          <a:blip r:embed="rId5">
-            <a:alphaModFix/>
-          </a:blip>
-          <a:stretch>
-            <a:fillRect/>
-          </a:stretch>
-        </p:blipFill>
-        <p:spPr>
-          <a:xfrm>
-            <a:off x="5447500" y="3008500"/>
-            <a:ext cx="2587415" cy="1932050"/>
+            <a:off x="1529900" y="847475"/>
+            <a:ext cx="5774625" cy="3739975"/>
           </a:xfrm>
           <a:prstGeom prst="rect">
             <a:avLst/>
@@ -10310,6 +11146,99 @@
 </file>
 
 <file path=ppt/slides/slide16.xml><?xml version="1.0" encoding="utf-8"?>
+<p:sld xmlns:a="http://schemas.openxmlformats.org/drawingml/2006/main" xmlns:r="http://schemas.openxmlformats.org/officeDocument/2006/relationships" xmlns:mc="http://schemas.openxmlformats.org/markup-compatibility/2006" xmlns:mv="urn:schemas-microsoft-com:mac:vml" xmlns:p="http://schemas.openxmlformats.org/presentationml/2006/main" xmlns:c="http://schemas.openxmlformats.org/drawingml/2006/chart" xmlns:dgm="http://schemas.openxmlformats.org/drawingml/2006/diagram" xmlns:o="urn:schemas-microsoft-com:office:office" xmlns:v="urn:schemas-microsoft-com:vml" xmlns:pvml="urn:schemas-microsoft-com:office:powerpoint" xmlns:com="http://schemas.openxmlformats.org/drawingml/2006/compatibility" xmlns:p14="http://schemas.microsoft.com/office/powerpoint/2010/main" xmlns:p15="http://schemas.microsoft.com/office/powerpoint/2012/main" xmlns:ahyp="http://schemas.microsoft.com/office/drawing/2018/hyperlinkcolor">
+  <p:cSld>
+    <p:spTree>
+      <p:nvGrpSpPr>
+        <p:cNvPr id="156" name="Shape 156"/>
+        <p:cNvGrpSpPr/>
+        <p:nvPr/>
+      </p:nvGrpSpPr>
+      <p:grpSpPr>
+        <a:xfrm>
+          <a:off x="0" y="0"/>
+          <a:ext cx="0" cy="0"/>
+          <a:chOff x="0" y="0"/>
+          <a:chExt cx="0" cy="0"/>
+        </a:xfrm>
+      </p:grpSpPr>
+      <p:sp>
+        <p:nvSpPr>
+          <p:cNvPr id="157" name="Google Shape;157;p28"/>
+          <p:cNvSpPr txBox="1"/>
+          <p:nvPr>
+            <p:ph type="title"/>
+          </p:nvPr>
+        </p:nvSpPr>
+        <p:spPr>
+          <a:xfrm>
+            <a:off x="311700" y="445025"/>
+            <a:ext cx="8520600" cy="707400"/>
+          </a:xfrm>
+          <a:prstGeom prst="rect">
+            <a:avLst/>
+          </a:prstGeom>
+        </p:spPr>
+        <p:txBody>
+          <a:bodyPr anchorCtr="0" anchor="t" bIns="91425" lIns="91425" spcFirstLastPara="1" rIns="91425" wrap="square" tIns="91425">
+            <a:normAutofit fontScale="90000"/>
+          </a:bodyPr>
+          <a:lstStyle/>
+          <a:p>
+            <a:pPr indent="0" lvl="0" marL="0" rtl="0" algn="l">
+              <a:spcBef>
+                <a:spcPts val="0"/>
+              </a:spcBef>
+              <a:spcAft>
+                <a:spcPts val="0"/>
+              </a:spcAft>
+              <a:buNone/>
+            </a:pPr>
+            <a:r>
+              <a:rPr lang="en"/>
+              <a:t>4 digit addition task</a:t>
+            </a:r>
+            <a:endParaRPr/>
+          </a:p>
+        </p:txBody>
+      </p:sp>
+      <p:pic>
+        <p:nvPicPr>
+          <p:cNvPr id="158" name="Google Shape;158;p28"/>
+          <p:cNvPicPr preferRelativeResize="0"/>
+          <p:nvPr/>
+        </p:nvPicPr>
+        <p:blipFill>
+          <a:blip r:embed="rId3">
+            <a:alphaModFix/>
+          </a:blip>
+          <a:stretch>
+            <a:fillRect/>
+          </a:stretch>
+        </p:blipFill>
+        <p:spPr>
+          <a:xfrm>
+            <a:off x="1479350" y="1229000"/>
+            <a:ext cx="5339041" cy="3686275"/>
+          </a:xfrm>
+          <a:prstGeom prst="rect">
+            <a:avLst/>
+          </a:prstGeom>
+          <a:noFill/>
+          <a:ln>
+            <a:noFill/>
+          </a:ln>
+        </p:spPr>
+      </p:pic>
+    </p:spTree>
+  </p:cSld>
+  <p:clrMapOvr>
+    <a:masterClrMapping/>
+  </p:clrMapOvr>
+</p:sld>
+</file>
+
+<file path=ppt/slides/slide17.xml><?xml version="1.0" encoding="utf-8"?>
 <p:sld xmlns:a="http://schemas.openxmlformats.org/drawingml/2006/main" xmlns:r="http://schemas.openxmlformats.org/officeDocument/2006/relationships" xmlns:mc="http://schemas.openxmlformats.org/markup-compatibility/2006" xmlns:mv="urn:schemas-microsoft-com:mac:vml" xmlns:p="http://schemas.openxmlformats.org/presentationml/2006/main" xmlns:c="http://schemas.openxmlformats.org/drawingml/2006/chart" xmlns:dgm="http://schemas.openxmlformats.org/drawingml/2006/diagram" xmlns:o="urn:schemas-microsoft-com:office:office" xmlns:v="urn:schemas-microsoft-com:vml" xmlns:pvml="urn:schemas-microsoft-com:office:powerpoint" xmlns:com="http://schemas.openxmlformats.org/drawingml/2006/compatibility" xmlns:p14="http://schemas.microsoft.com/office/powerpoint/2010/main" xmlns:p15="http://schemas.microsoft.com/office/powerpoint/2012/main" xmlns:ahyp="http://schemas.microsoft.com/office/drawing/2018/hyperlinkcolor">
   <p:cSld>
     <p:spTree>
@@ -10326,370 +11255,9 @@
           <a:chExt cx="0" cy="0"/>
         </a:xfrm>
       </p:grpSpPr>
-      <p:sp>
-        <p:nvSpPr>
-          <p:cNvPr id="163" name="Google Shape;163;p28"/>
-          <p:cNvSpPr txBox="1"/>
-          <p:nvPr>
-            <p:ph type="title"/>
-          </p:nvPr>
-        </p:nvSpPr>
-        <p:spPr>
-          <a:xfrm>
-            <a:off x="311700" y="445025"/>
-            <a:ext cx="8520600" cy="707400"/>
-          </a:xfrm>
-          <a:prstGeom prst="rect">
-            <a:avLst/>
-          </a:prstGeom>
-        </p:spPr>
-        <p:txBody>
-          <a:bodyPr anchorCtr="0" anchor="t" bIns="91425" lIns="91425" spcFirstLastPara="1" rIns="91425" wrap="square" tIns="91425">
-            <a:normAutofit fontScale="90000"/>
-          </a:bodyPr>
-          <a:lstStyle/>
-          <a:p>
-            <a:pPr indent="0" lvl="0" marL="0" rtl="0" algn="l">
-              <a:spcBef>
-                <a:spcPts val="0"/>
-              </a:spcBef>
-              <a:spcAft>
-                <a:spcPts val="0"/>
-              </a:spcAft>
-              <a:buNone/>
-            </a:pPr>
-            <a:r>
-              <a:rPr lang="en"/>
-              <a:t>Meta-Analysis</a:t>
-            </a:r>
-            <a:endParaRPr/>
-          </a:p>
-        </p:txBody>
-      </p:sp>
-      <p:sp>
-        <p:nvSpPr>
-          <p:cNvPr id="164" name="Google Shape;164;p28"/>
-          <p:cNvSpPr txBox="1"/>
-          <p:nvPr>
-            <p:ph idx="1" type="body"/>
-          </p:nvPr>
-        </p:nvSpPr>
-        <p:spPr>
-          <a:xfrm>
-            <a:off x="311700" y="1266325"/>
-            <a:ext cx="8520600" cy="3302700"/>
-          </a:xfrm>
-          <a:prstGeom prst="rect">
-            <a:avLst/>
-          </a:prstGeom>
-        </p:spPr>
-        <p:txBody>
-          <a:bodyPr anchorCtr="0" anchor="t" bIns="91425" lIns="91425" spcFirstLastPara="1" rIns="91425" wrap="square" tIns="91425">
-            <a:normAutofit/>
-          </a:bodyPr>
-          <a:lstStyle/>
-          <a:p>
-            <a:pPr indent="0" lvl="0" marL="0" rtl="0" algn="l">
-              <a:spcBef>
-                <a:spcPts val="1200"/>
-              </a:spcBef>
-              <a:spcAft>
-                <a:spcPts val="0"/>
-              </a:spcAft>
-              <a:buNone/>
-            </a:pPr>
-            <a:r>
-              <a:rPr lang="en"/>
-              <a:t>Use </a:t>
-            </a:r>
-            <a:r>
-              <a:rPr b="1" lang="en"/>
-              <a:t>BIG-Bench</a:t>
-            </a:r>
-            <a:r>
-              <a:rPr lang="en"/>
-              <a:t>, a collection of benchmark tasks used to evaluate language models. </a:t>
-            </a:r>
-            <a:endParaRPr/>
-          </a:p>
-          <a:p>
-            <a:pPr indent="0" lvl="0" marL="0" rtl="0" algn="l">
-              <a:spcBef>
-                <a:spcPts val="1200"/>
-              </a:spcBef>
-              <a:spcAft>
-                <a:spcPts val="0"/>
-              </a:spcAft>
-              <a:buNone/>
-            </a:pPr>
-            <a:r>
-              <a:rPr lang="en">
-                <a:solidFill>
-                  <a:srgbClr val="0000FF"/>
-                </a:solidFill>
-              </a:rPr>
-              <a:t>Key prediction:</a:t>
-            </a:r>
-            <a:endParaRPr>
-              <a:solidFill>
-                <a:srgbClr val="0000FF"/>
-              </a:solidFill>
-            </a:endParaRPr>
-          </a:p>
-          <a:p>
-            <a:pPr indent="0" lvl="0" marL="0" rtl="0" algn="l">
-              <a:spcBef>
-                <a:spcPts val="1200"/>
-              </a:spcBef>
-              <a:spcAft>
-                <a:spcPts val="0"/>
-              </a:spcAft>
-              <a:buNone/>
-            </a:pPr>
-            <a:r>
-              <a:rPr lang="en"/>
-              <a:t>Emergent abilities should appear predominantly on specific metrics, not task-model family pairs.</a:t>
-            </a:r>
-            <a:endParaRPr/>
-          </a:p>
-          <a:p>
-            <a:pPr indent="0" lvl="0" marL="0" rtl="0" algn="l">
-              <a:spcBef>
-                <a:spcPts val="1200"/>
-              </a:spcBef>
-              <a:spcAft>
-                <a:spcPts val="0"/>
-              </a:spcAft>
-              <a:buNone/>
-            </a:pPr>
-            <a:r>
-              <a:rPr lang="en"/>
-              <a:t>Changing the metric from a nonlinear/discontinuous metric to a linear/continuous one should remove the emergent ability.</a:t>
-            </a:r>
-            <a:endParaRPr/>
-          </a:p>
-          <a:p>
-            <a:pPr indent="0" lvl="0" marL="0" rtl="0" algn="l">
-              <a:spcBef>
-                <a:spcPts val="1200"/>
-              </a:spcBef>
-              <a:spcAft>
-                <a:spcPts val="1200"/>
-              </a:spcAft>
-              <a:buNone/>
-            </a:pPr>
-            <a:r>
-              <a:t/>
-            </a:r>
-            <a:endParaRPr/>
-          </a:p>
-        </p:txBody>
-      </p:sp>
-    </p:spTree>
-  </p:cSld>
-  <p:clrMapOvr>
-    <a:masterClrMapping/>
-  </p:clrMapOvr>
-</p:sld>
-</file>
-
-<file path=ppt/slides/slide17.xml><?xml version="1.0" encoding="utf-8"?>
-<p:sld xmlns:a="http://schemas.openxmlformats.org/drawingml/2006/main" xmlns:r="http://schemas.openxmlformats.org/officeDocument/2006/relationships" xmlns:mc="http://schemas.openxmlformats.org/markup-compatibility/2006" xmlns:mv="urn:schemas-microsoft-com:mac:vml" xmlns:p="http://schemas.openxmlformats.org/presentationml/2006/main" xmlns:c="http://schemas.openxmlformats.org/drawingml/2006/chart" xmlns:dgm="http://schemas.openxmlformats.org/drawingml/2006/diagram" xmlns:o="urn:schemas-microsoft-com:office:office" xmlns:v="urn:schemas-microsoft-com:vml" xmlns:pvml="urn:schemas-microsoft-com:office:powerpoint" xmlns:com="http://schemas.openxmlformats.org/drawingml/2006/compatibility" xmlns:p14="http://schemas.microsoft.com/office/powerpoint/2010/main" xmlns:p15="http://schemas.microsoft.com/office/powerpoint/2012/main" xmlns:ahyp="http://schemas.microsoft.com/office/drawing/2018/hyperlinkcolor">
-  <p:cSld>
-    <p:spTree>
-      <p:nvGrpSpPr>
-        <p:cNvPr id="168" name="Shape 168"/>
-        <p:cNvGrpSpPr/>
-        <p:nvPr/>
-      </p:nvGrpSpPr>
-      <p:grpSpPr>
-        <a:xfrm>
-          <a:off x="0" y="0"/>
-          <a:ext cx="0" cy="0"/>
-          <a:chOff x="0" y="0"/>
-          <a:chExt cx="0" cy="0"/>
-        </a:xfrm>
-      </p:grpSpPr>
-      <p:sp>
-        <p:nvSpPr>
-          <p:cNvPr id="169" name="Google Shape;169;p29"/>
-          <p:cNvSpPr txBox="1"/>
-          <p:nvPr>
-            <p:ph type="title"/>
-          </p:nvPr>
-        </p:nvSpPr>
-        <p:spPr>
-          <a:xfrm>
-            <a:off x="311700" y="445025"/>
-            <a:ext cx="8520600" cy="707400"/>
-          </a:xfrm>
-          <a:prstGeom prst="rect">
-            <a:avLst/>
-          </a:prstGeom>
-        </p:spPr>
-        <p:txBody>
-          <a:bodyPr anchorCtr="0" anchor="t" bIns="91425" lIns="91425" spcFirstLastPara="1" rIns="91425" wrap="square" tIns="91425">
-            <a:normAutofit fontScale="90000"/>
-          </a:bodyPr>
-          <a:lstStyle/>
-          <a:p>
-            <a:pPr indent="0" lvl="0" marL="0" rtl="0" algn="l">
-              <a:spcBef>
-                <a:spcPts val="0"/>
-              </a:spcBef>
-              <a:spcAft>
-                <a:spcPts val="0"/>
-              </a:spcAft>
-              <a:buNone/>
-            </a:pPr>
-            <a:r>
-              <a:rPr lang="en"/>
-              <a:t>Emerging score</a:t>
-            </a:r>
-            <a:endParaRPr/>
-          </a:p>
-        </p:txBody>
-      </p:sp>
-      <p:sp>
-        <p:nvSpPr>
-          <p:cNvPr id="170" name="Google Shape;170;p29"/>
-          <p:cNvSpPr txBox="1"/>
-          <p:nvPr>
-            <p:ph idx="1" type="body"/>
-          </p:nvPr>
-        </p:nvSpPr>
-        <p:spPr>
-          <a:xfrm>
-            <a:off x="311700" y="1266325"/>
-            <a:ext cx="8520600" cy="3302700"/>
-          </a:xfrm>
-          <a:prstGeom prst="rect">
-            <a:avLst/>
-          </a:prstGeom>
-        </p:spPr>
-        <p:txBody>
-          <a:bodyPr anchorCtr="0" anchor="t" bIns="91425" lIns="91425" spcFirstLastPara="1" rIns="91425" wrap="square" tIns="91425">
-            <a:normAutofit fontScale="92500" lnSpcReduction="10000"/>
-          </a:bodyPr>
-          <a:lstStyle/>
-          <a:p>
-            <a:pPr indent="0" lvl="0" marL="0" rtl="0" algn="l">
-              <a:spcBef>
-                <a:spcPts val="0"/>
-              </a:spcBef>
-              <a:spcAft>
-                <a:spcPts val="0"/>
-              </a:spcAft>
-              <a:buNone/>
-            </a:pPr>
-            <a:r>
-              <a:rPr lang="en"/>
-              <a:t>Y is model performance at scale x</a:t>
-            </a:r>
-            <a:endParaRPr/>
-          </a:p>
-          <a:p>
-            <a:pPr indent="0" lvl="0" marL="0" rtl="0" algn="l">
-              <a:spcBef>
-                <a:spcPts val="1200"/>
-              </a:spcBef>
-              <a:spcAft>
-                <a:spcPts val="0"/>
-              </a:spcAft>
-              <a:buNone/>
-            </a:pPr>
-            <a:r>
-              <a:rPr lang="en"/>
-              <a:t>N</a:t>
-            </a:r>
-            <a:r>
-              <a:rPr lang="en"/>
-              <a:t>umerator: the difference between the best and worst performance scores.</a:t>
-            </a:r>
-            <a:endParaRPr/>
-          </a:p>
-          <a:p>
-            <a:pPr indent="0" lvl="0" marL="0" rtl="0" algn="l">
-              <a:spcBef>
-                <a:spcPts val="1200"/>
-              </a:spcBef>
-              <a:spcAft>
-                <a:spcPts val="0"/>
-              </a:spcAft>
-              <a:buNone/>
-            </a:pPr>
-            <a:r>
-              <a:rPr lang="en"/>
-              <a:t>Denominator: how gradual the performance improvements are over model scale.</a:t>
-            </a:r>
-            <a:endParaRPr/>
-          </a:p>
-          <a:p>
-            <a:pPr indent="0" lvl="0" marL="0" rtl="0" algn="l">
-              <a:spcBef>
-                <a:spcPts val="1200"/>
-              </a:spcBef>
-              <a:spcAft>
-                <a:spcPts val="0"/>
-              </a:spcAft>
-              <a:buNone/>
-            </a:pPr>
-            <a:r>
-              <a:rPr b="1" lang="en"/>
-              <a:t>higher score indicates sharper, less gradual changes in performance, suggesting the presence of an emergent ability</a:t>
-            </a:r>
-            <a:endParaRPr b="1"/>
-          </a:p>
-          <a:p>
-            <a:pPr indent="0" lvl="0" marL="0" rtl="0" algn="l">
-              <a:spcBef>
-                <a:spcPts val="1200"/>
-              </a:spcBef>
-              <a:spcAft>
-                <a:spcPts val="0"/>
-              </a:spcAft>
-              <a:buNone/>
-            </a:pPr>
-            <a:r>
-              <a:t/>
-            </a:r>
-            <a:endParaRPr/>
-          </a:p>
-          <a:p>
-            <a:pPr indent="0" lvl="0" marL="0" rtl="0" algn="l">
-              <a:spcBef>
-                <a:spcPts val="1200"/>
-              </a:spcBef>
-              <a:spcAft>
-                <a:spcPts val="0"/>
-              </a:spcAft>
-              <a:buNone/>
-            </a:pPr>
-            <a:r>
-              <a:t/>
-            </a:r>
-            <a:endParaRPr/>
-          </a:p>
-          <a:p>
-            <a:pPr indent="0" lvl="0" marL="0" rtl="0" algn="l">
-              <a:spcBef>
-                <a:spcPts val="1200"/>
-              </a:spcBef>
-              <a:spcAft>
-                <a:spcPts val="1200"/>
-              </a:spcAft>
-              <a:buNone/>
-            </a:pPr>
-            <a:r>
-              <a:t/>
-            </a:r>
-            <a:endParaRPr/>
-          </a:p>
-        </p:txBody>
-      </p:sp>
       <p:pic>
         <p:nvPicPr>
-          <p:cNvPr id="171" name="Google Shape;171;p29"/>
+          <p:cNvPr id="163" name="Google Shape;163;p29"/>
           <p:cNvPicPr preferRelativeResize="0"/>
           <p:nvPr/>
         </p:nvPicPr>
@@ -10703,8 +11271,8 @@
         </p:blipFill>
         <p:spPr>
           <a:xfrm>
-            <a:off x="0" y="3601131"/>
-            <a:ext cx="9143999" cy="967889"/>
+            <a:off x="1567800" y="746350"/>
+            <a:ext cx="5585075" cy="3981450"/>
           </a:xfrm>
           <a:prstGeom prst="rect">
             <a:avLst/>
@@ -10728,7 +11296,7 @@
   <p:cSld>
     <p:spTree>
       <p:nvGrpSpPr>
-        <p:cNvPr id="175" name="Shape 175"/>
+        <p:cNvPr id="167" name="Shape 167"/>
         <p:cNvGrpSpPr/>
         <p:nvPr/>
       </p:nvGrpSpPr>
@@ -10742,7 +11310,7 @@
       </p:grpSpPr>
       <p:sp>
         <p:nvSpPr>
-          <p:cNvPr id="176" name="Google Shape;176;p30"/>
+          <p:cNvPr id="168" name="Google Shape;168;p30"/>
           <p:cNvSpPr txBox="1"/>
           <p:nvPr>
             <p:ph type="title"/>
@@ -10764,11 +11332,8 @@
           <a:lstStyle/>
           <a:p>
             <a:pPr indent="0" lvl="0" marL="0" rtl="0" algn="l">
-              <a:lnSpc>
-                <a:spcPct val="115000"/>
-              </a:lnSpc>
-              <a:spcBef>
-                <a:spcPts val="1200"/>
+              <a:spcBef>
+                <a:spcPts val="0"/>
               </a:spcBef>
               <a:spcAft>
                 <a:spcPts val="0"/>
@@ -10777,22 +11342,7 @@
             </a:pPr>
             <a:r>
               <a:rPr lang="en"/>
-              <a:t>Emergent abilities appear only under specific metrics</a:t>
-            </a:r>
-            <a:endParaRPr/>
-          </a:p>
-          <a:p>
-            <a:pPr indent="0" lvl="0" marL="0" rtl="0" algn="l">
-              <a:spcBef>
-                <a:spcPts val="1200"/>
-              </a:spcBef>
-              <a:spcAft>
-                <a:spcPts val="0"/>
-              </a:spcAft>
-              <a:buNone/>
-            </a:pPr>
-            <a:r>
-              <a:t/>
+              <a:t>InstructGPT/GPT3’s emergent abilities (2)</a:t>
             </a:r>
             <a:endParaRPr/>
           </a:p>
@@ -10800,7 +11350,7 @@
       </p:sp>
       <p:sp>
         <p:nvSpPr>
-          <p:cNvPr id="177" name="Google Shape;177;p30"/>
+          <p:cNvPr id="169" name="Google Shape;169;p30"/>
           <p:cNvSpPr txBox="1"/>
           <p:nvPr>
             <p:ph idx="1" type="body"/>
@@ -10808,8 +11358,8 @@
         </p:nvSpPr>
         <p:spPr>
           <a:xfrm>
-            <a:off x="311700" y="1266175"/>
-            <a:ext cx="3999900" cy="3302700"/>
+            <a:off x="311700" y="1266325"/>
+            <a:ext cx="8520600" cy="3302700"/>
           </a:xfrm>
           <a:prstGeom prst="rect">
             <a:avLst/>
@@ -10817,7 +11367,7 @@
         </p:spPr>
         <p:txBody>
           <a:bodyPr anchorCtr="0" anchor="t" bIns="91425" lIns="91425" spcFirstLastPara="1" rIns="91425" wrap="square" tIns="91425">
-            <a:normAutofit/>
+            <a:normAutofit fontScale="85000"/>
           </a:bodyPr>
           <a:lstStyle/>
           <a:p>
@@ -10831,8 +11381,24 @@
               <a:buNone/>
             </a:pPr>
             <a:r>
+              <a:rPr b="1" i="1" lang="en"/>
+              <a:t>Increasing the resolution of measured model performance by using a larger test dataset should also reveal smooth, continuous improvements</a:t>
+            </a:r>
+            <a:endParaRPr b="1" i="1"/>
+          </a:p>
+          <a:p>
+            <a:pPr indent="0" lvl="0" marL="0" rtl="0" algn="l">
+              <a:spcBef>
+                <a:spcPts val="1200"/>
+              </a:spcBef>
+              <a:spcAft>
+                <a:spcPts val="0"/>
+              </a:spcAft>
+              <a:buNone/>
+            </a:pPr>
+            <a:r>
               <a:rPr lang="en"/>
-              <a:t>Of the 39 preferred metrics in BIG-Bench, only 5 showed any evidence of emergent abilities</a:t>
+              <a:t>– For nonlinear metrics, a smaller dataset can make the model look like it's suddenly getting better</a:t>
             </a:r>
             <a:endParaRPr/>
           </a:p>
@@ -10847,110 +11413,60 @@
               <a:buNone/>
             </a:pPr>
             <a:r>
+              <a:rPr b="1" i="1" lang="en"/>
+              <a:t>Longer sequences of input data should lead to predictable changes in model performance</a:t>
+            </a:r>
+            <a:endParaRPr b="1" i="1"/>
+          </a:p>
+          <a:p>
+            <a:pPr indent="0" lvl="0" marL="0" rtl="0" algn="l">
+              <a:spcBef>
+                <a:spcPts val="1200"/>
+              </a:spcBef>
+              <a:spcAft>
+                <a:spcPts val="0"/>
+              </a:spcAft>
+              <a:buNone/>
+            </a:pPr>
+            <a:r>
+              <a:rPr lang="en"/>
+              <a:t>– For accuracy, performance should degrade sharply for longer sequences (geometrically).</a:t>
+            </a:r>
+            <a:endParaRPr/>
+          </a:p>
+          <a:p>
+            <a:pPr indent="0" lvl="0" marL="0" rtl="0" algn="l">
+              <a:spcBef>
+                <a:spcPts val="1200"/>
+              </a:spcBef>
+              <a:spcAft>
+                <a:spcPts val="0"/>
+              </a:spcAft>
+              <a:buNone/>
+            </a:pPr>
+            <a:r>
+              <a:rPr lang="en"/>
+              <a:t>– For token edit distance, performance should degrade more smoothly (quasilinearly).</a:t>
+            </a:r>
+            <a:endParaRPr/>
+          </a:p>
+          <a:p>
+            <a:pPr indent="0" lvl="0" marL="0" rtl="0" algn="l">
+              <a:spcBef>
+                <a:spcPts val="1200"/>
+              </a:spcBef>
+              <a:spcAft>
+                <a:spcPts val="1200"/>
+              </a:spcAft>
+              <a:buNone/>
+            </a:pPr>
+            <a:r>
               <a:t/>
             </a:r>
             <a:endParaRPr/>
           </a:p>
-          <a:p>
-            <a:pPr indent="0" lvl="0" marL="0" rtl="0" algn="l">
-              <a:spcBef>
-                <a:spcPts val="1200"/>
-              </a:spcBef>
-              <a:spcAft>
-                <a:spcPts val="0"/>
-              </a:spcAft>
-              <a:buNone/>
-            </a:pPr>
-            <a:r>
-              <a:rPr lang="en"/>
-              <a:t>5 metrics that did show emergent abilities were primarily nonlinear and/or discontinuous metrics</a:t>
-            </a:r>
-            <a:endParaRPr/>
-          </a:p>
-          <a:p>
-            <a:pPr indent="0" lvl="0" marL="0" rtl="0" algn="l">
-              <a:spcBef>
-                <a:spcPts val="1200"/>
-              </a:spcBef>
-              <a:spcAft>
-                <a:spcPts val="1200"/>
-              </a:spcAft>
-              <a:buNone/>
-            </a:pPr>
-            <a:r>
-              <a:t/>
-            </a:r>
-            <a:endParaRPr/>
-          </a:p>
         </p:txBody>
       </p:sp>
-      <p:sp>
-        <p:nvSpPr>
-          <p:cNvPr id="178" name="Google Shape;178;p30"/>
-          <p:cNvSpPr txBox="1"/>
-          <p:nvPr>
-            <p:ph idx="2" type="body"/>
-          </p:nvPr>
-        </p:nvSpPr>
-        <p:spPr>
-          <a:xfrm>
-            <a:off x="4832400" y="1266175"/>
-            <a:ext cx="3999900" cy="3302700"/>
-          </a:xfrm>
-          <a:prstGeom prst="rect">
-            <a:avLst/>
-          </a:prstGeom>
-        </p:spPr>
-        <p:txBody>
-          <a:bodyPr anchorCtr="0" anchor="t" bIns="91425" lIns="91425" spcFirstLastPara="1" rIns="91425" wrap="square" tIns="91425">
-            <a:normAutofit/>
-          </a:bodyPr>
-          <a:lstStyle/>
-          <a:p>
-            <a:pPr indent="0" lvl="0" marL="0" rtl="0" algn="l">
-              <a:spcBef>
-                <a:spcPts val="0"/>
-              </a:spcBef>
-              <a:spcAft>
-                <a:spcPts val="1200"/>
-              </a:spcAft>
-              <a:buNone/>
-            </a:pPr>
-            <a:r>
-              <a:t/>
-            </a:r>
-            <a:endParaRPr/>
-          </a:p>
-        </p:txBody>
-      </p:sp>
-      <p:pic>
-        <p:nvPicPr>
-          <p:cNvPr id="179" name="Google Shape;179;p30"/>
-          <p:cNvPicPr preferRelativeResize="0"/>
-          <p:nvPr/>
-        </p:nvPicPr>
-        <p:blipFill>
-          <a:blip r:embed="rId4">
-            <a:alphaModFix/>
-          </a:blip>
-          <a:stretch>
-            <a:fillRect/>
-          </a:stretch>
-        </p:blipFill>
-        <p:spPr>
-          <a:xfrm>
-            <a:off x="3942925" y="1152425"/>
-            <a:ext cx="5146575" cy="3917750"/>
-          </a:xfrm>
-          <a:prstGeom prst="rect">
-            <a:avLst/>
-          </a:prstGeom>
-          <a:noFill/>
-          <a:ln>
-            <a:noFill/>
-          </a:ln>
-        </p:spPr>
-      </p:pic>
     </p:spTree>
   </p:cSld>
   <p:clrMapOvr>
@@ -10964,7 +11480,7 @@
   <p:cSld>
     <p:spTree>
       <p:nvGrpSpPr>
-        <p:cNvPr id="183" name="Shape 183"/>
+        <p:cNvPr id="173" name="Shape 173"/>
         <p:cNvGrpSpPr/>
         <p:nvPr/>
       </p:nvGrpSpPr>
@@ -10978,7 +11494,7 @@
       </p:grpSpPr>
       <p:sp>
         <p:nvSpPr>
-          <p:cNvPr id="184" name="Google Shape;184;p31"/>
+          <p:cNvPr id="174" name="Google Shape;174;p31"/>
           <p:cNvSpPr txBox="1"/>
           <p:nvPr>
             <p:ph type="title"/>
@@ -11000,11 +11516,8 @@
           <a:lstStyle/>
           <a:p>
             <a:pPr indent="0" lvl="0" marL="0" rtl="0" algn="l">
-              <a:lnSpc>
-                <a:spcPct val="115000"/>
-              </a:lnSpc>
-              <a:spcBef>
-                <a:spcPts val="1200"/>
+              <a:spcBef>
+                <a:spcPts val="0"/>
               </a:spcBef>
               <a:spcAft>
                 <a:spcPts val="0"/>
@@ -11013,147 +11526,7 @@
             </a:pPr>
             <a:r>
               <a:rPr lang="en"/>
-              <a:t>Two metrics account for over 92% of emergent abilities</a:t>
-            </a:r>
-            <a:endParaRPr/>
-          </a:p>
-          <a:p>
-            <a:pPr indent="0" lvl="0" marL="0" rtl="0" algn="l">
-              <a:spcBef>
-                <a:spcPts val="1200"/>
-              </a:spcBef>
-              <a:spcAft>
-                <a:spcPts val="0"/>
-              </a:spcAft>
-              <a:buNone/>
-            </a:pPr>
-            <a:r>
-              <a:t/>
-            </a:r>
-            <a:endParaRPr/>
-          </a:p>
-        </p:txBody>
-      </p:sp>
-      <p:sp>
-        <p:nvSpPr>
-          <p:cNvPr id="185" name="Google Shape;185;p31"/>
-          <p:cNvSpPr txBox="1"/>
-          <p:nvPr>
-            <p:ph idx="1" type="body"/>
-          </p:nvPr>
-        </p:nvSpPr>
-        <p:spPr>
-          <a:xfrm>
-            <a:off x="311700" y="1266175"/>
-            <a:ext cx="3999900" cy="3302700"/>
-          </a:xfrm>
-          <a:prstGeom prst="rect">
-            <a:avLst/>
-          </a:prstGeom>
-        </p:spPr>
-        <p:txBody>
-          <a:bodyPr anchorCtr="0" anchor="t" bIns="91425" lIns="91425" spcFirstLastPara="1" rIns="91425" wrap="square" tIns="91425">
-            <a:normAutofit/>
-          </a:bodyPr>
-          <a:lstStyle/>
-          <a:p>
-            <a:pPr indent="0" lvl="0" marL="0" rtl="0" algn="l">
-              <a:spcBef>
-                <a:spcPts val="1200"/>
-              </a:spcBef>
-              <a:spcAft>
-                <a:spcPts val="0"/>
-              </a:spcAft>
-              <a:buNone/>
-            </a:pPr>
-            <a:r>
-              <a:rPr b="1" lang="en"/>
-              <a:t>Multiple Choice Grade (a discontinuous metric)</a:t>
-            </a:r>
-            <a:endParaRPr b="1"/>
-          </a:p>
-          <a:p>
-            <a:pPr indent="0" lvl="0" marL="0" rtl="0" algn="l">
-              <a:spcBef>
-                <a:spcPts val="1200"/>
-              </a:spcBef>
-              <a:spcAft>
-                <a:spcPts val="0"/>
-              </a:spcAft>
-              <a:buNone/>
-            </a:pPr>
-            <a:r>
-              <a:t/>
-            </a:r>
-            <a:endParaRPr b="1"/>
-          </a:p>
-          <a:p>
-            <a:pPr indent="0" lvl="0" marL="0" rtl="0" algn="l">
-              <a:spcBef>
-                <a:spcPts val="1200"/>
-              </a:spcBef>
-              <a:spcAft>
-                <a:spcPts val="0"/>
-              </a:spcAft>
-              <a:buNone/>
-            </a:pPr>
-            <a:r>
-              <a:rPr b="1" lang="en"/>
-              <a:t>Exact String Match (a nonlinear metric)</a:t>
-            </a:r>
-            <a:endParaRPr b="1"/>
-          </a:p>
-          <a:p>
-            <a:pPr indent="0" lvl="0" marL="0" rtl="0" algn="l">
-              <a:spcBef>
-                <a:spcPts val="1200"/>
-              </a:spcBef>
-              <a:spcAft>
-                <a:spcPts val="1200"/>
-              </a:spcAft>
-              <a:buNone/>
-            </a:pPr>
-            <a:r>
-              <a:t/>
-            </a:r>
-            <a:endParaRPr/>
-          </a:p>
-        </p:txBody>
-      </p:sp>
-      <p:sp>
-        <p:nvSpPr>
-          <p:cNvPr id="186" name="Google Shape;186;p31"/>
-          <p:cNvSpPr txBox="1"/>
-          <p:nvPr>
-            <p:ph idx="2" type="body"/>
-          </p:nvPr>
-        </p:nvSpPr>
-        <p:spPr>
-          <a:xfrm>
-            <a:off x="4832400" y="1266175"/>
-            <a:ext cx="3999900" cy="3302700"/>
-          </a:xfrm>
-          <a:prstGeom prst="rect">
-            <a:avLst/>
-          </a:prstGeom>
-        </p:spPr>
-        <p:txBody>
-          <a:bodyPr anchorCtr="0" anchor="t" bIns="91425" lIns="91425" spcFirstLastPara="1" rIns="91425" wrap="square" tIns="91425">
-            <a:normAutofit/>
-          </a:bodyPr>
-          <a:lstStyle/>
-          <a:p>
-            <a:pPr indent="0" lvl="0" marL="0" rtl="0" algn="l">
-              <a:spcBef>
-                <a:spcPts val="0"/>
-              </a:spcBef>
-              <a:spcAft>
-                <a:spcPts val="1200"/>
-              </a:spcAft>
-              <a:buNone/>
-            </a:pPr>
-            <a:r>
-              <a:t/>
+              <a:t>2-digit multiplication with more test data</a:t>
             </a:r>
             <a:endParaRPr/>
           </a:p>
@@ -11161,12 +11534,12 @@
       </p:sp>
       <p:pic>
         <p:nvPicPr>
-          <p:cNvPr id="187" name="Google Shape;187;p31"/>
+          <p:cNvPr id="175" name="Google Shape;175;p31"/>
           <p:cNvPicPr preferRelativeResize="0"/>
           <p:nvPr/>
         </p:nvPicPr>
         <p:blipFill>
-          <a:blip r:embed="rId4">
+          <a:blip r:embed="rId3">
             <a:alphaModFix/>
           </a:blip>
           <a:stretch>
@@ -11175,8 +11548,8 @@
         </p:blipFill>
         <p:spPr>
           <a:xfrm>
-            <a:off x="4832400" y="1266175"/>
-            <a:ext cx="4164125" cy="3302700"/>
+            <a:off x="1643650" y="1216350"/>
+            <a:ext cx="4791294" cy="3686275"/>
           </a:xfrm>
           <a:prstGeom prst="rect">
             <a:avLst/>
@@ -11292,7 +11665,7 @@
             <a:endParaRPr/>
           </a:p>
           <a:p>
-            <a:pPr indent="-342900" lvl="0" marL="457200" rtl="0" algn="l">
+            <a:pPr indent="-342900" lvl="0" marL="914400" rtl="0" algn="l">
               <a:spcBef>
                 <a:spcPts val="0"/>
               </a:spcBef>
@@ -11306,18 +11679,10 @@
               <a:rPr lang="en"/>
               <a:t>Sharpness: these abilities simply “appear” </a:t>
             </a:r>
-            <a:r>
-              <a:rPr lang="en"/>
-              <a:t>without warning</a:t>
-            </a:r>
-            <a:r>
-              <a:rPr lang="en"/>
-              <a:t> </a:t>
-            </a:r>
-            <a:endParaRPr/>
-          </a:p>
-          <a:p>
-            <a:pPr indent="-342900" lvl="0" marL="457200" rtl="0" algn="l">
+            <a:endParaRPr/>
+          </a:p>
+          <a:p>
+            <a:pPr indent="-342900" lvl="0" marL="914400" rtl="0" algn="l">
               <a:spcBef>
                 <a:spcPts val="0"/>
               </a:spcBef>
@@ -11334,7 +11699,7 @@
             <a:endParaRPr/>
           </a:p>
           <a:p>
-            <a:pPr indent="-342900" lvl="0" marL="457200" rtl="0" algn="l">
+            <a:pPr indent="-342900" lvl="0" marL="914400" rtl="0" algn="l">
               <a:spcBef>
                 <a:spcPts val="0"/>
               </a:spcBef>
@@ -11351,7 +11716,7 @@
             <a:endParaRPr/>
           </a:p>
           <a:p>
-            <a:pPr indent="-342900" lvl="0" marL="457200" rtl="0" algn="l">
+            <a:pPr indent="-342900" lvl="0" marL="914400" rtl="0" algn="l">
               <a:spcBef>
                 <a:spcPts val="0"/>
               </a:spcBef>
@@ -11378,10 +11743,14 @@
               <a:buNone/>
             </a:pPr>
             <a:r>
-              <a:rPr lang="en"/>
+              <a:rPr i="1" lang="en"/>
+              <a:t>Emergent Abilities of Large Language Models </a:t>
+            </a:r>
+            <a:r>
+              <a:rPr i="1" lang="en"/>
               <a:t>(Wei et al, 2022)</a:t>
             </a:r>
-            <a:endParaRPr/>
+            <a:endParaRPr i="1"/>
           </a:p>
           <a:p>
             <a:pPr indent="0" lvl="0" marL="0" rtl="0" algn="l">
@@ -11409,6 +11778,271 @@
 </file>
 
 <file path=ppt/slides/slide20.xml><?xml version="1.0" encoding="utf-8"?>
+<p:sld xmlns:a="http://schemas.openxmlformats.org/drawingml/2006/main" xmlns:r="http://schemas.openxmlformats.org/officeDocument/2006/relationships" xmlns:mc="http://schemas.openxmlformats.org/markup-compatibility/2006" xmlns:mv="urn:schemas-microsoft-com:mac:vml" xmlns:p="http://schemas.openxmlformats.org/presentationml/2006/main" xmlns:c="http://schemas.openxmlformats.org/drawingml/2006/chart" xmlns:dgm="http://schemas.openxmlformats.org/drawingml/2006/diagram" xmlns:o="urn:schemas-microsoft-com:office:office" xmlns:v="urn:schemas-microsoft-com:vml" xmlns:pvml="urn:schemas-microsoft-com:office:powerpoint" xmlns:com="http://schemas.openxmlformats.org/drawingml/2006/compatibility" xmlns:p14="http://schemas.microsoft.com/office/powerpoint/2010/main" xmlns:p15="http://schemas.microsoft.com/office/powerpoint/2012/main" xmlns:ahyp="http://schemas.microsoft.com/office/drawing/2018/hyperlinkcolor">
+  <p:cSld>
+    <p:spTree>
+      <p:nvGrpSpPr>
+        <p:cNvPr id="179" name="Shape 179"/>
+        <p:cNvGrpSpPr/>
+        <p:nvPr/>
+      </p:nvGrpSpPr>
+      <p:grpSpPr>
+        <a:xfrm>
+          <a:off x="0" y="0"/>
+          <a:ext cx="0" cy="0"/>
+          <a:chOff x="0" y="0"/>
+          <a:chExt cx="0" cy="0"/>
+        </a:xfrm>
+      </p:grpSpPr>
+      <p:sp>
+        <p:nvSpPr>
+          <p:cNvPr id="180" name="Google Shape;180;p32"/>
+          <p:cNvSpPr txBox="1"/>
+          <p:nvPr>
+            <p:ph type="title"/>
+          </p:nvPr>
+        </p:nvSpPr>
+        <p:spPr>
+          <a:xfrm>
+            <a:off x="311700" y="445025"/>
+            <a:ext cx="8520600" cy="707400"/>
+          </a:xfrm>
+          <a:prstGeom prst="rect">
+            <a:avLst/>
+          </a:prstGeom>
+        </p:spPr>
+        <p:txBody>
+          <a:bodyPr anchorCtr="0" anchor="t" bIns="91425" lIns="91425" spcFirstLastPara="1" rIns="91425" wrap="square" tIns="91425">
+            <a:normAutofit fontScale="90000"/>
+          </a:bodyPr>
+          <a:lstStyle/>
+          <a:p>
+            <a:pPr indent="0" lvl="0" marL="0" rtl="0" algn="l">
+              <a:spcBef>
+                <a:spcPts val="0"/>
+              </a:spcBef>
+              <a:spcAft>
+                <a:spcPts val="0"/>
+              </a:spcAft>
+              <a:buNone/>
+            </a:pPr>
+            <a:r>
+              <a:rPr lang="en"/>
+              <a:t>4-digit addition with more test data</a:t>
+            </a:r>
+            <a:endParaRPr/>
+          </a:p>
+        </p:txBody>
+      </p:sp>
+      <p:pic>
+        <p:nvPicPr>
+          <p:cNvPr id="181" name="Google Shape;181;p32"/>
+          <p:cNvPicPr preferRelativeResize="0"/>
+          <p:nvPr/>
+        </p:nvPicPr>
+        <p:blipFill>
+          <a:blip r:embed="rId3">
+            <a:alphaModFix/>
+          </a:blip>
+          <a:stretch>
+            <a:fillRect/>
+          </a:stretch>
+        </p:blipFill>
+        <p:spPr>
+          <a:xfrm>
+            <a:off x="1479350" y="1152425"/>
+            <a:ext cx="5030681" cy="3686275"/>
+          </a:xfrm>
+          <a:prstGeom prst="rect">
+            <a:avLst/>
+          </a:prstGeom>
+          <a:noFill/>
+          <a:ln>
+            <a:noFill/>
+          </a:ln>
+        </p:spPr>
+      </p:pic>
+    </p:spTree>
+  </p:cSld>
+  <p:clrMapOvr>
+    <a:masterClrMapping/>
+  </p:clrMapOvr>
+</p:sld>
+</file>
+
+<file path=ppt/slides/slide21.xml><?xml version="1.0" encoding="utf-8"?>
+<p:sld xmlns:a="http://schemas.openxmlformats.org/drawingml/2006/main" xmlns:r="http://schemas.openxmlformats.org/officeDocument/2006/relationships" xmlns:mc="http://schemas.openxmlformats.org/markup-compatibility/2006" xmlns:mv="urn:schemas-microsoft-com:mac:vml" xmlns:p="http://schemas.openxmlformats.org/presentationml/2006/main" xmlns:c="http://schemas.openxmlformats.org/drawingml/2006/chart" xmlns:dgm="http://schemas.openxmlformats.org/drawingml/2006/diagram" xmlns:o="urn:schemas-microsoft-com:office:office" xmlns:v="urn:schemas-microsoft-com:vml" xmlns:pvml="urn:schemas-microsoft-com:office:powerpoint" xmlns:com="http://schemas.openxmlformats.org/drawingml/2006/compatibility" xmlns:p14="http://schemas.microsoft.com/office/powerpoint/2010/main" xmlns:p15="http://schemas.microsoft.com/office/powerpoint/2012/main" xmlns:ahyp="http://schemas.microsoft.com/office/drawing/2018/hyperlinkcolor">
+  <p:cSld>
+    <p:spTree>
+      <p:nvGrpSpPr>
+        <p:cNvPr id="185" name="Shape 185"/>
+        <p:cNvGrpSpPr/>
+        <p:nvPr/>
+      </p:nvGrpSpPr>
+      <p:grpSpPr>
+        <a:xfrm>
+          <a:off x="0" y="0"/>
+          <a:ext cx="0" cy="0"/>
+          <a:chOff x="0" y="0"/>
+          <a:chExt cx="0" cy="0"/>
+        </a:xfrm>
+      </p:grpSpPr>
+      <p:sp>
+        <p:nvSpPr>
+          <p:cNvPr id="186" name="Google Shape;186;p33"/>
+          <p:cNvSpPr txBox="1"/>
+          <p:nvPr>
+            <p:ph type="title"/>
+          </p:nvPr>
+        </p:nvSpPr>
+        <p:spPr>
+          <a:xfrm>
+            <a:off x="311700" y="445025"/>
+            <a:ext cx="8520600" cy="707400"/>
+          </a:xfrm>
+          <a:prstGeom prst="rect">
+            <a:avLst/>
+          </a:prstGeom>
+        </p:spPr>
+        <p:txBody>
+          <a:bodyPr anchorCtr="0" anchor="t" bIns="91425" lIns="91425" spcFirstLastPara="1" rIns="91425" wrap="square" tIns="91425">
+            <a:normAutofit fontScale="90000"/>
+          </a:bodyPr>
+          <a:lstStyle/>
+          <a:p>
+            <a:pPr indent="0" lvl="0" marL="0" rtl="0" algn="l">
+              <a:spcBef>
+                <a:spcPts val="0"/>
+              </a:spcBef>
+              <a:spcAft>
+                <a:spcPts val="0"/>
+              </a:spcAft>
+              <a:buNone/>
+            </a:pPr>
+            <a:r>
+              <a:rPr lang="en"/>
+              <a:t>Meta-Analysis</a:t>
+            </a:r>
+            <a:endParaRPr/>
+          </a:p>
+        </p:txBody>
+      </p:sp>
+      <p:sp>
+        <p:nvSpPr>
+          <p:cNvPr id="187" name="Google Shape;187;p33"/>
+          <p:cNvSpPr txBox="1"/>
+          <p:nvPr>
+            <p:ph idx="1" type="body"/>
+          </p:nvPr>
+        </p:nvSpPr>
+        <p:spPr>
+          <a:xfrm>
+            <a:off x="311700" y="1266325"/>
+            <a:ext cx="8520600" cy="3302700"/>
+          </a:xfrm>
+          <a:prstGeom prst="rect">
+            <a:avLst/>
+          </a:prstGeom>
+        </p:spPr>
+        <p:txBody>
+          <a:bodyPr anchorCtr="0" anchor="t" bIns="91425" lIns="91425" spcFirstLastPara="1" rIns="91425" wrap="square" tIns="91425">
+            <a:normAutofit/>
+          </a:bodyPr>
+          <a:lstStyle/>
+          <a:p>
+            <a:pPr indent="0" lvl="0" marL="0" rtl="0" algn="l">
+              <a:spcBef>
+                <a:spcPts val="1200"/>
+              </a:spcBef>
+              <a:spcAft>
+                <a:spcPts val="0"/>
+              </a:spcAft>
+              <a:buNone/>
+            </a:pPr>
+            <a:r>
+              <a:rPr lang="en"/>
+              <a:t>Use </a:t>
+            </a:r>
+            <a:r>
+              <a:rPr b="1" lang="en"/>
+              <a:t>BIG-Bench</a:t>
+            </a:r>
+            <a:r>
+              <a:rPr lang="en"/>
+              <a:t>, a collection of benchmark tasks used to evaluate language models. </a:t>
+            </a:r>
+            <a:endParaRPr/>
+          </a:p>
+          <a:p>
+            <a:pPr indent="0" lvl="0" marL="0" rtl="0" algn="l">
+              <a:spcBef>
+                <a:spcPts val="1200"/>
+              </a:spcBef>
+              <a:spcAft>
+                <a:spcPts val="0"/>
+              </a:spcAft>
+              <a:buNone/>
+            </a:pPr>
+            <a:r>
+              <a:rPr lang="en">
+                <a:solidFill>
+                  <a:srgbClr val="0000FF"/>
+                </a:solidFill>
+              </a:rPr>
+              <a:t>predictions are extended to a broader range of models and tasks. </a:t>
+            </a:r>
+            <a:r>
+              <a:rPr lang="en">
+                <a:solidFill>
+                  <a:srgbClr val="0000FF"/>
+                </a:solidFill>
+              </a:rPr>
+              <a:t>Further</a:t>
+            </a:r>
+            <a:r>
+              <a:rPr lang="en">
+                <a:solidFill>
+                  <a:srgbClr val="0000FF"/>
+                </a:solidFill>
+              </a:rPr>
+              <a:t> studying on whether emergent abilities are dependent on specific metrics, not on task-model family pairs</a:t>
+            </a:r>
+            <a:endParaRPr>
+              <a:solidFill>
+                <a:srgbClr val="0000FF"/>
+              </a:solidFill>
+            </a:endParaRPr>
+          </a:p>
+          <a:p>
+            <a:pPr indent="0" lvl="0" marL="0" rtl="0" algn="l">
+              <a:spcBef>
+                <a:spcPts val="1200"/>
+              </a:spcBef>
+              <a:spcAft>
+                <a:spcPts val="1200"/>
+              </a:spcAft>
+              <a:buNone/>
+            </a:pPr>
+            <a:r>
+              <a:t/>
+            </a:r>
+            <a:endParaRPr>
+              <a:solidFill>
+                <a:srgbClr val="0000FF"/>
+              </a:solidFill>
+            </a:endParaRPr>
+          </a:p>
+        </p:txBody>
+      </p:sp>
+    </p:spTree>
+  </p:cSld>
+  <p:clrMapOvr>
+    <a:masterClrMapping/>
+  </p:clrMapOvr>
+</p:sld>
+</file>
+
+<file path=ppt/slides/slide22.xml><?xml version="1.0" encoding="utf-8"?>
 <p:sld xmlns:a="http://schemas.openxmlformats.org/drawingml/2006/main" xmlns:r="http://schemas.openxmlformats.org/officeDocument/2006/relationships" xmlns:mc="http://schemas.openxmlformats.org/markup-compatibility/2006" xmlns:mv="urn:schemas-microsoft-com:mac:vml" xmlns:p="http://schemas.openxmlformats.org/presentationml/2006/main" xmlns:c="http://schemas.openxmlformats.org/drawingml/2006/chart" xmlns:dgm="http://schemas.openxmlformats.org/drawingml/2006/diagram" xmlns:o="urn:schemas-microsoft-com:office:office" xmlns:v="urn:schemas-microsoft-com:vml" xmlns:pvml="urn:schemas-microsoft-com:office:powerpoint" xmlns:com="http://schemas.openxmlformats.org/drawingml/2006/compatibility" xmlns:p14="http://schemas.microsoft.com/office/powerpoint/2010/main" xmlns:p15="http://schemas.microsoft.com/office/powerpoint/2012/main" xmlns:ahyp="http://schemas.microsoft.com/office/drawing/2018/hyperlinkcolor">
   <p:cSld>
     <p:spTree>
@@ -11427,7 +12061,7 @@
       </p:grpSpPr>
       <p:sp>
         <p:nvSpPr>
-          <p:cNvPr id="192" name="Google Shape;192;p32"/>
+          <p:cNvPr id="192" name="Google Shape;192;p34"/>
           <p:cNvSpPr txBox="1"/>
           <p:nvPr>
             <p:ph type="title"/>
@@ -11459,7 +12093,7 @@
             </a:pPr>
             <a:r>
               <a:rPr lang="en"/>
-              <a:t>Changing metric</a:t>
+              <a:t>Emerging score</a:t>
             </a:r>
             <a:endParaRPr/>
           </a:p>
@@ -11467,7 +12101,7 @@
       </p:sp>
       <p:sp>
         <p:nvSpPr>
-          <p:cNvPr id="193" name="Google Shape;193;p32"/>
+          <p:cNvPr id="193" name="Google Shape;193;p34"/>
           <p:cNvSpPr txBox="1"/>
           <p:nvPr>
             <p:ph idx="1" type="body"/>
@@ -11475,8 +12109,8 @@
         </p:nvSpPr>
         <p:spPr>
           <a:xfrm>
-            <a:off x="311700" y="1266175"/>
-            <a:ext cx="3178200" cy="3302700"/>
+            <a:off x="311700" y="1266325"/>
+            <a:ext cx="8520600" cy="3302700"/>
           </a:xfrm>
           <a:prstGeom prst="rect">
             <a:avLst/>
@@ -11484,12 +12118,28 @@
         </p:spPr>
         <p:txBody>
           <a:bodyPr anchorCtr="0" anchor="t" bIns="91425" lIns="91425" spcFirstLastPara="1" rIns="91425" wrap="square" tIns="91425">
-            <a:normAutofit fontScale="62500" lnSpcReduction="20000"/>
+            <a:normAutofit fontScale="92500" lnSpcReduction="10000"/>
           </a:bodyPr>
           <a:lstStyle/>
           <a:p>
             <a:pPr indent="0" lvl="0" marL="0" rtl="0" algn="l">
               <a:spcBef>
+                <a:spcPts val="0"/>
+              </a:spcBef>
+              <a:spcAft>
+                <a:spcPts val="0"/>
+              </a:spcAft>
+              <a:buNone/>
+            </a:pPr>
+            <a:r>
+              <a:rPr lang="en"/>
+              <a:t>Y is model performance at scale x</a:t>
+            </a:r>
+            <a:endParaRPr/>
+          </a:p>
+          <a:p>
+            <a:pPr indent="0" lvl="0" marL="0" rtl="0" algn="l">
+              <a:spcBef>
                 <a:spcPts val="1200"/>
               </a:spcBef>
               <a:spcAft>
@@ -11498,18 +12148,14 @@
               <a:buNone/>
             </a:pPr>
             <a:r>
-              <a:rPr lang="en" sz="2036"/>
-              <a:t>focusing on the </a:t>
-            </a:r>
-            <a:r>
-              <a:rPr b="1" lang="en" sz="2036"/>
-              <a:t>LaMDA model </a:t>
-            </a:r>
-            <a:r>
-              <a:rPr lang="en" sz="2036"/>
-              <a:t>family</a:t>
-            </a:r>
-            <a:endParaRPr sz="2036"/>
+              <a:rPr lang="en"/>
+              <a:t>N</a:t>
+            </a:r>
+            <a:r>
+              <a:rPr lang="en"/>
+              <a:t>umerator: the difference between the best and worst performance scores.</a:t>
+            </a:r>
+            <a:endParaRPr/>
           </a:p>
           <a:p>
             <a:pPr indent="0" lvl="0" marL="0" rtl="0" algn="l">
@@ -11522,18 +12168,10 @@
               <a:buNone/>
             </a:pPr>
             <a:r>
-              <a:rPr lang="en" sz="2036"/>
-              <a:t>exhibited emergent abilities under the </a:t>
-            </a:r>
-            <a:r>
-              <a:rPr b="1" lang="en" sz="2036"/>
-              <a:t>Multiple Choice Grade</a:t>
-            </a:r>
-            <a:r>
-              <a:rPr lang="en" sz="2036"/>
-              <a:t> </a:t>
-            </a:r>
-            <a:endParaRPr sz="2036"/>
+              <a:rPr lang="en"/>
+              <a:t>Denominator: how gradual the performance improvements are over model scale.</a:t>
+            </a:r>
+            <a:endParaRPr/>
           </a:p>
           <a:p>
             <a:pPr indent="0" lvl="0" marL="0" rtl="0" algn="l">
@@ -11546,14 +12184,10 @@
               <a:buNone/>
             </a:pPr>
             <a:r>
-              <a:rPr lang="en" sz="2036"/>
-              <a:t>evaluation metric was switched to a continuous one—</a:t>
-            </a:r>
-            <a:r>
-              <a:rPr b="1" lang="en" sz="2036"/>
-              <a:t>Brier Score</a:t>
-            </a:r>
-            <a:endParaRPr b="1" sz="2036"/>
+              <a:rPr b="1" lang="en"/>
+              <a:t>higher score indicates sharper, less gradual changes in performance, suggesting the presence of an emergent ability</a:t>
+            </a:r>
+            <a:endParaRPr b="1"/>
           </a:p>
           <a:p>
             <a:pPr indent="0" lvl="0" marL="0" rtl="0" algn="l">
@@ -11566,10 +12200,9 @@
               <a:buNone/>
             </a:pPr>
             <a:r>
-              <a:rPr b="1" lang="en" sz="2036"/>
-              <a:t>Finding: emergent abilities are more smooth when switching to a continuous metric</a:t>
-            </a:r>
-            <a:endParaRPr b="1" sz="2036"/>
+              <a:t/>
+            </a:r>
+            <a:endParaRPr/>
           </a:p>
           <a:p>
             <a:pPr indent="0" lvl="0" marL="0" rtl="0" algn="l">
@@ -11584,81 +12217,12 @@
             <a:r>
               <a:t/>
             </a:r>
-            <a:endParaRPr b="1"/>
+            <a:endParaRPr/>
           </a:p>
           <a:p>
             <a:pPr indent="0" lvl="0" marL="0" rtl="0" algn="l">
               <a:spcBef>
                 <a:spcPts val="1200"/>
-              </a:spcBef>
-              <a:spcAft>
-                <a:spcPts val="0"/>
-              </a:spcAft>
-              <a:buNone/>
-            </a:pPr>
-            <a:r>
-              <a:t/>
-            </a:r>
-            <a:endParaRPr/>
-          </a:p>
-          <a:p>
-            <a:pPr indent="0" lvl="0" marL="0" rtl="0" algn="l">
-              <a:spcBef>
-                <a:spcPts val="1200"/>
-              </a:spcBef>
-              <a:spcAft>
-                <a:spcPts val="0"/>
-              </a:spcAft>
-              <a:buNone/>
-            </a:pPr>
-            <a:r>
-              <a:t/>
-            </a:r>
-            <a:endParaRPr/>
-          </a:p>
-          <a:p>
-            <a:pPr indent="0" lvl="0" marL="0" rtl="0" algn="l">
-              <a:spcBef>
-                <a:spcPts val="1200"/>
-              </a:spcBef>
-              <a:spcAft>
-                <a:spcPts val="1200"/>
-              </a:spcAft>
-              <a:buNone/>
-            </a:pPr>
-            <a:r>
-              <a:t/>
-            </a:r>
-            <a:endParaRPr/>
-          </a:p>
-        </p:txBody>
-      </p:sp>
-      <p:sp>
-        <p:nvSpPr>
-          <p:cNvPr id="194" name="Google Shape;194;p32"/>
-          <p:cNvSpPr txBox="1"/>
-          <p:nvPr>
-            <p:ph idx="2" type="body"/>
-          </p:nvPr>
-        </p:nvSpPr>
-        <p:spPr>
-          <a:xfrm>
-            <a:off x="4832400" y="1266175"/>
-            <a:ext cx="3999900" cy="3302700"/>
-          </a:xfrm>
-          <a:prstGeom prst="rect">
-            <a:avLst/>
-          </a:prstGeom>
-        </p:spPr>
-        <p:txBody>
-          <a:bodyPr anchorCtr="0" anchor="t" bIns="91425" lIns="91425" spcFirstLastPara="1" rIns="91425" wrap="square" tIns="91425">
-            <a:normAutofit/>
-          </a:bodyPr>
-          <a:lstStyle/>
-          <a:p>
-            <a:pPr indent="0" lvl="0" marL="0" rtl="0" algn="l">
-              <a:spcBef>
-                <a:spcPts val="0"/>
               </a:spcBef>
               <a:spcAft>
                 <a:spcPts val="1200"/>
@@ -11674,421 +12238,7 @@
       </p:sp>
       <p:pic>
         <p:nvPicPr>
-          <p:cNvPr id="195" name="Google Shape;195;p32"/>
-          <p:cNvPicPr preferRelativeResize="0"/>
-          <p:nvPr/>
-        </p:nvPicPr>
-        <p:blipFill>
-          <a:blip r:embed="rId4">
-            <a:alphaModFix/>
-          </a:blip>
-          <a:stretch>
-            <a:fillRect/>
-          </a:stretch>
-        </p:blipFill>
-        <p:spPr>
-          <a:xfrm>
-            <a:off x="3490049" y="700825"/>
-            <a:ext cx="5571099" cy="2162175"/>
-          </a:xfrm>
-          <a:prstGeom prst="rect">
-            <a:avLst/>
-          </a:prstGeom>
-          <a:noFill/>
-          <a:ln>
-            <a:noFill/>
-          </a:ln>
-        </p:spPr>
-      </p:pic>
-      <p:pic>
-        <p:nvPicPr>
-          <p:cNvPr id="196" name="Google Shape;196;p32"/>
-          <p:cNvPicPr preferRelativeResize="0"/>
-          <p:nvPr/>
-        </p:nvPicPr>
-        <p:blipFill>
-          <a:blip r:embed="rId5">
-            <a:alphaModFix/>
-          </a:blip>
-          <a:stretch>
-            <a:fillRect/>
-          </a:stretch>
-        </p:blipFill>
-        <p:spPr>
-          <a:xfrm>
-            <a:off x="3669750" y="2862988"/>
-            <a:ext cx="5162550" cy="2143125"/>
-          </a:xfrm>
-          <a:prstGeom prst="rect">
-            <a:avLst/>
-          </a:prstGeom>
-          <a:noFill/>
-          <a:ln>
-            <a:noFill/>
-          </a:ln>
-        </p:spPr>
-      </p:pic>
-    </p:spTree>
-  </p:cSld>
-  <p:clrMapOvr>
-    <a:masterClrMapping/>
-  </p:clrMapOvr>
-</p:sld>
-</file>
-
-<file path=ppt/slides/slide21.xml><?xml version="1.0" encoding="utf-8"?>
-<p:sld xmlns:a="http://schemas.openxmlformats.org/drawingml/2006/main" xmlns:r="http://schemas.openxmlformats.org/officeDocument/2006/relationships" xmlns:mc="http://schemas.openxmlformats.org/markup-compatibility/2006" xmlns:mv="urn:schemas-microsoft-com:mac:vml" xmlns:p="http://schemas.openxmlformats.org/presentationml/2006/main" xmlns:c="http://schemas.openxmlformats.org/drawingml/2006/chart" xmlns:dgm="http://schemas.openxmlformats.org/drawingml/2006/diagram" xmlns:o="urn:schemas-microsoft-com:office:office" xmlns:v="urn:schemas-microsoft-com:vml" xmlns:pvml="urn:schemas-microsoft-com:office:powerpoint" xmlns:com="http://schemas.openxmlformats.org/drawingml/2006/compatibility" xmlns:p14="http://schemas.microsoft.com/office/powerpoint/2010/main" xmlns:p15="http://schemas.microsoft.com/office/powerpoint/2012/main" xmlns:ahyp="http://schemas.microsoft.com/office/drawing/2018/hyperlinkcolor">
-  <p:cSld>
-    <p:spTree>
-      <p:nvGrpSpPr>
-        <p:cNvPr id="200" name="Shape 200"/>
-        <p:cNvGrpSpPr/>
-        <p:nvPr/>
-      </p:nvGrpSpPr>
-      <p:grpSpPr>
-        <a:xfrm>
-          <a:off x="0" y="0"/>
-          <a:ext cx="0" cy="0"/>
-          <a:chOff x="0" y="0"/>
-          <a:chExt cx="0" cy="0"/>
-        </a:xfrm>
-      </p:grpSpPr>
-      <p:sp>
-        <p:nvSpPr>
-          <p:cNvPr id="201" name="Google Shape;201;p33"/>
-          <p:cNvSpPr txBox="1"/>
-          <p:nvPr>
-            <p:ph type="title"/>
-          </p:nvPr>
-        </p:nvSpPr>
-        <p:spPr>
-          <a:xfrm>
-            <a:off x="311700" y="445025"/>
-            <a:ext cx="8520600" cy="707400"/>
-          </a:xfrm>
-          <a:prstGeom prst="rect">
-            <a:avLst/>
-          </a:prstGeom>
-        </p:spPr>
-        <p:txBody>
-          <a:bodyPr anchorCtr="0" anchor="t" bIns="91425" lIns="91425" spcFirstLastPara="1" rIns="91425" wrap="square" tIns="91425">
-            <a:normAutofit fontScale="90000"/>
-          </a:bodyPr>
-          <a:lstStyle/>
-          <a:p>
-            <a:pPr indent="0" lvl="0" marL="0" rtl="0" algn="l">
-              <a:spcBef>
-                <a:spcPts val="0"/>
-              </a:spcBef>
-              <a:spcAft>
-                <a:spcPts val="0"/>
-              </a:spcAft>
-              <a:buNone/>
-            </a:pPr>
-            <a:r>
-              <a:rPr lang="en"/>
-              <a:t>Emergent ability on vision task</a:t>
-            </a:r>
-            <a:endParaRPr/>
-          </a:p>
-        </p:txBody>
-      </p:sp>
-      <p:sp>
-        <p:nvSpPr>
-          <p:cNvPr id="202" name="Google Shape;202;p33"/>
-          <p:cNvSpPr txBox="1"/>
-          <p:nvPr>
-            <p:ph idx="1" type="body"/>
-          </p:nvPr>
-        </p:nvSpPr>
-        <p:spPr>
-          <a:xfrm>
-            <a:off x="311700" y="1266325"/>
-            <a:ext cx="8520600" cy="3302700"/>
-          </a:xfrm>
-          <a:prstGeom prst="rect">
-            <a:avLst/>
-          </a:prstGeom>
-        </p:spPr>
-        <p:txBody>
-          <a:bodyPr anchorCtr="0" anchor="t" bIns="91425" lIns="91425" spcFirstLastPara="1" rIns="91425" wrap="square" tIns="91425">
-            <a:normAutofit/>
-          </a:bodyPr>
-          <a:lstStyle/>
-          <a:p>
-            <a:pPr indent="0" lvl="0" marL="0" rtl="0" algn="l">
-              <a:spcBef>
-                <a:spcPts val="1200"/>
-              </a:spcBef>
-              <a:spcAft>
-                <a:spcPts val="0"/>
-              </a:spcAft>
-              <a:buNone/>
-            </a:pPr>
-            <a:r>
-              <a:rPr lang="en"/>
-              <a:t>emergent abilities can be </a:t>
-            </a:r>
-            <a:r>
-              <a:rPr b="1" lang="en"/>
-              <a:t>artificially induced</a:t>
-            </a:r>
-            <a:r>
-              <a:rPr lang="en"/>
-              <a:t> in neural networks for vision tasks by manipulating the metric</a:t>
-            </a:r>
-            <a:endParaRPr/>
-          </a:p>
-          <a:p>
-            <a:pPr indent="0" lvl="0" marL="0" rtl="0" algn="l">
-              <a:spcBef>
-                <a:spcPts val="1200"/>
-              </a:spcBef>
-              <a:spcAft>
-                <a:spcPts val="0"/>
-              </a:spcAft>
-              <a:buNone/>
-            </a:pPr>
-            <a:r>
-              <a:rPr lang="en"/>
-              <a:t>1: reconstruct emergent in autoencoder using CIFAR100 dataset</a:t>
-            </a:r>
-            <a:endParaRPr/>
-          </a:p>
-          <a:p>
-            <a:pPr indent="0" lvl="0" marL="0" rtl="0" algn="l">
-              <a:spcBef>
-                <a:spcPts val="1200"/>
-              </a:spcBef>
-              <a:spcAft>
-                <a:spcPts val="0"/>
-              </a:spcAft>
-              <a:buNone/>
-            </a:pPr>
-            <a:r>
-              <a:rPr lang="en"/>
-              <a:t>2: induce emergent abilities in autoregressive transformers trained to classify handwritten characters from the Omniglot dataset.</a:t>
-            </a:r>
-            <a:endParaRPr/>
-          </a:p>
-          <a:p>
-            <a:pPr indent="0" lvl="0" marL="0" rtl="0" algn="l">
-              <a:spcBef>
-                <a:spcPts val="1200"/>
-              </a:spcBef>
-              <a:spcAft>
-                <a:spcPts val="1200"/>
-              </a:spcAft>
-              <a:buNone/>
-            </a:pPr>
-            <a:r>
-              <a:t/>
-            </a:r>
-            <a:endParaRPr/>
-          </a:p>
-        </p:txBody>
-      </p:sp>
-    </p:spTree>
-  </p:cSld>
-  <p:clrMapOvr>
-    <a:masterClrMapping/>
-  </p:clrMapOvr>
-</p:sld>
-</file>
-
-<file path=ppt/slides/slide22.xml><?xml version="1.0" encoding="utf-8"?>
-<p:sld xmlns:a="http://schemas.openxmlformats.org/drawingml/2006/main" xmlns:r="http://schemas.openxmlformats.org/officeDocument/2006/relationships" xmlns:mc="http://schemas.openxmlformats.org/markup-compatibility/2006" xmlns:mv="urn:schemas-microsoft-com:mac:vml" xmlns:p="http://schemas.openxmlformats.org/presentationml/2006/main" xmlns:c="http://schemas.openxmlformats.org/drawingml/2006/chart" xmlns:dgm="http://schemas.openxmlformats.org/drawingml/2006/diagram" xmlns:o="urn:schemas-microsoft-com:office:office" xmlns:v="urn:schemas-microsoft-com:vml" xmlns:pvml="urn:schemas-microsoft-com:office:powerpoint" xmlns:com="http://schemas.openxmlformats.org/drawingml/2006/compatibility" xmlns:p14="http://schemas.microsoft.com/office/powerpoint/2010/main" xmlns:p15="http://schemas.microsoft.com/office/powerpoint/2012/main" xmlns:ahyp="http://schemas.microsoft.com/office/drawing/2018/hyperlinkcolor">
-  <p:cSld>
-    <p:spTree>
-      <p:nvGrpSpPr>
-        <p:cNvPr id="206" name="Shape 206"/>
-        <p:cNvGrpSpPr/>
-        <p:nvPr/>
-      </p:nvGrpSpPr>
-      <p:grpSpPr>
-        <a:xfrm>
-          <a:off x="0" y="0"/>
-          <a:ext cx="0" cy="0"/>
-          <a:chOff x="0" y="0"/>
-          <a:chExt cx="0" cy="0"/>
-        </a:xfrm>
-      </p:grpSpPr>
-      <p:sp>
-        <p:nvSpPr>
-          <p:cNvPr id="207" name="Google Shape;207;p34"/>
-          <p:cNvSpPr txBox="1"/>
-          <p:nvPr>
-            <p:ph type="title"/>
-          </p:nvPr>
-        </p:nvSpPr>
-        <p:spPr>
-          <a:xfrm>
-            <a:off x="311700" y="445025"/>
-            <a:ext cx="8520600" cy="707400"/>
-          </a:xfrm>
-          <a:prstGeom prst="rect">
-            <a:avLst/>
-          </a:prstGeom>
-        </p:spPr>
-        <p:txBody>
-          <a:bodyPr anchorCtr="0" anchor="t" bIns="91425" lIns="91425" spcFirstLastPara="1" rIns="91425" wrap="square" tIns="91425">
-            <a:normAutofit fontScale="90000"/>
-          </a:bodyPr>
-          <a:lstStyle/>
-          <a:p>
-            <a:pPr indent="0" lvl="0" marL="0" rtl="0" algn="l">
-              <a:spcBef>
-                <a:spcPts val="0"/>
-              </a:spcBef>
-              <a:spcAft>
-                <a:spcPts val="0"/>
-              </a:spcAft>
-              <a:buNone/>
-            </a:pPr>
-            <a:r>
-              <a:rPr lang="en"/>
-              <a:t>Experiment 1</a:t>
-            </a:r>
-            <a:endParaRPr/>
-          </a:p>
-        </p:txBody>
-      </p:sp>
-      <p:sp>
-        <p:nvSpPr>
-          <p:cNvPr id="208" name="Google Shape;208;p34"/>
-          <p:cNvSpPr txBox="1"/>
-          <p:nvPr>
-            <p:ph idx="1" type="body"/>
-          </p:nvPr>
-        </p:nvSpPr>
-        <p:spPr>
-          <a:xfrm>
-            <a:off x="311700" y="1266175"/>
-            <a:ext cx="3999900" cy="3302700"/>
-          </a:xfrm>
-          <a:prstGeom prst="rect">
-            <a:avLst/>
-          </a:prstGeom>
-        </p:spPr>
-        <p:txBody>
-          <a:bodyPr anchorCtr="0" anchor="t" bIns="91425" lIns="91425" spcFirstLastPara="1" rIns="91425" wrap="square" tIns="91425">
-            <a:normAutofit/>
-          </a:bodyPr>
-          <a:lstStyle/>
-          <a:p>
-            <a:pPr indent="0" lvl="0" marL="0" rtl="0" algn="l">
-              <a:spcBef>
-                <a:spcPts val="0"/>
-              </a:spcBef>
-              <a:spcAft>
-                <a:spcPts val="0"/>
-              </a:spcAft>
-              <a:buNone/>
-            </a:pPr>
-            <a:r>
-              <a:rPr b="1" lang="en"/>
-              <a:t>Left plot</a:t>
-            </a:r>
-            <a:r>
-              <a:rPr lang="en"/>
-              <a:t>: under the traditional continuous metric (mean squared error), the autoencoder’s reconstruction error decreases smoothly as the model size increases.</a:t>
-            </a:r>
-            <a:endParaRPr/>
-          </a:p>
-          <a:p>
-            <a:pPr indent="0" lvl="0" marL="0" rtl="0" algn="l">
-              <a:spcBef>
-                <a:spcPts val="1200"/>
-              </a:spcBef>
-              <a:spcAft>
-                <a:spcPts val="0"/>
-              </a:spcAft>
-              <a:buNone/>
-            </a:pPr>
-            <a:r>
-              <a:rPr b="1" lang="en"/>
-              <a:t>Right plot</a:t>
-            </a:r>
-            <a:r>
-              <a:rPr lang="en"/>
-              <a:t>: When newly defined Reconstruction metric is applied, a sharp and seemingly unpredictable emergent ability is induced</a:t>
-            </a:r>
-            <a:endParaRPr/>
-          </a:p>
-          <a:p>
-            <a:pPr indent="0" lvl="0" marL="0" rtl="0" algn="l">
-              <a:spcBef>
-                <a:spcPts val="1200"/>
-              </a:spcBef>
-              <a:spcAft>
-                <a:spcPts val="0"/>
-              </a:spcAft>
-              <a:buNone/>
-            </a:pPr>
-            <a:r>
-              <a:t/>
-            </a:r>
-            <a:endParaRPr/>
-          </a:p>
-          <a:p>
-            <a:pPr indent="0" lvl="0" marL="0" rtl="0" algn="l">
-              <a:spcBef>
-                <a:spcPts val="1200"/>
-              </a:spcBef>
-              <a:spcAft>
-                <a:spcPts val="1200"/>
-              </a:spcAft>
-              <a:buNone/>
-            </a:pPr>
-            <a:r>
-              <a:t/>
-            </a:r>
-            <a:endParaRPr/>
-          </a:p>
-        </p:txBody>
-      </p:sp>
-      <p:sp>
-        <p:nvSpPr>
-          <p:cNvPr id="209" name="Google Shape;209;p34"/>
-          <p:cNvSpPr txBox="1"/>
-          <p:nvPr>
-            <p:ph idx="2" type="body"/>
-          </p:nvPr>
-        </p:nvSpPr>
-        <p:spPr>
-          <a:xfrm>
-            <a:off x="4832400" y="1266175"/>
-            <a:ext cx="3999900" cy="2133300"/>
-          </a:xfrm>
-          <a:prstGeom prst="rect">
-            <a:avLst/>
-          </a:prstGeom>
-        </p:spPr>
-        <p:txBody>
-          <a:bodyPr anchorCtr="0" anchor="t" bIns="91425" lIns="91425" spcFirstLastPara="1" rIns="91425" wrap="square" tIns="91425">
-            <a:normAutofit/>
-          </a:bodyPr>
-          <a:lstStyle/>
-          <a:p>
-            <a:pPr indent="0" lvl="0" marL="0" rtl="0" algn="l">
-              <a:spcBef>
-                <a:spcPts val="0"/>
-              </a:spcBef>
-              <a:spcAft>
-                <a:spcPts val="1200"/>
-              </a:spcAft>
-              <a:buNone/>
-            </a:pPr>
-            <a:r>
-              <a:t/>
-            </a:r>
-            <a:endParaRPr/>
-          </a:p>
-        </p:txBody>
-      </p:sp>
-      <p:pic>
-        <p:nvPicPr>
-          <p:cNvPr id="210" name="Google Shape;210;p34"/>
+          <p:cNvPr id="194" name="Google Shape;194;p34"/>
           <p:cNvPicPr preferRelativeResize="0"/>
           <p:nvPr/>
         </p:nvPicPr>
@@ -12102,8 +12252,8 @@
         </p:blipFill>
         <p:spPr>
           <a:xfrm>
-            <a:off x="4065363" y="1266175"/>
-            <a:ext cx="5019675" cy="2419350"/>
+            <a:off x="0" y="3601131"/>
+            <a:ext cx="9143999" cy="967889"/>
           </a:xfrm>
           <a:prstGeom prst="rect">
             <a:avLst/>
@@ -12127,7 +12277,7 @@
   <p:cSld>
     <p:spTree>
       <p:nvGrpSpPr>
-        <p:cNvPr id="214" name="Shape 214"/>
+        <p:cNvPr id="198" name="Shape 198"/>
         <p:cNvGrpSpPr/>
         <p:nvPr/>
       </p:nvGrpSpPr>
@@ -12139,167 +12289,9 @@
           <a:chExt cx="0" cy="0"/>
         </a:xfrm>
       </p:grpSpPr>
-      <p:sp>
-        <p:nvSpPr>
-          <p:cNvPr id="215" name="Google Shape;215;p35"/>
-          <p:cNvSpPr txBox="1"/>
-          <p:nvPr>
-            <p:ph type="title"/>
-          </p:nvPr>
-        </p:nvSpPr>
-        <p:spPr>
-          <a:xfrm>
-            <a:off x="311700" y="445025"/>
-            <a:ext cx="8520600" cy="707400"/>
-          </a:xfrm>
-          <a:prstGeom prst="rect">
-            <a:avLst/>
-          </a:prstGeom>
-        </p:spPr>
-        <p:txBody>
-          <a:bodyPr anchorCtr="0" anchor="t" bIns="91425" lIns="91425" spcFirstLastPara="1" rIns="91425" wrap="square" tIns="91425">
-            <a:normAutofit fontScale="90000"/>
-          </a:bodyPr>
-          <a:lstStyle/>
-          <a:p>
-            <a:pPr indent="0" lvl="0" marL="0" rtl="0" algn="l">
-              <a:spcBef>
-                <a:spcPts val="0"/>
-              </a:spcBef>
-              <a:spcAft>
-                <a:spcPts val="0"/>
-              </a:spcAft>
-              <a:buNone/>
-            </a:pPr>
-            <a:r>
-              <a:rPr lang="en"/>
-              <a:t>Experiment 2</a:t>
-            </a:r>
-            <a:endParaRPr/>
-          </a:p>
-        </p:txBody>
-      </p:sp>
-      <p:sp>
-        <p:nvSpPr>
-          <p:cNvPr id="216" name="Google Shape;216;p35"/>
-          <p:cNvSpPr txBox="1"/>
-          <p:nvPr>
-            <p:ph idx="1" type="body"/>
-          </p:nvPr>
-        </p:nvSpPr>
-        <p:spPr>
-          <a:xfrm>
-            <a:off x="311700" y="1266175"/>
-            <a:ext cx="3999900" cy="3302700"/>
-          </a:xfrm>
-          <a:prstGeom prst="rect">
-            <a:avLst/>
-          </a:prstGeom>
-        </p:spPr>
-        <p:txBody>
-          <a:bodyPr anchorCtr="0" anchor="t" bIns="91425" lIns="91425" spcFirstLastPara="1" rIns="91425" wrap="square" tIns="91425">
-            <a:normAutofit lnSpcReduction="10000"/>
-          </a:bodyPr>
-          <a:lstStyle/>
-          <a:p>
-            <a:pPr indent="0" lvl="0" marL="0" rtl="0" algn="l">
-              <a:spcBef>
-                <a:spcPts val="1200"/>
-              </a:spcBef>
-              <a:spcAft>
-                <a:spcPts val="0"/>
-              </a:spcAft>
-              <a:buNone/>
-            </a:pPr>
-            <a:r>
-              <a:rPr b="1" lang="en"/>
-              <a:t>Left plot</a:t>
-            </a:r>
-            <a:r>
-              <a:rPr lang="en"/>
-              <a:t>: When Autoregressive transformers trained to classify Omniglot images,accuracy improves smoothly as the model size increases.</a:t>
-            </a:r>
-            <a:endParaRPr/>
-          </a:p>
-          <a:p>
-            <a:pPr indent="0" lvl="0" marL="0" rtl="0" algn="l">
-              <a:spcBef>
-                <a:spcPts val="1200"/>
-              </a:spcBef>
-              <a:spcAft>
-                <a:spcPts val="0"/>
-              </a:spcAft>
-              <a:buNone/>
-            </a:pPr>
-            <a:r>
-              <a:rPr b="1" lang="en"/>
-              <a:t>Right plot</a:t>
-            </a:r>
-            <a:r>
-              <a:rPr lang="en"/>
-              <a:t>: When accuracy is redefined as classifying all images correctly (subset accuracy), a seemingly emergent ability appears, with sharp improvements as model size increases. This further demonstrates that emergent abilities can be induced by using stricter metrics.</a:t>
-            </a:r>
-            <a:endParaRPr/>
-          </a:p>
-          <a:p>
-            <a:pPr indent="0" lvl="0" marL="0" rtl="0" algn="l">
-              <a:spcBef>
-                <a:spcPts val="1200"/>
-              </a:spcBef>
-              <a:spcAft>
-                <a:spcPts val="1200"/>
-              </a:spcAft>
-              <a:buNone/>
-            </a:pPr>
-            <a:r>
-              <a:t/>
-            </a:r>
-            <a:endParaRPr/>
-          </a:p>
-        </p:txBody>
-      </p:sp>
-      <p:sp>
-        <p:nvSpPr>
-          <p:cNvPr id="217" name="Google Shape;217;p35"/>
-          <p:cNvSpPr txBox="1"/>
-          <p:nvPr>
-            <p:ph idx="2" type="body"/>
-          </p:nvPr>
-        </p:nvSpPr>
-        <p:spPr>
-          <a:xfrm>
-            <a:off x="4832400" y="1266175"/>
-            <a:ext cx="3999900" cy="1842600"/>
-          </a:xfrm>
-          <a:prstGeom prst="rect">
-            <a:avLst/>
-          </a:prstGeom>
-        </p:spPr>
-        <p:txBody>
-          <a:bodyPr anchorCtr="0" anchor="t" bIns="91425" lIns="91425" spcFirstLastPara="1" rIns="91425" wrap="square" tIns="91425">
-            <a:normAutofit/>
-          </a:bodyPr>
-          <a:lstStyle/>
-          <a:p>
-            <a:pPr indent="0" lvl="0" marL="0" rtl="0" algn="l">
-              <a:spcBef>
-                <a:spcPts val="0"/>
-              </a:spcBef>
-              <a:spcAft>
-                <a:spcPts val="1200"/>
-              </a:spcAft>
-              <a:buNone/>
-            </a:pPr>
-            <a:r>
-              <a:t/>
-            </a:r>
-            <a:endParaRPr/>
-          </a:p>
-        </p:txBody>
-      </p:sp>
       <p:pic>
         <p:nvPicPr>
-          <p:cNvPr id="218" name="Google Shape;218;p35"/>
+          <p:cNvPr id="199" name="Google Shape;199;p35"/>
           <p:cNvPicPr preferRelativeResize="0"/>
           <p:nvPr/>
         </p:nvPicPr>
@@ -12313,8 +12305,8 @@
         </p:blipFill>
         <p:spPr>
           <a:xfrm>
-            <a:off x="4410263" y="1082688"/>
-            <a:ext cx="4600575" cy="2333625"/>
+            <a:off x="152400" y="152400"/>
+            <a:ext cx="8151279" cy="4838700"/>
           </a:xfrm>
           <a:prstGeom prst="rect">
             <a:avLst/>
@@ -12338,7 +12330,7 @@
   <p:cSld>
     <p:spTree>
       <p:nvGrpSpPr>
-        <p:cNvPr id="222" name="Shape 222"/>
+        <p:cNvPr id="203" name="Shape 203"/>
         <p:cNvGrpSpPr/>
         <p:nvPr/>
       </p:nvGrpSpPr>
@@ -12352,7 +12344,7 @@
       </p:grpSpPr>
       <p:sp>
         <p:nvSpPr>
-          <p:cNvPr id="223" name="Google Shape;223;p36"/>
+          <p:cNvPr id="204" name="Google Shape;204;p36"/>
           <p:cNvSpPr txBox="1"/>
           <p:nvPr>
             <p:ph type="title"/>
@@ -12374,8 +12366,11 @@
           <a:lstStyle/>
           <a:p>
             <a:pPr indent="0" lvl="0" marL="0" rtl="0" algn="l">
-              <a:spcBef>
-                <a:spcPts val="0"/>
+              <a:lnSpc>
+                <a:spcPct val="115000"/>
+              </a:lnSpc>
+              <a:spcBef>
+                <a:spcPts val="1200"/>
               </a:spcBef>
               <a:spcAft>
                 <a:spcPts val="0"/>
@@ -12384,7 +12379,22 @@
             </a:pPr>
             <a:r>
               <a:rPr lang="en"/>
-              <a:t>Artifacts or Abduction: How Do LLMs Answer MCQs without the Question?</a:t>
+              <a:t>Emergent abilities appear only under specific metrics</a:t>
+            </a:r>
+            <a:endParaRPr/>
+          </a:p>
+          <a:p>
+            <a:pPr indent="0" lvl="0" marL="0" rtl="0" algn="l">
+              <a:spcBef>
+                <a:spcPts val="1200"/>
+              </a:spcBef>
+              <a:spcAft>
+                <a:spcPts val="0"/>
+              </a:spcAft>
+              <a:buNone/>
+            </a:pPr>
+            <a:r>
+              <a:t/>
             </a:r>
             <a:endParaRPr/>
           </a:p>
@@ -12392,7 +12402,7 @@
       </p:sp>
       <p:sp>
         <p:nvSpPr>
-          <p:cNvPr id="224" name="Google Shape;224;p36"/>
+          <p:cNvPr id="205" name="Google Shape;205;p36"/>
           <p:cNvSpPr txBox="1"/>
           <p:nvPr>
             <p:ph idx="1" type="body"/>
@@ -12400,8 +12410,8 @@
         </p:nvSpPr>
         <p:spPr>
           <a:xfrm>
-            <a:off x="311700" y="1836300"/>
-            <a:ext cx="7307700" cy="2732700"/>
+            <a:off x="311700" y="1266325"/>
+            <a:ext cx="8520600" cy="3302700"/>
           </a:xfrm>
           <a:prstGeom prst="rect">
             <a:avLst/>
@@ -12413,131 +12423,755 @@
           </a:bodyPr>
           <a:lstStyle/>
           <a:p>
-            <a:pPr indent="-317500" lvl="0" marL="457200" rtl="0" algn="l">
-              <a:spcBef>
-                <a:spcPts val="0"/>
-              </a:spcBef>
-              <a:spcAft>
-                <a:spcPts val="0"/>
-              </a:spcAft>
-              <a:buSzPts val="1400"/>
-              <a:buChar char="●"/>
+            <a:pPr indent="0" lvl="0" marL="0" rtl="0" algn="l">
+              <a:spcBef>
+                <a:spcPts val="1200"/>
+              </a:spcBef>
+              <a:spcAft>
+                <a:spcPts val="0"/>
+              </a:spcAft>
+              <a:buNone/>
+            </a:pPr>
+            <a:r>
+              <a:rPr lang="en" sz="1400"/>
+              <a:t>Of the 39 preferred metrics in BIG-Bench, only 5 showed any evidence of emergent abilities</a:t>
+            </a:r>
+            <a:endParaRPr sz="1400"/>
+          </a:p>
+          <a:p>
+            <a:pPr indent="0" lvl="0" marL="0" rtl="0" algn="l">
+              <a:spcBef>
+                <a:spcPts val="1200"/>
+              </a:spcBef>
+              <a:spcAft>
+                <a:spcPts val="0"/>
+              </a:spcAft>
+              <a:buNone/>
+            </a:pPr>
+            <a:r>
+              <a:t/>
+            </a:r>
+            <a:endParaRPr sz="1400"/>
+          </a:p>
+          <a:p>
+            <a:pPr indent="0" lvl="0" marL="0" rtl="0" algn="l">
+              <a:spcBef>
+                <a:spcPts val="1200"/>
+              </a:spcBef>
+              <a:spcAft>
+                <a:spcPts val="0"/>
+              </a:spcAft>
+              <a:buNone/>
+            </a:pPr>
+            <a:r>
+              <a:rPr lang="en" sz="1400"/>
+              <a:t>5 metrics that did show emergent abilities were primarily nonlinear and/or discontinuous metrics</a:t>
+            </a:r>
+            <a:endParaRPr sz="1400"/>
+          </a:p>
+          <a:p>
+            <a:pPr indent="0" lvl="0" marL="0" rtl="0" algn="l">
+              <a:spcBef>
+                <a:spcPts val="1200"/>
+              </a:spcBef>
+              <a:spcAft>
+                <a:spcPts val="0"/>
+              </a:spcAft>
+              <a:buNone/>
+            </a:pPr>
+            <a:r>
+              <a:rPr lang="en" sz="1400"/>
+              <a:t>– Multiple Choice Grade and Exact String Match. Multiple Choice Grade is discontinuous, and Exact String Match is nonlinear</a:t>
+            </a:r>
+            <a:endParaRPr sz="1400"/>
+          </a:p>
+          <a:p>
+            <a:pPr indent="0" lvl="0" marL="0" rtl="0" algn="l">
+              <a:spcBef>
+                <a:spcPts val="1200"/>
+              </a:spcBef>
+              <a:spcAft>
+                <a:spcPts val="1200"/>
+              </a:spcAft>
+              <a:buNone/>
+            </a:pPr>
+            <a:r>
+              <a:t/>
+            </a:r>
+            <a:endParaRPr sz="1400"/>
+          </a:p>
+        </p:txBody>
+      </p:sp>
+    </p:spTree>
+  </p:cSld>
+  <p:clrMapOvr>
+    <a:masterClrMapping/>
+  </p:clrMapOvr>
+</p:sld>
+</file>
+
+<file path=ppt/slides/slide25.xml><?xml version="1.0" encoding="utf-8"?>
+<p:sld xmlns:a="http://schemas.openxmlformats.org/drawingml/2006/main" xmlns:r="http://schemas.openxmlformats.org/officeDocument/2006/relationships" xmlns:mc="http://schemas.openxmlformats.org/markup-compatibility/2006" xmlns:mv="urn:schemas-microsoft-com:mac:vml" xmlns:p="http://schemas.openxmlformats.org/presentationml/2006/main" xmlns:c="http://schemas.openxmlformats.org/drawingml/2006/chart" xmlns:dgm="http://schemas.openxmlformats.org/drawingml/2006/diagram" xmlns:o="urn:schemas-microsoft-com:office:office" xmlns:v="urn:schemas-microsoft-com:vml" xmlns:pvml="urn:schemas-microsoft-com:office:powerpoint" xmlns:com="http://schemas.openxmlformats.org/drawingml/2006/compatibility" xmlns:p14="http://schemas.microsoft.com/office/powerpoint/2010/main" xmlns:p15="http://schemas.microsoft.com/office/powerpoint/2012/main" xmlns:ahyp="http://schemas.microsoft.com/office/drawing/2018/hyperlinkcolor">
+  <p:cSld>
+    <p:spTree>
+      <p:nvGrpSpPr>
+        <p:cNvPr id="209" name="Shape 209"/>
+        <p:cNvGrpSpPr/>
+        <p:nvPr/>
+      </p:nvGrpSpPr>
+      <p:grpSpPr>
+        <a:xfrm>
+          <a:off x="0" y="0"/>
+          <a:ext cx="0" cy="0"/>
+          <a:chOff x="0" y="0"/>
+          <a:chExt cx="0" cy="0"/>
+        </a:xfrm>
+      </p:grpSpPr>
+      <p:sp>
+        <p:nvSpPr>
+          <p:cNvPr id="210" name="Google Shape;210;p37"/>
+          <p:cNvSpPr txBox="1"/>
+          <p:nvPr>
+            <p:ph type="title"/>
+          </p:nvPr>
+        </p:nvSpPr>
+        <p:spPr>
+          <a:xfrm>
+            <a:off x="311700" y="445025"/>
+            <a:ext cx="8520600" cy="707400"/>
+          </a:xfrm>
+          <a:prstGeom prst="rect">
+            <a:avLst/>
+          </a:prstGeom>
+        </p:spPr>
+        <p:txBody>
+          <a:bodyPr anchorCtr="0" anchor="t" bIns="91425" lIns="91425" spcFirstLastPara="1" rIns="91425" wrap="square" tIns="91425">
+            <a:normAutofit fontScale="90000"/>
+          </a:bodyPr>
+          <a:lstStyle/>
+          <a:p>
+            <a:pPr indent="0" lvl="0" marL="0" rtl="0" algn="l">
+              <a:lnSpc>
+                <a:spcPct val="115000"/>
+              </a:lnSpc>
+              <a:spcBef>
+                <a:spcPts val="1200"/>
+              </a:spcBef>
+              <a:spcAft>
+                <a:spcPts val="0"/>
+              </a:spcAft>
+              <a:buNone/>
             </a:pPr>
             <a:r>
               <a:rPr lang="en"/>
-              <a:t>Yes this is a thing</a:t>
-            </a:r>
-            <a:endParaRPr/>
-          </a:p>
-          <a:p>
-            <a:pPr indent="-317500" lvl="0" marL="457200" rtl="0" algn="l">
-              <a:spcBef>
-                <a:spcPts val="0"/>
-              </a:spcBef>
-              <a:spcAft>
-                <a:spcPts val="0"/>
-              </a:spcAft>
-              <a:buSzPts val="1400"/>
-              <a:buChar char="-"/>
+              <a:t>Two metrics account for over 92% of emergent abilities</a:t>
+            </a:r>
+            <a:endParaRPr/>
+          </a:p>
+          <a:p>
+            <a:pPr indent="0" lvl="0" marL="0" rtl="0" algn="l">
+              <a:spcBef>
+                <a:spcPts val="1200"/>
+              </a:spcBef>
+              <a:spcAft>
+                <a:spcPts val="0"/>
+              </a:spcAft>
+              <a:buNone/>
+            </a:pPr>
+            <a:r>
+              <a:t/>
+            </a:r>
+            <a:endParaRPr/>
+          </a:p>
+        </p:txBody>
+      </p:sp>
+      <p:sp>
+        <p:nvSpPr>
+          <p:cNvPr id="211" name="Google Shape;211;p37"/>
+          <p:cNvSpPr txBox="1"/>
+          <p:nvPr>
+            <p:ph idx="1" type="body"/>
+          </p:nvPr>
+        </p:nvSpPr>
+        <p:spPr>
+          <a:xfrm>
+            <a:off x="311700" y="1266175"/>
+            <a:ext cx="3999900" cy="3302700"/>
+          </a:xfrm>
+          <a:prstGeom prst="rect">
+            <a:avLst/>
+          </a:prstGeom>
+        </p:spPr>
+        <p:txBody>
+          <a:bodyPr anchorCtr="0" anchor="t" bIns="91425" lIns="91425" spcFirstLastPara="1" rIns="91425" wrap="square" tIns="91425">
+            <a:normAutofit/>
+          </a:bodyPr>
+          <a:lstStyle/>
+          <a:p>
+            <a:pPr indent="0" lvl="0" marL="0" rtl="0" algn="l">
+              <a:spcBef>
+                <a:spcPts val="1200"/>
+              </a:spcBef>
+              <a:spcAft>
+                <a:spcPts val="0"/>
+              </a:spcAft>
+              <a:buNone/>
+            </a:pPr>
+            <a:r>
+              <a:rPr b="1" lang="en"/>
+              <a:t>Multiple Choice Grade (a discontinuous metric)</a:t>
+            </a:r>
+            <a:endParaRPr b="1"/>
+          </a:p>
+          <a:p>
+            <a:pPr indent="0" lvl="0" marL="0" rtl="0" algn="l">
+              <a:spcBef>
+                <a:spcPts val="1200"/>
+              </a:spcBef>
+              <a:spcAft>
+                <a:spcPts val="0"/>
+              </a:spcAft>
+              <a:buNone/>
+            </a:pPr>
+            <a:r>
+              <a:t/>
+            </a:r>
+            <a:endParaRPr b="1"/>
+          </a:p>
+          <a:p>
+            <a:pPr indent="0" lvl="0" marL="0" rtl="0" algn="l">
+              <a:spcBef>
+                <a:spcPts val="1200"/>
+              </a:spcBef>
+              <a:spcAft>
+                <a:spcPts val="0"/>
+              </a:spcAft>
+              <a:buNone/>
+            </a:pPr>
+            <a:r>
+              <a:rPr b="1" lang="en"/>
+              <a:t>Exact String Match (a nonlinear metric)</a:t>
+            </a:r>
+            <a:endParaRPr b="1"/>
+          </a:p>
+          <a:p>
+            <a:pPr indent="0" lvl="0" marL="0" rtl="0" algn="l">
+              <a:spcBef>
+                <a:spcPts val="1200"/>
+              </a:spcBef>
+              <a:spcAft>
+                <a:spcPts val="1200"/>
+              </a:spcAft>
+              <a:buNone/>
+            </a:pPr>
+            <a:r>
+              <a:t/>
+            </a:r>
+            <a:endParaRPr/>
+          </a:p>
+        </p:txBody>
+      </p:sp>
+      <p:sp>
+        <p:nvSpPr>
+          <p:cNvPr id="212" name="Google Shape;212;p37"/>
+          <p:cNvSpPr txBox="1"/>
+          <p:nvPr>
+            <p:ph idx="2" type="body"/>
+          </p:nvPr>
+        </p:nvSpPr>
+        <p:spPr>
+          <a:xfrm>
+            <a:off x="4832400" y="1266175"/>
+            <a:ext cx="3999900" cy="3302700"/>
+          </a:xfrm>
+          <a:prstGeom prst="rect">
+            <a:avLst/>
+          </a:prstGeom>
+        </p:spPr>
+        <p:txBody>
+          <a:bodyPr anchorCtr="0" anchor="t" bIns="91425" lIns="91425" spcFirstLastPara="1" rIns="91425" wrap="square" tIns="91425">
+            <a:normAutofit/>
+          </a:bodyPr>
+          <a:lstStyle/>
+          <a:p>
+            <a:pPr indent="0" lvl="0" marL="0" rtl="0" algn="l">
+              <a:spcBef>
+                <a:spcPts val="0"/>
+              </a:spcBef>
+              <a:spcAft>
+                <a:spcPts val="1200"/>
+              </a:spcAft>
+              <a:buNone/>
+            </a:pPr>
+            <a:r>
+              <a:t/>
+            </a:r>
+            <a:endParaRPr/>
+          </a:p>
+        </p:txBody>
+      </p:sp>
+      <p:pic>
+        <p:nvPicPr>
+          <p:cNvPr id="213" name="Google Shape;213;p37"/>
+          <p:cNvPicPr preferRelativeResize="0"/>
+          <p:nvPr/>
+        </p:nvPicPr>
+        <p:blipFill>
+          <a:blip r:embed="rId4">
+            <a:alphaModFix/>
+          </a:blip>
+          <a:stretch>
+            <a:fillRect/>
+          </a:stretch>
+        </p:blipFill>
+        <p:spPr>
+          <a:xfrm>
+            <a:off x="4311600" y="1266175"/>
+            <a:ext cx="4581525" cy="3302700"/>
+          </a:xfrm>
+          <a:prstGeom prst="rect">
+            <a:avLst/>
+          </a:prstGeom>
+          <a:noFill/>
+          <a:ln>
+            <a:noFill/>
+          </a:ln>
+        </p:spPr>
+      </p:pic>
+    </p:spTree>
+  </p:cSld>
+  <p:clrMapOvr>
+    <a:masterClrMapping/>
+  </p:clrMapOvr>
+</p:sld>
+</file>
+
+<file path=ppt/slides/slide26.xml><?xml version="1.0" encoding="utf-8"?>
+<p:sld xmlns:a="http://schemas.openxmlformats.org/drawingml/2006/main" xmlns:r="http://schemas.openxmlformats.org/officeDocument/2006/relationships" xmlns:mc="http://schemas.openxmlformats.org/markup-compatibility/2006" xmlns:mv="urn:schemas-microsoft-com:mac:vml" xmlns:p="http://schemas.openxmlformats.org/presentationml/2006/main" xmlns:c="http://schemas.openxmlformats.org/drawingml/2006/chart" xmlns:dgm="http://schemas.openxmlformats.org/drawingml/2006/diagram" xmlns:o="urn:schemas-microsoft-com:office:office" xmlns:v="urn:schemas-microsoft-com:vml" xmlns:pvml="urn:schemas-microsoft-com:office:powerpoint" xmlns:com="http://schemas.openxmlformats.org/drawingml/2006/compatibility" xmlns:p14="http://schemas.microsoft.com/office/powerpoint/2010/main" xmlns:p15="http://schemas.microsoft.com/office/powerpoint/2012/main" xmlns:ahyp="http://schemas.microsoft.com/office/drawing/2018/hyperlinkcolor">
+  <p:cSld>
+    <p:spTree>
+      <p:nvGrpSpPr>
+        <p:cNvPr id="217" name="Shape 217"/>
+        <p:cNvGrpSpPr/>
+        <p:nvPr/>
+      </p:nvGrpSpPr>
+      <p:grpSpPr>
+        <a:xfrm>
+          <a:off x="0" y="0"/>
+          <a:ext cx="0" cy="0"/>
+          <a:chOff x="0" y="0"/>
+          <a:chExt cx="0" cy="0"/>
+        </a:xfrm>
+      </p:grpSpPr>
+      <p:sp>
+        <p:nvSpPr>
+          <p:cNvPr id="218" name="Google Shape;218;p38"/>
+          <p:cNvSpPr txBox="1"/>
+          <p:nvPr>
+            <p:ph type="title"/>
+          </p:nvPr>
+        </p:nvSpPr>
+        <p:spPr>
+          <a:xfrm>
+            <a:off x="311700" y="445025"/>
+            <a:ext cx="8520600" cy="707400"/>
+          </a:xfrm>
+          <a:prstGeom prst="rect">
+            <a:avLst/>
+          </a:prstGeom>
+        </p:spPr>
+        <p:txBody>
+          <a:bodyPr anchorCtr="0" anchor="t" bIns="91425" lIns="91425" spcFirstLastPara="1" rIns="91425" wrap="square" tIns="91425">
+            <a:normAutofit fontScale="90000"/>
+          </a:bodyPr>
+          <a:lstStyle/>
+          <a:p>
+            <a:pPr indent="0" lvl="0" marL="0" rtl="0" algn="l">
+              <a:spcBef>
+                <a:spcPts val="0"/>
+              </a:spcBef>
+              <a:spcAft>
+                <a:spcPts val="0"/>
+              </a:spcAft>
+              <a:buNone/>
             </a:pPr>
             <a:r>
               <a:rPr lang="en"/>
-              <a:t>LLMs are able to do well on MCQ benchmarks without the question</a:t>
-            </a:r>
-            <a:br>
+              <a:t>Try different model and metrics</a:t>
+            </a:r>
+            <a:endParaRPr/>
+          </a:p>
+        </p:txBody>
+      </p:sp>
+      <p:sp>
+        <p:nvSpPr>
+          <p:cNvPr id="219" name="Google Shape;219;p38"/>
+          <p:cNvSpPr txBox="1"/>
+          <p:nvPr>
+            <p:ph idx="1" type="body"/>
+          </p:nvPr>
+        </p:nvSpPr>
+        <p:spPr>
+          <a:xfrm>
+            <a:off x="311700" y="1266325"/>
+            <a:ext cx="8520600" cy="3302700"/>
+          </a:xfrm>
+          <a:prstGeom prst="rect">
+            <a:avLst/>
+          </a:prstGeom>
+        </p:spPr>
+        <p:txBody>
+          <a:bodyPr anchorCtr="0" anchor="t" bIns="91425" lIns="91425" spcFirstLastPara="1" rIns="91425" wrap="square" tIns="91425">
+            <a:normAutofit/>
+          </a:bodyPr>
+          <a:lstStyle/>
+          <a:p>
+            <a:pPr indent="0" lvl="0" marL="0" rtl="0" algn="l">
+              <a:spcBef>
+                <a:spcPts val="1200"/>
+              </a:spcBef>
+              <a:spcAft>
+                <a:spcPts val="0"/>
+              </a:spcAft>
+              <a:buNone/>
+            </a:pPr>
+            <a:r>
+              <a:rPr lang="en" sz="2036"/>
+              <a:t>focusing on the </a:t>
+            </a:r>
+            <a:r>
+              <a:rPr b="1" lang="en" sz="2036"/>
+              <a:t>LaMDA model </a:t>
+            </a:r>
+            <a:r>
+              <a:rPr lang="en" sz="2036"/>
+              <a:t>family</a:t>
+            </a:r>
+            <a:endParaRPr sz="2036"/>
+          </a:p>
+          <a:p>
+            <a:pPr indent="0" lvl="0" marL="0" rtl="0" algn="l">
+              <a:spcBef>
+                <a:spcPts val="1200"/>
+              </a:spcBef>
+              <a:spcAft>
+                <a:spcPts val="0"/>
+              </a:spcAft>
+              <a:buNone/>
+            </a:pPr>
+            <a:r>
+              <a:rPr lang="en" sz="2036"/>
+              <a:t>exhibited emergent abilities under the </a:t>
+            </a:r>
+            <a:r>
+              <a:rPr b="1" lang="en" sz="2036"/>
+              <a:t>Multiple Choice Grade</a:t>
+            </a:r>
+            <a:r>
+              <a:rPr lang="en" sz="2036"/>
+              <a:t> </a:t>
+            </a:r>
+            <a:endParaRPr sz="2036"/>
+          </a:p>
+          <a:p>
+            <a:pPr indent="0" lvl="0" marL="0" rtl="0" algn="l">
+              <a:spcBef>
+                <a:spcPts val="1200"/>
+              </a:spcBef>
+              <a:spcAft>
+                <a:spcPts val="0"/>
+              </a:spcAft>
+              <a:buNone/>
+            </a:pPr>
+            <a:r>
+              <a:rPr lang="en" sz="2036"/>
+              <a:t>evaluation metric was switched to a continuous one—</a:t>
+            </a:r>
+            <a:r>
+              <a:rPr b="1" lang="en" sz="2036"/>
+              <a:t>Brier Score</a:t>
+            </a:r>
+            <a:endParaRPr b="1" sz="2036"/>
+          </a:p>
+          <a:p>
+            <a:pPr indent="0" lvl="0" marL="0" rtl="0" algn="l">
+              <a:spcBef>
+                <a:spcPts val="1200"/>
+              </a:spcBef>
+              <a:spcAft>
+                <a:spcPts val="0"/>
+              </a:spcAft>
+              <a:buNone/>
+            </a:pPr>
+            <a:r>
+              <a:rPr b="1" lang="en" sz="2036"/>
+              <a:t>Finding: emergent abilities are more smooth when switching to a continuous metric</a:t>
+            </a:r>
+            <a:endParaRPr b="1" sz="2036"/>
+          </a:p>
+          <a:p>
+            <a:pPr indent="0" lvl="0" marL="0" rtl="0" algn="l">
+              <a:spcBef>
+                <a:spcPts val="1200"/>
+              </a:spcBef>
+              <a:spcAft>
+                <a:spcPts val="1200"/>
+              </a:spcAft>
+              <a:buNone/>
+            </a:pPr>
+            <a:r>
+              <a:t/>
+            </a:r>
+            <a:endParaRPr/>
+          </a:p>
+        </p:txBody>
+      </p:sp>
+    </p:spTree>
+  </p:cSld>
+  <p:clrMapOvr>
+    <a:masterClrMapping/>
+  </p:clrMapOvr>
+</p:sld>
+</file>
+
+<file path=ppt/slides/slide27.xml><?xml version="1.0" encoding="utf-8"?>
+<p:sld xmlns:a="http://schemas.openxmlformats.org/drawingml/2006/main" xmlns:r="http://schemas.openxmlformats.org/officeDocument/2006/relationships" xmlns:mc="http://schemas.openxmlformats.org/markup-compatibility/2006" xmlns:mv="urn:schemas-microsoft-com:mac:vml" xmlns:p="http://schemas.openxmlformats.org/presentationml/2006/main" xmlns:c="http://schemas.openxmlformats.org/drawingml/2006/chart" xmlns:dgm="http://schemas.openxmlformats.org/drawingml/2006/diagram" xmlns:o="urn:schemas-microsoft-com:office:office" xmlns:v="urn:schemas-microsoft-com:vml" xmlns:pvml="urn:schemas-microsoft-com:office:powerpoint" xmlns:com="http://schemas.openxmlformats.org/drawingml/2006/compatibility" xmlns:p14="http://schemas.microsoft.com/office/powerpoint/2010/main" xmlns:p15="http://schemas.microsoft.com/office/powerpoint/2012/main" xmlns:ahyp="http://schemas.microsoft.com/office/drawing/2018/hyperlinkcolor">
+  <p:cSld>
+    <p:spTree>
+      <p:nvGrpSpPr>
+        <p:cNvPr id="223" name="Shape 223"/>
+        <p:cNvGrpSpPr/>
+        <p:nvPr/>
+      </p:nvGrpSpPr>
+      <p:grpSpPr>
+        <a:xfrm>
+          <a:off x="0" y="0"/>
+          <a:ext cx="0" cy="0"/>
+          <a:chOff x="0" y="0"/>
+          <a:chExt cx="0" cy="0"/>
+        </a:xfrm>
+      </p:grpSpPr>
+      <p:sp>
+        <p:nvSpPr>
+          <p:cNvPr id="224" name="Google Shape;224;p39"/>
+          <p:cNvSpPr txBox="1"/>
+          <p:nvPr>
+            <p:ph type="title"/>
+          </p:nvPr>
+        </p:nvSpPr>
+        <p:spPr>
+          <a:xfrm>
+            <a:off x="311700" y="445025"/>
+            <a:ext cx="8520600" cy="707400"/>
+          </a:xfrm>
+          <a:prstGeom prst="rect">
+            <a:avLst/>
+          </a:prstGeom>
+        </p:spPr>
+        <p:txBody>
+          <a:bodyPr anchorCtr="0" anchor="t" bIns="91425" lIns="91425" spcFirstLastPara="1" rIns="91425" wrap="square" tIns="91425">
+            <a:normAutofit fontScale="90000"/>
+          </a:bodyPr>
+          <a:lstStyle/>
+          <a:p>
+            <a:pPr indent="0" lvl="0" marL="0" rtl="0" algn="l">
+              <a:spcBef>
+                <a:spcPts val="0"/>
+              </a:spcBef>
+              <a:spcAft>
+                <a:spcPts val="0"/>
+              </a:spcAft>
+              <a:buNone/>
+            </a:pPr>
+            <a:r>
               <a:rPr lang="en"/>
-            </a:br>
-            <a:endParaRPr/>
-          </a:p>
-          <a:p>
-            <a:pPr indent="-317500" lvl="0" marL="457200" rtl="0" algn="l">
-              <a:spcBef>
-                <a:spcPts val="0"/>
-              </a:spcBef>
-              <a:spcAft>
-                <a:spcPts val="0"/>
-              </a:spcAft>
-              <a:buSzPts val="1400"/>
-              <a:buChar char="●"/>
+              <a:t>Multiple choice grade</a:t>
+            </a:r>
+            <a:endParaRPr/>
+          </a:p>
+        </p:txBody>
+      </p:sp>
+      <p:pic>
+        <p:nvPicPr>
+          <p:cNvPr id="225" name="Google Shape;225;p39"/>
+          <p:cNvPicPr preferRelativeResize="0"/>
+          <p:nvPr/>
+        </p:nvPicPr>
+        <p:blipFill>
+          <a:blip r:embed="rId3">
+            <a:alphaModFix/>
+          </a:blip>
+          <a:stretch>
+            <a:fillRect/>
+          </a:stretch>
+        </p:blipFill>
+        <p:spPr>
+          <a:xfrm>
+            <a:off x="152400" y="1304825"/>
+            <a:ext cx="6988953" cy="3686275"/>
+          </a:xfrm>
+          <a:prstGeom prst="rect">
+            <a:avLst/>
+          </a:prstGeom>
+          <a:noFill/>
+          <a:ln>
+            <a:noFill/>
+          </a:ln>
+        </p:spPr>
+      </p:pic>
+    </p:spTree>
+  </p:cSld>
+  <p:clrMapOvr>
+    <a:masterClrMapping/>
+  </p:clrMapOvr>
+</p:sld>
+</file>
+
+<file path=ppt/slides/slide28.xml><?xml version="1.0" encoding="utf-8"?>
+<p:sld xmlns:a="http://schemas.openxmlformats.org/drawingml/2006/main" xmlns:r="http://schemas.openxmlformats.org/officeDocument/2006/relationships" xmlns:mc="http://schemas.openxmlformats.org/markup-compatibility/2006" xmlns:mv="urn:schemas-microsoft-com:mac:vml" xmlns:p="http://schemas.openxmlformats.org/presentationml/2006/main" xmlns:c="http://schemas.openxmlformats.org/drawingml/2006/chart" xmlns:dgm="http://schemas.openxmlformats.org/drawingml/2006/diagram" xmlns:o="urn:schemas-microsoft-com:office:office" xmlns:v="urn:schemas-microsoft-com:vml" xmlns:pvml="urn:schemas-microsoft-com:office:powerpoint" xmlns:com="http://schemas.openxmlformats.org/drawingml/2006/compatibility" xmlns:p14="http://schemas.microsoft.com/office/powerpoint/2010/main" xmlns:p15="http://schemas.microsoft.com/office/powerpoint/2012/main" xmlns:ahyp="http://schemas.microsoft.com/office/drawing/2018/hyperlinkcolor">
+  <p:cSld>
+    <p:spTree>
+      <p:nvGrpSpPr>
+        <p:cNvPr id="229" name="Shape 229"/>
+        <p:cNvGrpSpPr/>
+        <p:nvPr/>
+      </p:nvGrpSpPr>
+      <p:grpSpPr>
+        <a:xfrm>
+          <a:off x="0" y="0"/>
+          <a:ext cx="0" cy="0"/>
+          <a:chOff x="0" y="0"/>
+          <a:chExt cx="0" cy="0"/>
+        </a:xfrm>
+      </p:grpSpPr>
+      <p:sp>
+        <p:nvSpPr>
+          <p:cNvPr id="230" name="Google Shape;230;p40"/>
+          <p:cNvSpPr txBox="1"/>
+          <p:nvPr>
+            <p:ph type="title"/>
+          </p:nvPr>
+        </p:nvSpPr>
+        <p:spPr>
+          <a:xfrm>
+            <a:off x="311700" y="445025"/>
+            <a:ext cx="8520600" cy="707400"/>
+          </a:xfrm>
+          <a:prstGeom prst="rect">
+            <a:avLst/>
+          </a:prstGeom>
+        </p:spPr>
+        <p:txBody>
+          <a:bodyPr anchorCtr="0" anchor="t" bIns="91425" lIns="91425" spcFirstLastPara="1" rIns="91425" wrap="square" tIns="91425">
+            <a:normAutofit fontScale="90000"/>
+          </a:bodyPr>
+          <a:lstStyle/>
+          <a:p>
+            <a:pPr indent="0" lvl="0" marL="0" rtl="0" algn="l">
+              <a:spcBef>
+                <a:spcPts val="0"/>
+              </a:spcBef>
+              <a:spcAft>
+                <a:spcPts val="0"/>
+              </a:spcAft>
+              <a:buNone/>
             </a:pPr>
             <a:r>
               <a:rPr lang="en"/>
-              <a:t>Paper looks at</a:t>
-            </a:r>
-            <a:endParaRPr/>
-          </a:p>
-          <a:p>
-            <a:pPr indent="-317500" lvl="0" marL="457200" rtl="0" algn="l">
-              <a:spcBef>
-                <a:spcPts val="0"/>
-              </a:spcBef>
-              <a:spcAft>
-                <a:spcPts val="0"/>
-              </a:spcAft>
-              <a:buSzPts val="1400"/>
-              <a:buChar char="-"/>
+              <a:t>Brier score</a:t>
+            </a:r>
+            <a:endParaRPr/>
+          </a:p>
+        </p:txBody>
+      </p:sp>
+      <p:pic>
+        <p:nvPicPr>
+          <p:cNvPr id="231" name="Google Shape;231;p40"/>
+          <p:cNvPicPr preferRelativeResize="0"/>
+          <p:nvPr/>
+        </p:nvPicPr>
+        <p:blipFill>
+          <a:blip r:embed="rId3">
+            <a:alphaModFix/>
+          </a:blip>
+          <a:stretch>
+            <a:fillRect/>
+          </a:stretch>
+        </p:blipFill>
+        <p:spPr>
+          <a:xfrm>
+            <a:off x="228225" y="1279550"/>
+            <a:ext cx="6753552" cy="3686275"/>
+          </a:xfrm>
+          <a:prstGeom prst="rect">
+            <a:avLst/>
+          </a:prstGeom>
+          <a:noFill/>
+          <a:ln>
+            <a:noFill/>
+          </a:ln>
+        </p:spPr>
+      </p:pic>
+    </p:spTree>
+  </p:cSld>
+  <p:clrMapOvr>
+    <a:masterClrMapping/>
+  </p:clrMapOvr>
+</p:sld>
+</file>
+
+<file path=ppt/slides/slide29.xml><?xml version="1.0" encoding="utf-8"?>
+<p:sld xmlns:a="http://schemas.openxmlformats.org/drawingml/2006/main" xmlns:r="http://schemas.openxmlformats.org/officeDocument/2006/relationships" xmlns:mc="http://schemas.openxmlformats.org/markup-compatibility/2006" xmlns:mv="urn:schemas-microsoft-com:mac:vml" xmlns:p="http://schemas.openxmlformats.org/presentationml/2006/main" xmlns:c="http://schemas.openxmlformats.org/drawingml/2006/chart" xmlns:dgm="http://schemas.openxmlformats.org/drawingml/2006/diagram" xmlns:o="urn:schemas-microsoft-com:office:office" xmlns:v="urn:schemas-microsoft-com:vml" xmlns:pvml="urn:schemas-microsoft-com:office:powerpoint" xmlns:com="http://schemas.openxmlformats.org/drawingml/2006/compatibility" xmlns:p14="http://schemas.microsoft.com/office/powerpoint/2010/main" xmlns:p15="http://schemas.microsoft.com/office/powerpoint/2012/main" xmlns:ahyp="http://schemas.microsoft.com/office/drawing/2018/hyperlinkcolor">
+  <p:cSld>
+    <p:spTree>
+      <p:nvGrpSpPr>
+        <p:cNvPr id="235" name="Shape 235"/>
+        <p:cNvGrpSpPr/>
+        <p:nvPr/>
+      </p:nvGrpSpPr>
+      <p:grpSpPr>
+        <a:xfrm>
+          <a:off x="0" y="0"/>
+          <a:ext cx="0" cy="0"/>
+          <a:chOff x="0" y="0"/>
+          <a:chExt cx="0" cy="0"/>
+        </a:xfrm>
+      </p:grpSpPr>
+      <p:sp>
+        <p:nvSpPr>
+          <p:cNvPr id="236" name="Google Shape;236;p41"/>
+          <p:cNvSpPr txBox="1"/>
+          <p:nvPr>
+            <p:ph idx="1" type="body"/>
+          </p:nvPr>
+        </p:nvSpPr>
+        <p:spPr>
+          <a:xfrm>
+            <a:off x="1572600" y="2170800"/>
+            <a:ext cx="5998800" cy="598800"/>
+          </a:xfrm>
+          <a:prstGeom prst="rect">
+            <a:avLst/>
+          </a:prstGeom>
+        </p:spPr>
+        <p:txBody>
+          <a:bodyPr anchorCtr="0" anchor="ctr" bIns="91425" lIns="91425" spcFirstLastPara="1" rIns="91425" wrap="square" tIns="91425">
+            <a:normAutofit fontScale="92500"/>
+          </a:bodyPr>
+          <a:lstStyle/>
+          <a:p>
+            <a:pPr indent="0" lvl="0" marL="0" rtl="0" algn="l">
+              <a:spcBef>
+                <a:spcPts val="0"/>
+              </a:spcBef>
+              <a:spcAft>
+                <a:spcPts val="0"/>
+              </a:spcAft>
+              <a:buNone/>
             </a:pPr>
             <a:r>
               <a:rPr lang="en"/>
-              <a:t>Memorization: show that the models haven’t simply memorized the benchmark</a:t>
-            </a:r>
-            <a:endParaRPr/>
-          </a:p>
-          <a:p>
-            <a:pPr indent="-317500" lvl="0" marL="457200" rtl="0" algn="l">
-              <a:spcBef>
-                <a:spcPts val="0"/>
-              </a:spcBef>
-              <a:spcAft>
-                <a:spcPts val="0"/>
-              </a:spcAft>
-              <a:buSzPts val="1400"/>
-              <a:buChar char="-"/>
-            </a:pPr>
-            <a:r>
-              <a:rPr lang="en"/>
-              <a:t>Priors: Correct answer text is not inherently more </a:t>
-            </a:r>
-            <a:r>
-              <a:rPr lang="en"/>
-              <a:t>probable than others</a:t>
-            </a:r>
-            <a:endParaRPr/>
-          </a:p>
-          <a:p>
-            <a:pPr indent="-317500" lvl="0" marL="457200" rtl="0" algn="l">
-              <a:spcBef>
-                <a:spcPts val="0"/>
-              </a:spcBef>
-              <a:spcAft>
-                <a:spcPts val="0"/>
-              </a:spcAft>
-              <a:buSzPts val="1400"/>
-              <a:buChar char="-"/>
-            </a:pPr>
-            <a:r>
-              <a:rPr lang="en"/>
-              <a:t>Choice dynamics and question inference: This is largely what’s happening</a:t>
-            </a:r>
-            <a:endParaRPr/>
-          </a:p>
-          <a:p>
-            <a:pPr indent="0" lvl="0" marL="0" rtl="0" algn="l">
-              <a:spcBef>
-                <a:spcPts val="1200"/>
-              </a:spcBef>
-              <a:spcAft>
-                <a:spcPts val="1200"/>
-              </a:spcAft>
-              <a:buNone/>
-            </a:pPr>
-            <a:r>
-              <a:rPr b="1" lang="en"/>
-              <a:t>Takeaway</a:t>
-            </a:r>
-            <a:r>
-              <a:rPr lang="en"/>
-              <a:t>: LLM evaluation on MCQA benchmarks needs to be further investigated - what is it actually learning? </a:t>
+              <a:t>For the Brier score the value is negative, I’m not sure why</a:t>
             </a:r>
             <a:endParaRPr/>
           </a:p>
@@ -12604,6 +13238,948 @@
 </p:sld>
 </file>
 
+<file path=ppt/slides/slide30.xml><?xml version="1.0" encoding="utf-8"?>
+<p:sld xmlns:a="http://schemas.openxmlformats.org/drawingml/2006/main" xmlns:r="http://schemas.openxmlformats.org/officeDocument/2006/relationships" xmlns:mc="http://schemas.openxmlformats.org/markup-compatibility/2006" xmlns:mv="urn:schemas-microsoft-com:mac:vml" xmlns:p="http://schemas.openxmlformats.org/presentationml/2006/main" xmlns:c="http://schemas.openxmlformats.org/drawingml/2006/chart" xmlns:dgm="http://schemas.openxmlformats.org/drawingml/2006/diagram" xmlns:o="urn:schemas-microsoft-com:office:office" xmlns:v="urn:schemas-microsoft-com:vml" xmlns:pvml="urn:schemas-microsoft-com:office:powerpoint" xmlns:com="http://schemas.openxmlformats.org/drawingml/2006/compatibility" xmlns:p14="http://schemas.microsoft.com/office/powerpoint/2010/main" xmlns:p15="http://schemas.microsoft.com/office/powerpoint/2012/main" xmlns:ahyp="http://schemas.microsoft.com/office/drawing/2018/hyperlinkcolor">
+  <p:cSld>
+    <p:spTree>
+      <p:nvGrpSpPr>
+        <p:cNvPr id="240" name="Shape 240"/>
+        <p:cNvGrpSpPr/>
+        <p:nvPr/>
+      </p:nvGrpSpPr>
+      <p:grpSpPr>
+        <a:xfrm>
+          <a:off x="0" y="0"/>
+          <a:ext cx="0" cy="0"/>
+          <a:chOff x="0" y="0"/>
+          <a:chExt cx="0" cy="0"/>
+        </a:xfrm>
+      </p:grpSpPr>
+      <p:sp>
+        <p:nvSpPr>
+          <p:cNvPr id="241" name="Google Shape;241;p42"/>
+          <p:cNvSpPr txBox="1"/>
+          <p:nvPr>
+            <p:ph type="title"/>
+          </p:nvPr>
+        </p:nvSpPr>
+        <p:spPr>
+          <a:xfrm>
+            <a:off x="311700" y="445025"/>
+            <a:ext cx="8520600" cy="707400"/>
+          </a:xfrm>
+          <a:prstGeom prst="rect">
+            <a:avLst/>
+          </a:prstGeom>
+        </p:spPr>
+        <p:txBody>
+          <a:bodyPr anchorCtr="0" anchor="t" bIns="91425" lIns="91425" spcFirstLastPara="1" rIns="91425" wrap="square" tIns="91425">
+            <a:normAutofit fontScale="90000"/>
+          </a:bodyPr>
+          <a:lstStyle/>
+          <a:p>
+            <a:pPr indent="0" lvl="0" marL="0" rtl="0" algn="l">
+              <a:spcBef>
+                <a:spcPts val="0"/>
+              </a:spcBef>
+              <a:spcAft>
+                <a:spcPts val="0"/>
+              </a:spcAft>
+              <a:buNone/>
+            </a:pPr>
+            <a:r>
+              <a:rPr lang="en"/>
+              <a:t>Emergent ability on vision task</a:t>
+            </a:r>
+            <a:endParaRPr/>
+          </a:p>
+        </p:txBody>
+      </p:sp>
+      <p:sp>
+        <p:nvSpPr>
+          <p:cNvPr id="242" name="Google Shape;242;p42"/>
+          <p:cNvSpPr txBox="1"/>
+          <p:nvPr>
+            <p:ph idx="1" type="body"/>
+          </p:nvPr>
+        </p:nvSpPr>
+        <p:spPr>
+          <a:xfrm>
+            <a:off x="311700" y="1266325"/>
+            <a:ext cx="8520600" cy="3302700"/>
+          </a:xfrm>
+          <a:prstGeom prst="rect">
+            <a:avLst/>
+          </a:prstGeom>
+        </p:spPr>
+        <p:txBody>
+          <a:bodyPr anchorCtr="0" anchor="t" bIns="91425" lIns="91425" spcFirstLastPara="1" rIns="91425" wrap="square" tIns="91425">
+            <a:normAutofit/>
+          </a:bodyPr>
+          <a:lstStyle/>
+          <a:p>
+            <a:pPr indent="0" lvl="0" marL="0" rtl="0" algn="l">
+              <a:spcBef>
+                <a:spcPts val="1200"/>
+              </a:spcBef>
+              <a:spcAft>
+                <a:spcPts val="0"/>
+              </a:spcAft>
+              <a:buNone/>
+            </a:pPr>
+            <a:r>
+              <a:rPr lang="en"/>
+              <a:t>emergent abilities can be </a:t>
+            </a:r>
+            <a:r>
+              <a:rPr b="1" lang="en"/>
+              <a:t>artificially induced</a:t>
+            </a:r>
+            <a:r>
+              <a:rPr lang="en"/>
+              <a:t> in neural networks for vision tasks by manipulating the metric</a:t>
+            </a:r>
+            <a:endParaRPr/>
+          </a:p>
+          <a:p>
+            <a:pPr indent="0" lvl="0" marL="0" rtl="0" algn="l">
+              <a:spcBef>
+                <a:spcPts val="1200"/>
+              </a:spcBef>
+              <a:spcAft>
+                <a:spcPts val="0"/>
+              </a:spcAft>
+              <a:buNone/>
+            </a:pPr>
+            <a:r>
+              <a:rPr lang="en"/>
+              <a:t>1: define a discontinuous metric that measures a network’s ability to reconstruct CIFAR10 images</a:t>
+            </a:r>
+            <a:endParaRPr/>
+          </a:p>
+          <a:p>
+            <a:pPr indent="0" lvl="0" marL="0" rtl="0" algn="l">
+              <a:spcBef>
+                <a:spcPts val="1200"/>
+              </a:spcBef>
+              <a:spcAft>
+                <a:spcPts val="0"/>
+              </a:spcAft>
+              <a:buNone/>
+            </a:pPr>
+            <a:r>
+              <a:t/>
+            </a:r>
+            <a:endParaRPr/>
+          </a:p>
+          <a:p>
+            <a:pPr indent="0" lvl="0" marL="0" rtl="0" algn="l">
+              <a:spcBef>
+                <a:spcPts val="1200"/>
+              </a:spcBef>
+              <a:spcAft>
+                <a:spcPts val="0"/>
+              </a:spcAft>
+              <a:buNone/>
+            </a:pPr>
+            <a:r>
+              <a:rPr lang="en"/>
+              <a:t>2: induce emergent abilities in autoregressive transformers trained to classify handwritten characters from the Omniglot dataset.</a:t>
+            </a:r>
+            <a:endParaRPr/>
+          </a:p>
+          <a:p>
+            <a:pPr indent="0" lvl="0" marL="0" rtl="0" algn="l">
+              <a:spcBef>
+                <a:spcPts val="1200"/>
+              </a:spcBef>
+              <a:spcAft>
+                <a:spcPts val="1200"/>
+              </a:spcAft>
+              <a:buNone/>
+            </a:pPr>
+            <a:r>
+              <a:t/>
+            </a:r>
+            <a:endParaRPr/>
+          </a:p>
+        </p:txBody>
+      </p:sp>
+    </p:spTree>
+  </p:cSld>
+  <p:clrMapOvr>
+    <a:masterClrMapping/>
+  </p:clrMapOvr>
+</p:sld>
+</file>
+
+<file path=ppt/slides/slide31.xml><?xml version="1.0" encoding="utf-8"?>
+<p:sld xmlns:a="http://schemas.openxmlformats.org/drawingml/2006/main" xmlns:r="http://schemas.openxmlformats.org/officeDocument/2006/relationships" xmlns:mc="http://schemas.openxmlformats.org/markup-compatibility/2006" xmlns:mv="urn:schemas-microsoft-com:mac:vml" xmlns:p="http://schemas.openxmlformats.org/presentationml/2006/main" xmlns:c="http://schemas.openxmlformats.org/drawingml/2006/chart" xmlns:dgm="http://schemas.openxmlformats.org/drawingml/2006/diagram" xmlns:o="urn:schemas-microsoft-com:office:office" xmlns:v="urn:schemas-microsoft-com:vml" xmlns:pvml="urn:schemas-microsoft-com:office:powerpoint" xmlns:com="http://schemas.openxmlformats.org/drawingml/2006/compatibility" xmlns:p14="http://schemas.microsoft.com/office/powerpoint/2010/main" xmlns:p15="http://schemas.microsoft.com/office/powerpoint/2012/main" xmlns:ahyp="http://schemas.microsoft.com/office/drawing/2018/hyperlinkcolor">
+  <p:cSld>
+    <p:spTree>
+      <p:nvGrpSpPr>
+        <p:cNvPr id="246" name="Shape 246"/>
+        <p:cNvGrpSpPr/>
+        <p:nvPr/>
+      </p:nvGrpSpPr>
+      <p:grpSpPr>
+        <a:xfrm>
+          <a:off x="0" y="0"/>
+          <a:ext cx="0" cy="0"/>
+          <a:chOff x="0" y="0"/>
+          <a:chExt cx="0" cy="0"/>
+        </a:xfrm>
+      </p:grpSpPr>
+      <p:sp>
+        <p:nvSpPr>
+          <p:cNvPr id="247" name="Google Shape;247;p43"/>
+          <p:cNvSpPr txBox="1"/>
+          <p:nvPr>
+            <p:ph type="title"/>
+          </p:nvPr>
+        </p:nvSpPr>
+        <p:spPr>
+          <a:xfrm>
+            <a:off x="311700" y="445025"/>
+            <a:ext cx="8520600" cy="707400"/>
+          </a:xfrm>
+          <a:prstGeom prst="rect">
+            <a:avLst/>
+          </a:prstGeom>
+        </p:spPr>
+        <p:txBody>
+          <a:bodyPr anchorCtr="0" anchor="t" bIns="91425" lIns="91425" spcFirstLastPara="1" rIns="91425" wrap="square" tIns="91425">
+            <a:normAutofit fontScale="90000"/>
+          </a:bodyPr>
+          <a:lstStyle/>
+          <a:p>
+            <a:pPr indent="0" lvl="0" marL="0" rtl="0" algn="l">
+              <a:spcBef>
+                <a:spcPts val="0"/>
+              </a:spcBef>
+              <a:spcAft>
+                <a:spcPts val="0"/>
+              </a:spcAft>
+              <a:buNone/>
+            </a:pPr>
+            <a:r>
+              <a:rPr lang="en"/>
+              <a:t>Deep network reconstruct image</a:t>
+            </a:r>
+            <a:endParaRPr/>
+          </a:p>
+        </p:txBody>
+      </p:sp>
+      <p:sp>
+        <p:nvSpPr>
+          <p:cNvPr id="248" name="Google Shape;248;p43"/>
+          <p:cNvSpPr txBox="1"/>
+          <p:nvPr>
+            <p:ph idx="1" type="body"/>
+          </p:nvPr>
+        </p:nvSpPr>
+        <p:spPr>
+          <a:xfrm>
+            <a:off x="311700" y="1266325"/>
+            <a:ext cx="8520600" cy="3302700"/>
+          </a:xfrm>
+          <a:prstGeom prst="rect">
+            <a:avLst/>
+          </a:prstGeom>
+        </p:spPr>
+        <p:txBody>
+          <a:bodyPr anchorCtr="0" anchor="t" bIns="91425" lIns="91425" spcFirstLastPara="1" rIns="91425" wrap="square" tIns="91425">
+            <a:normAutofit/>
+          </a:bodyPr>
+          <a:lstStyle/>
+          <a:p>
+            <a:pPr indent="0" lvl="0" marL="0" rtl="0" algn="l">
+              <a:spcBef>
+                <a:spcPts val="0"/>
+              </a:spcBef>
+              <a:spcAft>
+                <a:spcPts val="0"/>
+              </a:spcAft>
+              <a:buNone/>
+            </a:pPr>
+            <a:r>
+              <a:t/>
+            </a:r>
+            <a:endParaRPr/>
+          </a:p>
+          <a:p>
+            <a:pPr indent="0" lvl="0" marL="0" rtl="0" algn="l">
+              <a:spcBef>
+                <a:spcPts val="1200"/>
+              </a:spcBef>
+              <a:spcAft>
+                <a:spcPts val="0"/>
+              </a:spcAft>
+              <a:buNone/>
+            </a:pPr>
+            <a:r>
+              <a:t/>
+            </a:r>
+            <a:endParaRPr/>
+          </a:p>
+          <a:p>
+            <a:pPr indent="0" lvl="0" marL="0" rtl="0" algn="l">
+              <a:spcBef>
+                <a:spcPts val="1200"/>
+              </a:spcBef>
+              <a:spcAft>
+                <a:spcPts val="0"/>
+              </a:spcAft>
+              <a:buNone/>
+            </a:pPr>
+            <a:r>
+              <a:rPr b="1" lang="en"/>
+              <a:t>Reconstruction metric</a:t>
+            </a:r>
+            <a:r>
+              <a:rPr lang="en"/>
+              <a:t>:</a:t>
+            </a:r>
+            <a:endParaRPr/>
+          </a:p>
+          <a:p>
+            <a:pPr indent="0" lvl="0" marL="0" rtl="0" algn="l">
+              <a:spcBef>
+                <a:spcPts val="1200"/>
+              </a:spcBef>
+              <a:spcAft>
+                <a:spcPts val="1200"/>
+              </a:spcAft>
+              <a:buNone/>
+            </a:pPr>
+            <a:r>
+              <a:rPr lang="en"/>
+              <a:t>X_n is origin image, x^hat is reconstructed image, c is threshold value introduce the emergent ability by setting boundary between </a:t>
+            </a:r>
+            <a:r>
+              <a:rPr lang="en"/>
+              <a:t>acceptable reconstruction and unacceptable one.</a:t>
+            </a:r>
+            <a:endParaRPr/>
+          </a:p>
+        </p:txBody>
+      </p:sp>
+      <p:pic>
+        <p:nvPicPr>
+          <p:cNvPr id="249" name="Google Shape;249;p43"/>
+          <p:cNvPicPr preferRelativeResize="0"/>
+          <p:nvPr/>
+        </p:nvPicPr>
+        <p:blipFill>
+          <a:blip r:embed="rId3">
+            <a:alphaModFix/>
+          </a:blip>
+          <a:stretch>
+            <a:fillRect/>
+          </a:stretch>
+        </p:blipFill>
+        <p:spPr>
+          <a:xfrm>
+            <a:off x="368875" y="1317013"/>
+            <a:ext cx="6743700" cy="828675"/>
+          </a:xfrm>
+          <a:prstGeom prst="rect">
+            <a:avLst/>
+          </a:prstGeom>
+          <a:noFill/>
+          <a:ln>
+            <a:noFill/>
+          </a:ln>
+        </p:spPr>
+      </p:pic>
+    </p:spTree>
+  </p:cSld>
+  <p:clrMapOvr>
+    <a:masterClrMapping/>
+  </p:clrMapOvr>
+</p:sld>
+</file>
+
+<file path=ppt/slides/slide32.xml><?xml version="1.0" encoding="utf-8"?>
+<p:sld xmlns:a="http://schemas.openxmlformats.org/drawingml/2006/main" xmlns:r="http://schemas.openxmlformats.org/officeDocument/2006/relationships" xmlns:mc="http://schemas.openxmlformats.org/markup-compatibility/2006" xmlns:mv="urn:schemas-microsoft-com:mac:vml" xmlns:p="http://schemas.openxmlformats.org/presentationml/2006/main" xmlns:c="http://schemas.openxmlformats.org/drawingml/2006/chart" xmlns:dgm="http://schemas.openxmlformats.org/drawingml/2006/diagram" xmlns:o="urn:schemas-microsoft-com:office:office" xmlns:v="urn:schemas-microsoft-com:vml" xmlns:pvml="urn:schemas-microsoft-com:office:powerpoint" xmlns:com="http://schemas.openxmlformats.org/drawingml/2006/compatibility" xmlns:p14="http://schemas.microsoft.com/office/powerpoint/2010/main" xmlns:p15="http://schemas.microsoft.com/office/powerpoint/2012/main" xmlns:ahyp="http://schemas.microsoft.com/office/drawing/2018/hyperlinkcolor">
+  <p:cSld>
+    <p:spTree>
+      <p:nvGrpSpPr>
+        <p:cNvPr id="253" name="Shape 253"/>
+        <p:cNvGrpSpPr/>
+        <p:nvPr/>
+      </p:nvGrpSpPr>
+      <p:grpSpPr>
+        <a:xfrm>
+          <a:off x="0" y="0"/>
+          <a:ext cx="0" cy="0"/>
+          <a:chOff x="0" y="0"/>
+          <a:chExt cx="0" cy="0"/>
+        </a:xfrm>
+      </p:grpSpPr>
+      <p:pic>
+        <p:nvPicPr>
+          <p:cNvPr id="254" name="Google Shape;254;p44"/>
+          <p:cNvPicPr preferRelativeResize="0"/>
+          <p:nvPr/>
+        </p:nvPicPr>
+        <p:blipFill>
+          <a:blip r:embed="rId3">
+            <a:alphaModFix/>
+          </a:blip>
+          <a:stretch>
+            <a:fillRect/>
+          </a:stretch>
+        </p:blipFill>
+        <p:spPr>
+          <a:xfrm>
+            <a:off x="1984850" y="361950"/>
+            <a:ext cx="4714875" cy="4419600"/>
+          </a:xfrm>
+          <a:prstGeom prst="rect">
+            <a:avLst/>
+          </a:prstGeom>
+          <a:noFill/>
+          <a:ln>
+            <a:noFill/>
+          </a:ln>
+        </p:spPr>
+      </p:pic>
+    </p:spTree>
+  </p:cSld>
+  <p:clrMapOvr>
+    <a:masterClrMapping/>
+  </p:clrMapOvr>
+</p:sld>
+</file>
+
+<file path=ppt/slides/slide33.xml><?xml version="1.0" encoding="utf-8"?>
+<p:sld xmlns:a="http://schemas.openxmlformats.org/drawingml/2006/main" xmlns:r="http://schemas.openxmlformats.org/officeDocument/2006/relationships" xmlns:mc="http://schemas.openxmlformats.org/markup-compatibility/2006" xmlns:mv="urn:schemas-microsoft-com:mac:vml" xmlns:p="http://schemas.openxmlformats.org/presentationml/2006/main" xmlns:c="http://schemas.openxmlformats.org/drawingml/2006/chart" xmlns:dgm="http://schemas.openxmlformats.org/drawingml/2006/diagram" xmlns:o="urn:schemas-microsoft-com:office:office" xmlns:v="urn:schemas-microsoft-com:vml" xmlns:pvml="urn:schemas-microsoft-com:office:powerpoint" xmlns:com="http://schemas.openxmlformats.org/drawingml/2006/compatibility" xmlns:p14="http://schemas.microsoft.com/office/powerpoint/2010/main" xmlns:p15="http://schemas.microsoft.com/office/powerpoint/2012/main" xmlns:ahyp="http://schemas.microsoft.com/office/drawing/2018/hyperlinkcolor">
+  <p:cSld>
+    <p:spTree>
+      <p:nvGrpSpPr>
+        <p:cNvPr id="258" name="Shape 258"/>
+        <p:cNvGrpSpPr/>
+        <p:nvPr/>
+      </p:nvGrpSpPr>
+      <p:grpSpPr>
+        <a:xfrm>
+          <a:off x="0" y="0"/>
+          <a:ext cx="0" cy="0"/>
+          <a:chOff x="0" y="0"/>
+          <a:chExt cx="0" cy="0"/>
+        </a:xfrm>
+      </p:grpSpPr>
+      <p:pic>
+        <p:nvPicPr>
+          <p:cNvPr id="259" name="Google Shape;259;p45"/>
+          <p:cNvPicPr preferRelativeResize="0"/>
+          <p:nvPr/>
+        </p:nvPicPr>
+        <p:blipFill>
+          <a:blip r:embed="rId3">
+            <a:alphaModFix/>
+          </a:blip>
+          <a:stretch>
+            <a:fillRect/>
+          </a:stretch>
+        </p:blipFill>
+        <p:spPr>
+          <a:xfrm>
+            <a:off x="2010125" y="228225"/>
+            <a:ext cx="4752975" cy="4438650"/>
+          </a:xfrm>
+          <a:prstGeom prst="rect">
+            <a:avLst/>
+          </a:prstGeom>
+          <a:noFill/>
+          <a:ln>
+            <a:noFill/>
+          </a:ln>
+        </p:spPr>
+      </p:pic>
+    </p:spTree>
+  </p:cSld>
+  <p:clrMapOvr>
+    <a:masterClrMapping/>
+  </p:clrMapOvr>
+</p:sld>
+</file>
+
+<file path=ppt/slides/slide34.xml><?xml version="1.0" encoding="utf-8"?>
+<p:sld xmlns:a="http://schemas.openxmlformats.org/drawingml/2006/main" xmlns:r="http://schemas.openxmlformats.org/officeDocument/2006/relationships" xmlns:mc="http://schemas.openxmlformats.org/markup-compatibility/2006" xmlns:mv="urn:schemas-microsoft-com:mac:vml" xmlns:p="http://schemas.openxmlformats.org/presentationml/2006/main" xmlns:c="http://schemas.openxmlformats.org/drawingml/2006/chart" xmlns:dgm="http://schemas.openxmlformats.org/drawingml/2006/diagram" xmlns:o="urn:schemas-microsoft-com:office:office" xmlns:v="urn:schemas-microsoft-com:vml" xmlns:pvml="urn:schemas-microsoft-com:office:powerpoint" xmlns:com="http://schemas.openxmlformats.org/drawingml/2006/compatibility" xmlns:p14="http://schemas.microsoft.com/office/powerpoint/2010/main" xmlns:p15="http://schemas.microsoft.com/office/powerpoint/2012/main" xmlns:ahyp="http://schemas.microsoft.com/office/drawing/2018/hyperlinkcolor">
+  <p:cSld>
+    <p:spTree>
+      <p:nvGrpSpPr>
+        <p:cNvPr id="263" name="Shape 263"/>
+        <p:cNvGrpSpPr/>
+        <p:nvPr/>
+      </p:nvGrpSpPr>
+      <p:grpSpPr>
+        <a:xfrm>
+          <a:off x="0" y="0"/>
+          <a:ext cx="0" cy="0"/>
+          <a:chOff x="0" y="0"/>
+          <a:chExt cx="0" cy="0"/>
+        </a:xfrm>
+      </p:grpSpPr>
+      <p:sp>
+        <p:nvSpPr>
+          <p:cNvPr id="264" name="Google Shape;264;p46"/>
+          <p:cNvSpPr txBox="1"/>
+          <p:nvPr>
+            <p:ph type="title"/>
+          </p:nvPr>
+        </p:nvSpPr>
+        <p:spPr>
+          <a:xfrm>
+            <a:off x="311700" y="445025"/>
+            <a:ext cx="8520600" cy="707400"/>
+          </a:xfrm>
+          <a:prstGeom prst="rect">
+            <a:avLst/>
+          </a:prstGeom>
+        </p:spPr>
+        <p:txBody>
+          <a:bodyPr anchorCtr="0" anchor="t" bIns="91425" lIns="91425" spcFirstLastPara="1" rIns="91425" wrap="square" tIns="91425">
+            <a:normAutofit fontScale="90000"/>
+          </a:bodyPr>
+          <a:lstStyle/>
+          <a:p>
+            <a:pPr indent="0" lvl="0" marL="0" rtl="0" algn="l">
+              <a:spcBef>
+                <a:spcPts val="0"/>
+              </a:spcBef>
+              <a:spcAft>
+                <a:spcPts val="0"/>
+              </a:spcAft>
+              <a:buNone/>
+            </a:pPr>
+            <a:r>
+              <a:rPr lang="en"/>
+              <a:t>Classify Omniglot handwriting characters</a:t>
+            </a:r>
+            <a:endParaRPr/>
+          </a:p>
+        </p:txBody>
+      </p:sp>
+      <p:sp>
+        <p:nvSpPr>
+          <p:cNvPr id="265" name="Google Shape;265;p46"/>
+          <p:cNvSpPr txBox="1"/>
+          <p:nvPr>
+            <p:ph idx="1" type="body"/>
+          </p:nvPr>
+        </p:nvSpPr>
+        <p:spPr>
+          <a:xfrm>
+            <a:off x="311700" y="1266325"/>
+            <a:ext cx="8520600" cy="3302700"/>
+          </a:xfrm>
+          <a:prstGeom prst="rect">
+            <a:avLst/>
+          </a:prstGeom>
+        </p:spPr>
+        <p:txBody>
+          <a:bodyPr anchorCtr="0" anchor="t" bIns="91425" lIns="91425" spcFirstLastPara="1" rIns="91425" wrap="square" tIns="91425">
+            <a:normAutofit/>
+          </a:bodyPr>
+          <a:lstStyle/>
+          <a:p>
+            <a:pPr indent="0" lvl="0" marL="0" rtl="0" algn="l">
+              <a:spcBef>
+                <a:spcPts val="0"/>
+              </a:spcBef>
+              <a:spcAft>
+                <a:spcPts val="0"/>
+              </a:spcAft>
+              <a:buNone/>
+            </a:pPr>
+            <a:r>
+              <a:t/>
+            </a:r>
+            <a:endParaRPr/>
+          </a:p>
+          <a:p>
+            <a:pPr indent="0" lvl="0" marL="0" rtl="0" algn="l">
+              <a:spcBef>
+                <a:spcPts val="1200"/>
+              </a:spcBef>
+              <a:spcAft>
+                <a:spcPts val="0"/>
+              </a:spcAft>
+              <a:buNone/>
+            </a:pPr>
+            <a:r>
+              <a:rPr lang="en"/>
+              <a:t>Metrics: Accuracy (gives the model a score of 1 only if it correctly classifies all characters in a sequence, If the model makes even one mistake, it gets 0.)</a:t>
+            </a:r>
+            <a:endParaRPr/>
+          </a:p>
+          <a:p>
+            <a:pPr indent="0" lvl="0" marL="0" rtl="0" algn="l">
+              <a:spcBef>
+                <a:spcPts val="1200"/>
+              </a:spcBef>
+              <a:spcAft>
+                <a:spcPts val="0"/>
+              </a:spcAft>
+              <a:buNone/>
+            </a:pPr>
+            <a:r>
+              <a:t/>
+            </a:r>
+            <a:endParaRPr/>
+          </a:p>
+          <a:p>
+            <a:pPr indent="0" lvl="0" marL="0" rtl="0" algn="l">
+              <a:spcBef>
+                <a:spcPts val="1200"/>
+              </a:spcBef>
+              <a:spcAft>
+                <a:spcPts val="1200"/>
+              </a:spcAft>
+              <a:buNone/>
+            </a:pPr>
+            <a:r>
+              <a:t/>
+            </a:r>
+            <a:endParaRPr/>
+          </a:p>
+        </p:txBody>
+      </p:sp>
+    </p:spTree>
+  </p:cSld>
+  <p:clrMapOvr>
+    <a:masterClrMapping/>
+  </p:clrMapOvr>
+</p:sld>
+</file>
+
+<file path=ppt/slides/slide35.xml><?xml version="1.0" encoding="utf-8"?>
+<p:sld xmlns:a="http://schemas.openxmlformats.org/drawingml/2006/main" xmlns:r="http://schemas.openxmlformats.org/officeDocument/2006/relationships" xmlns:mc="http://schemas.openxmlformats.org/markup-compatibility/2006" xmlns:mv="urn:schemas-microsoft-com:mac:vml" xmlns:p="http://schemas.openxmlformats.org/presentationml/2006/main" xmlns:c="http://schemas.openxmlformats.org/drawingml/2006/chart" xmlns:dgm="http://schemas.openxmlformats.org/drawingml/2006/diagram" xmlns:o="urn:schemas-microsoft-com:office:office" xmlns:v="urn:schemas-microsoft-com:vml" xmlns:pvml="urn:schemas-microsoft-com:office:powerpoint" xmlns:com="http://schemas.openxmlformats.org/drawingml/2006/compatibility" xmlns:p14="http://schemas.microsoft.com/office/powerpoint/2010/main" xmlns:p15="http://schemas.microsoft.com/office/powerpoint/2012/main" xmlns:ahyp="http://schemas.microsoft.com/office/drawing/2018/hyperlinkcolor">
+  <p:cSld>
+    <p:spTree>
+      <p:nvGrpSpPr>
+        <p:cNvPr id="269" name="Shape 269"/>
+        <p:cNvGrpSpPr/>
+        <p:nvPr/>
+      </p:nvGrpSpPr>
+      <p:grpSpPr>
+        <a:xfrm>
+          <a:off x="0" y="0"/>
+          <a:ext cx="0" cy="0"/>
+          <a:chOff x="0" y="0"/>
+          <a:chExt cx="0" cy="0"/>
+        </a:xfrm>
+      </p:grpSpPr>
+      <p:pic>
+        <p:nvPicPr>
+          <p:cNvPr id="270" name="Google Shape;270;p47"/>
+          <p:cNvPicPr preferRelativeResize="0"/>
+          <p:nvPr/>
+        </p:nvPicPr>
+        <p:blipFill>
+          <a:blip r:embed="rId3">
+            <a:alphaModFix/>
+          </a:blip>
+          <a:stretch>
+            <a:fillRect/>
+          </a:stretch>
+        </p:blipFill>
+        <p:spPr>
+          <a:xfrm>
+            <a:off x="2111225" y="215600"/>
+            <a:ext cx="4533900" cy="4467225"/>
+          </a:xfrm>
+          <a:prstGeom prst="rect">
+            <a:avLst/>
+          </a:prstGeom>
+          <a:noFill/>
+          <a:ln>
+            <a:noFill/>
+          </a:ln>
+        </p:spPr>
+      </p:pic>
+    </p:spTree>
+  </p:cSld>
+  <p:clrMapOvr>
+    <a:masterClrMapping/>
+  </p:clrMapOvr>
+</p:sld>
+</file>
+
+<file path=ppt/slides/slide36.xml><?xml version="1.0" encoding="utf-8"?>
+<p:sld xmlns:a="http://schemas.openxmlformats.org/drawingml/2006/main" xmlns:r="http://schemas.openxmlformats.org/officeDocument/2006/relationships" xmlns:mc="http://schemas.openxmlformats.org/markup-compatibility/2006" xmlns:mv="urn:schemas-microsoft-com:mac:vml" xmlns:p="http://schemas.openxmlformats.org/presentationml/2006/main" xmlns:c="http://schemas.openxmlformats.org/drawingml/2006/chart" xmlns:dgm="http://schemas.openxmlformats.org/drawingml/2006/diagram" xmlns:o="urn:schemas-microsoft-com:office:office" xmlns:v="urn:schemas-microsoft-com:vml" xmlns:pvml="urn:schemas-microsoft-com:office:powerpoint" xmlns:com="http://schemas.openxmlformats.org/drawingml/2006/compatibility" xmlns:p14="http://schemas.microsoft.com/office/powerpoint/2010/main" xmlns:p15="http://schemas.microsoft.com/office/powerpoint/2012/main" xmlns:ahyp="http://schemas.microsoft.com/office/drawing/2018/hyperlinkcolor">
+  <p:cSld>
+    <p:spTree>
+      <p:nvGrpSpPr>
+        <p:cNvPr id="274" name="Shape 274"/>
+        <p:cNvGrpSpPr/>
+        <p:nvPr/>
+      </p:nvGrpSpPr>
+      <p:grpSpPr>
+        <a:xfrm>
+          <a:off x="0" y="0"/>
+          <a:ext cx="0" cy="0"/>
+          <a:chOff x="0" y="0"/>
+          <a:chExt cx="0" cy="0"/>
+        </a:xfrm>
+      </p:grpSpPr>
+      <p:pic>
+        <p:nvPicPr>
+          <p:cNvPr id="275" name="Google Shape;275;p48"/>
+          <p:cNvPicPr preferRelativeResize="0"/>
+          <p:nvPr/>
+        </p:nvPicPr>
+        <p:blipFill>
+          <a:blip r:embed="rId3">
+            <a:alphaModFix/>
+          </a:blip>
+          <a:stretch>
+            <a:fillRect/>
+          </a:stretch>
+        </p:blipFill>
+        <p:spPr>
+          <a:xfrm>
+            <a:off x="1909025" y="319088"/>
+            <a:ext cx="4800600" cy="4505325"/>
+          </a:xfrm>
+          <a:prstGeom prst="rect">
+            <a:avLst/>
+          </a:prstGeom>
+          <a:noFill/>
+          <a:ln>
+            <a:noFill/>
+          </a:ln>
+        </p:spPr>
+      </p:pic>
+    </p:spTree>
+  </p:cSld>
+  <p:clrMapOvr>
+    <a:masterClrMapping/>
+  </p:clrMapOvr>
+</p:sld>
+</file>
+
+<file path=ppt/slides/slide37.xml><?xml version="1.0" encoding="utf-8"?>
+<p:sld xmlns:a="http://schemas.openxmlformats.org/drawingml/2006/main" xmlns:r="http://schemas.openxmlformats.org/officeDocument/2006/relationships" xmlns:mc="http://schemas.openxmlformats.org/markup-compatibility/2006" xmlns:mv="urn:schemas-microsoft-com:mac:vml" xmlns:p="http://schemas.openxmlformats.org/presentationml/2006/main" xmlns:c="http://schemas.openxmlformats.org/drawingml/2006/chart" xmlns:dgm="http://schemas.openxmlformats.org/drawingml/2006/diagram" xmlns:o="urn:schemas-microsoft-com:office:office" xmlns:v="urn:schemas-microsoft-com:vml" xmlns:pvml="urn:schemas-microsoft-com:office:powerpoint" xmlns:com="http://schemas.openxmlformats.org/drawingml/2006/compatibility" xmlns:p14="http://schemas.microsoft.com/office/powerpoint/2010/main" xmlns:p15="http://schemas.microsoft.com/office/powerpoint/2012/main" xmlns:ahyp="http://schemas.microsoft.com/office/drawing/2018/hyperlinkcolor">
+  <p:cSld>
+    <p:spTree>
+      <p:nvGrpSpPr>
+        <p:cNvPr id="279" name="Shape 279"/>
+        <p:cNvGrpSpPr/>
+        <p:nvPr/>
+      </p:nvGrpSpPr>
+      <p:grpSpPr>
+        <a:xfrm>
+          <a:off x="0" y="0"/>
+          <a:ext cx="0" cy="0"/>
+          <a:chOff x="0" y="0"/>
+          <a:chExt cx="0" cy="0"/>
+        </a:xfrm>
+      </p:grpSpPr>
+      <p:sp>
+        <p:nvSpPr>
+          <p:cNvPr id="280" name="Google Shape;280;p49"/>
+          <p:cNvSpPr txBox="1"/>
+          <p:nvPr>
+            <p:ph type="title"/>
+          </p:nvPr>
+        </p:nvSpPr>
+        <p:spPr>
+          <a:xfrm>
+            <a:off x="311700" y="445025"/>
+            <a:ext cx="8520600" cy="707400"/>
+          </a:xfrm>
+          <a:prstGeom prst="rect">
+            <a:avLst/>
+          </a:prstGeom>
+        </p:spPr>
+        <p:txBody>
+          <a:bodyPr anchorCtr="0" anchor="t" bIns="91425" lIns="91425" spcFirstLastPara="1" rIns="91425" wrap="square" tIns="91425">
+            <a:normAutofit fontScale="90000"/>
+          </a:bodyPr>
+          <a:lstStyle/>
+          <a:p>
+            <a:pPr indent="0" lvl="0" marL="0" rtl="0" algn="l">
+              <a:spcBef>
+                <a:spcPts val="0"/>
+              </a:spcBef>
+              <a:spcAft>
+                <a:spcPts val="0"/>
+              </a:spcAft>
+              <a:buNone/>
+            </a:pPr>
+            <a:r>
+              <a:rPr lang="en"/>
+              <a:t>Artifacts or Abduction: How Do LLMs Answer MCQs without the Question?</a:t>
+            </a:r>
+            <a:endParaRPr/>
+          </a:p>
+        </p:txBody>
+      </p:sp>
+      <p:sp>
+        <p:nvSpPr>
+          <p:cNvPr id="281" name="Google Shape;281;p49"/>
+          <p:cNvSpPr txBox="1"/>
+          <p:nvPr>
+            <p:ph idx="1" type="body"/>
+          </p:nvPr>
+        </p:nvSpPr>
+        <p:spPr>
+          <a:xfrm>
+            <a:off x="311700" y="1836300"/>
+            <a:ext cx="7307700" cy="2732700"/>
+          </a:xfrm>
+          <a:prstGeom prst="rect">
+            <a:avLst/>
+          </a:prstGeom>
+        </p:spPr>
+        <p:txBody>
+          <a:bodyPr anchorCtr="0" anchor="t" bIns="91425" lIns="91425" spcFirstLastPara="1" rIns="91425" wrap="square" tIns="91425">
+            <a:normAutofit/>
+          </a:bodyPr>
+          <a:lstStyle/>
+          <a:p>
+            <a:pPr indent="-317500" lvl="0" marL="457200" rtl="0" algn="l">
+              <a:spcBef>
+                <a:spcPts val="0"/>
+              </a:spcBef>
+              <a:spcAft>
+                <a:spcPts val="0"/>
+              </a:spcAft>
+              <a:buSzPts val="1400"/>
+              <a:buChar char="●"/>
+            </a:pPr>
+            <a:r>
+              <a:rPr lang="en"/>
+              <a:t>Yes this is a thing</a:t>
+            </a:r>
+            <a:endParaRPr/>
+          </a:p>
+          <a:p>
+            <a:pPr indent="-317500" lvl="0" marL="457200" rtl="0" algn="l">
+              <a:spcBef>
+                <a:spcPts val="0"/>
+              </a:spcBef>
+              <a:spcAft>
+                <a:spcPts val="0"/>
+              </a:spcAft>
+              <a:buSzPts val="1400"/>
+              <a:buChar char="-"/>
+            </a:pPr>
+            <a:r>
+              <a:rPr lang="en"/>
+              <a:t>LLMs are able to do well on MCQ benchmarks without the question</a:t>
+            </a:r>
+            <a:br>
+              <a:rPr lang="en"/>
+            </a:br>
+            <a:endParaRPr/>
+          </a:p>
+          <a:p>
+            <a:pPr indent="-317500" lvl="0" marL="457200" rtl="0" algn="l">
+              <a:spcBef>
+                <a:spcPts val="0"/>
+              </a:spcBef>
+              <a:spcAft>
+                <a:spcPts val="0"/>
+              </a:spcAft>
+              <a:buSzPts val="1400"/>
+              <a:buChar char="●"/>
+            </a:pPr>
+            <a:r>
+              <a:rPr lang="en"/>
+              <a:t>Paper looks at</a:t>
+            </a:r>
+            <a:endParaRPr/>
+          </a:p>
+          <a:p>
+            <a:pPr indent="-317500" lvl="0" marL="457200" rtl="0" algn="l">
+              <a:spcBef>
+                <a:spcPts val="0"/>
+              </a:spcBef>
+              <a:spcAft>
+                <a:spcPts val="0"/>
+              </a:spcAft>
+              <a:buSzPts val="1400"/>
+              <a:buChar char="-"/>
+            </a:pPr>
+            <a:r>
+              <a:rPr lang="en"/>
+              <a:t>Memorization: show that the models haven’t simply memorized the benchmark</a:t>
+            </a:r>
+            <a:endParaRPr/>
+          </a:p>
+          <a:p>
+            <a:pPr indent="-317500" lvl="0" marL="457200" rtl="0" algn="l">
+              <a:spcBef>
+                <a:spcPts val="0"/>
+              </a:spcBef>
+              <a:spcAft>
+                <a:spcPts val="0"/>
+              </a:spcAft>
+              <a:buSzPts val="1400"/>
+              <a:buChar char="-"/>
+            </a:pPr>
+            <a:r>
+              <a:rPr lang="en"/>
+              <a:t>Priors: Correct answer text is not inherently more </a:t>
+            </a:r>
+            <a:r>
+              <a:rPr lang="en"/>
+              <a:t>probable than others</a:t>
+            </a:r>
+            <a:endParaRPr/>
+          </a:p>
+          <a:p>
+            <a:pPr indent="-317500" lvl="0" marL="457200" rtl="0" algn="l">
+              <a:spcBef>
+                <a:spcPts val="0"/>
+              </a:spcBef>
+              <a:spcAft>
+                <a:spcPts val="0"/>
+              </a:spcAft>
+              <a:buSzPts val="1400"/>
+              <a:buChar char="-"/>
+            </a:pPr>
+            <a:r>
+              <a:rPr lang="en"/>
+              <a:t>Choice dynamics and question inference: This is largely what’s happening</a:t>
+            </a:r>
+            <a:endParaRPr/>
+          </a:p>
+          <a:p>
+            <a:pPr indent="0" lvl="0" marL="0" rtl="0" algn="l">
+              <a:spcBef>
+                <a:spcPts val="1200"/>
+              </a:spcBef>
+              <a:spcAft>
+                <a:spcPts val="1200"/>
+              </a:spcAft>
+              <a:buNone/>
+            </a:pPr>
+            <a:r>
+              <a:rPr b="1" lang="en"/>
+              <a:t>Takeaway</a:t>
+            </a:r>
+            <a:r>
+              <a:rPr lang="en"/>
+              <a:t>: LLM evaluation on MCQA benchmarks needs to be further investigated - what is it actually learning? </a:t>
+            </a:r>
+            <a:endParaRPr/>
+          </a:p>
+        </p:txBody>
+      </p:sp>
+    </p:spTree>
+  </p:cSld>
+  <p:clrMapOvr>
+    <a:masterClrMapping/>
+  </p:clrMapOvr>
+</p:sld>
+</file>
+
 <file path=ppt/slides/slide4.xml><?xml version="1.0" encoding="utf-8"?>
 <p:sld xmlns:a="http://schemas.openxmlformats.org/drawingml/2006/main" xmlns:r="http://schemas.openxmlformats.org/officeDocument/2006/relationships" xmlns:mc="http://schemas.openxmlformats.org/markup-compatibility/2006" xmlns:mv="urn:schemas-microsoft-com:mac:vml" xmlns:p="http://schemas.openxmlformats.org/presentationml/2006/main" xmlns:c="http://schemas.openxmlformats.org/drawingml/2006/chart" xmlns:dgm="http://schemas.openxmlformats.org/drawingml/2006/diagram" xmlns:o="urn:schemas-microsoft-com:office:office" xmlns:v="urn:schemas-microsoft-com:vml" xmlns:pvml="urn:schemas-microsoft-com:office:powerpoint" xmlns:com="http://schemas.openxmlformats.org/drawingml/2006/compatibility" xmlns:p14="http://schemas.microsoft.com/office/powerpoint/2010/main" xmlns:p15="http://schemas.microsoft.com/office/powerpoint/2012/main" xmlns:ahyp="http://schemas.microsoft.com/office/drawing/2018/hyperlinkcolor">
   <p:cSld>
@@ -12771,15 +14347,7 @@
             </a:pPr>
             <a:r>
               <a:rPr lang="en"/>
-              <a:t>…which we can understand </a:t>
-            </a:r>
-            <a:r>
-              <a:rPr lang="en"/>
-              <a:t>from</a:t>
-            </a:r>
-            <a:r>
-              <a:rPr lang="en"/>
-              <a:t> the little LM. (*phew*)</a:t>
+              <a:t>…which we can understand by extrapolating from little LMs. (*phew*)</a:t>
             </a:r>
             <a:endParaRPr/>
           </a:p>
@@ -12844,7 +14412,7 @@
             </a:pPr>
             <a:r>
               <a:rPr lang="en"/>
-              <a:t>Culprit properties of evaluation</a:t>
+              <a:t>Issues with Evaluation</a:t>
             </a:r>
             <a:endParaRPr/>
           </a:p>
@@ -12926,7 +14494,7 @@
             <a:endParaRPr/>
           </a:p>
           <a:p>
-            <a:pPr indent="-342900" lvl="0" marL="457200" rtl="0" algn="l">
+            <a:pPr indent="-342900" lvl="0" marL="914400" rtl="0" algn="l">
               <a:spcBef>
                 <a:spcPts val="0"/>
               </a:spcBef>
@@ -12947,7 +14515,7 @@
             <a:endParaRPr b="1"/>
           </a:p>
           <a:p>
-            <a:pPr indent="-342900" lvl="0" marL="457200" rtl="0" algn="l">
+            <a:pPr indent="-342900" lvl="0" marL="914400" rtl="0" algn="l">
               <a:spcBef>
                 <a:spcPts val="0"/>
               </a:spcBef>
@@ -13030,6 +14598,10 @@
               <a:rPr lang="en"/>
               <a:t>Discontinuity</a:t>
             </a:r>
+            <a:r>
+              <a:rPr lang="en"/>
+              <a:t> of Metrics</a:t>
+            </a:r>
             <a:endParaRPr/>
           </a:p>
         </p:txBody>
@@ -13094,7 +14666,7 @@
             <a:endParaRPr/>
           </a:p>
           <a:p>
-            <a:pPr indent="-342900" lvl="0" marL="457200" rtl="0" algn="l">
+            <a:pPr indent="-342900" lvl="0" marL="914400" rtl="0" algn="l">
               <a:spcBef>
                 <a:spcPts val="0"/>
               </a:spcBef>
@@ -13126,15 +14698,19 @@
             </a:pPr>
             <a:r>
               <a:rPr lang="en"/>
-              <a:t>(</a:t>
+              <a:t>Our n</a:t>
             </a:r>
             <a:r>
               <a:rPr lang="en"/>
-              <a:t>Note</a:t>
+              <a:t>ote</a:t>
             </a:r>
             <a:r>
               <a:rPr lang="en"/>
-              <a:t> that you can still might argue that a dataset-level metric like a sum of accuracies is continuous…)</a:t>
+              <a:t>:</a:t>
+            </a:r>
+            <a:r>
+              <a:rPr lang="en"/>
+              <a:t> you still might argue that a dataset-level metric like a sum of accuracies is continuous…</a:t>
             </a:r>
             <a:endParaRPr/>
           </a:p>
@@ -13147,7 +14723,7 @@
           <p:nvPr/>
         </p:nvPicPr>
         <p:blipFill>
-          <a:blip r:embed="rId4">
+          <a:blip r:embed="rId3">
             <a:alphaModFix/>
           </a:blip>
           <a:stretch>
@@ -13175,7 +14751,7 @@
           <p:nvPr/>
         </p:nvPicPr>
         <p:blipFill rotWithShape="1">
-          <a:blip r:embed="rId5">
+          <a:blip r:embed="rId4">
             <a:alphaModFix/>
           </a:blip>
           <a:srcRect b="0" l="5159" r="0" t="0"/>
@@ -13490,10 +15066,6 @@
               <a:rPr lang="en"/>
               <a:t>Non-linearity </a:t>
             </a:r>
-            <a:r>
-              <a:rPr lang="en"/>
-              <a:t>(IMO: explained by previous insights)</a:t>
-            </a:r>
             <a:endParaRPr/>
           </a:p>
         </p:txBody>
@@ -13532,7 +15104,7 @@
             </a:pPr>
             <a:r>
               <a:rPr b="1" lang="en"/>
-              <a:t>(Stated) Intuition #4</a:t>
+              <a:t>Intuition #4</a:t>
             </a:r>
             <a:r>
               <a:rPr lang="en"/>
@@ -13576,7 +15148,7 @@
             </a:r>
             <a:r>
               <a:rPr lang="en"/>
-              <a:t>: number of tokens we got right (L.f(p))</a:t>
+              <a:t>: number of tokens we got right (L.f(p)) where f is a linear function</a:t>
             </a:r>
             <a:br>
               <a:rPr lang="en"/>
@@ -13703,7 +15275,7 @@
             </a:pPr>
             <a:r>
               <a:rPr lang="en"/>
-              <a:t>So…what’s the big deal with “linearity in target length”?</a:t>
+              <a:t>Linearity in target length</a:t>
             </a:r>
             <a:endParaRPr/>
           </a:p>
@@ -13720,7 +15292,7 @@
         <p:spPr>
           <a:xfrm>
             <a:off x="311700" y="1266325"/>
-            <a:ext cx="8520600" cy="3302700"/>
+            <a:ext cx="4705200" cy="3302700"/>
           </a:xfrm>
           <a:prstGeom prst="rect">
             <a:avLst/>
@@ -13728,44 +15300,23 @@
         </p:spPr>
         <p:txBody>
           <a:bodyPr anchorCtr="0" anchor="t" bIns="91425" lIns="91425" spcFirstLastPara="1" rIns="91425" wrap="square" tIns="91425">
-            <a:normAutofit/>
+            <a:normAutofit fontScale="92500" lnSpcReduction="20000"/>
           </a:bodyPr>
           <a:lstStyle/>
           <a:p>
-            <a:pPr indent="-342900" lvl="0" marL="457200" rtl="0" algn="l">
-              <a:spcBef>
-                <a:spcPts val="0"/>
-              </a:spcBef>
-              <a:spcAft>
-                <a:spcPts val="0"/>
-              </a:spcAft>
-              <a:buSzPts val="1800"/>
+            <a:pPr indent="-334327" lvl="0" marL="457200" rtl="0" algn="l">
+              <a:spcBef>
+                <a:spcPts val="0"/>
+              </a:spcBef>
+              <a:spcAft>
+                <a:spcPts val="0"/>
+              </a:spcAft>
+              <a:buSzPct val="100000"/>
               <a:buChar char="●"/>
             </a:pPr>
             <a:r>
               <a:rPr lang="en"/>
-              <a:t>Unclear to me</a:t>
-            </a:r>
-            <a:endParaRPr/>
-          </a:p>
-          <a:p>
-            <a:pPr indent="-342900" lvl="0" marL="457200" rtl="0" algn="l">
-              <a:spcBef>
-                <a:spcPts val="0"/>
-              </a:spcBef>
-              <a:spcAft>
-                <a:spcPts val="0"/>
-              </a:spcAft>
-              <a:buSzPts val="1800"/>
-              <a:buChar char="-"/>
-            </a:pPr>
-            <a:r>
-              <a:rPr lang="en"/>
-              <a:t>We are not </a:t>
-            </a:r>
-            <a:r>
-              <a:rPr lang="en"/>
-              <a:t>measuring </a:t>
+              <a:t>Note: We are not measuring </a:t>
             </a:r>
             <a:r>
               <a:rPr lang="en"/>
@@ -13775,43 +15326,47 @@
               <a:rPr lang="en"/>
               <a:t>target length</a:t>
             </a:r>
+            <a:endParaRPr/>
+          </a:p>
+          <a:p>
+            <a:pPr indent="-334327" lvl="0" marL="914400" rtl="0" algn="l">
+              <a:spcBef>
+                <a:spcPts val="0"/>
+              </a:spcBef>
+              <a:spcAft>
+                <a:spcPts val="0"/>
+              </a:spcAft>
+              <a:buSzPct val="100000"/>
+              <a:buChar char="-"/>
+            </a:pPr>
             <a:r>
               <a:rPr lang="en"/>
-              <a:t>, so this seems irrelevant</a:t>
-            </a:r>
-            <a:endParaRPr/>
-          </a:p>
-          <a:p>
-            <a:pPr indent="-342900" lvl="0" marL="457200" rtl="0" algn="l">
-              <a:spcBef>
-                <a:spcPts val="0"/>
-              </a:spcBef>
-              <a:spcAft>
-                <a:spcPts val="0"/>
-              </a:spcAft>
-              <a:buSzPts val="1800"/>
+              <a:t>But: when L is high, and you don’t have good sampling along the curve, the (actually smooth) curve will appear unsmooth</a:t>
+            </a:r>
+            <a:endParaRPr/>
+          </a:p>
+          <a:p>
+            <a:pPr indent="-334327" lvl="0" marL="914400" rtl="0" algn="l">
+              <a:spcBef>
+                <a:spcPts val="0"/>
+              </a:spcBef>
+              <a:spcAft>
+                <a:spcPts val="0"/>
+              </a:spcAft>
+              <a:buSzPct val="100000"/>
               <a:buChar char="-"/>
             </a:pPr>
             <a:r>
               <a:rPr lang="en"/>
-              <a:t>Instead, it seems that this is another way of saying that each test sample should not be too hard, or you will see jumps in performance</a:t>
-            </a:r>
-            <a:endParaRPr/>
-          </a:p>
-          <a:p>
-            <a:pPr indent="-342900" lvl="0" marL="457200" rtl="0" algn="l">
-              <a:spcBef>
-                <a:spcPts val="0"/>
-              </a:spcBef>
-              <a:spcAft>
-                <a:spcPts val="0"/>
-              </a:spcAft>
-              <a:buSzPts val="1800"/>
-              <a:buChar char="-"/>
-            </a:pPr>
+              <a:t>The authors say that decreasing </a:t>
+            </a:r>
+            <a:r>
+              <a:rPr b="1" lang="en"/>
+              <a:t>resolution</a:t>
+            </a:r>
             <a:r>
               <a:rPr lang="en"/>
-              <a:t>The authors say that decreasing resolution was a way of fixing this problem, indicating that the real problem here is resolution</a:t>
+              <a:t> was a way of fixing this problem, indicating that this is only a problem with bad resolution</a:t>
             </a:r>
             <a:br>
               <a:rPr lang="en"/>
@@ -13819,24 +15374,50 @@
             <a:endParaRPr/>
           </a:p>
           <a:p>
-            <a:pPr indent="-342900" lvl="0" marL="457200" rtl="0" algn="l">
-              <a:spcBef>
-                <a:spcPts val="0"/>
-              </a:spcBef>
-              <a:spcAft>
-                <a:spcPts val="0"/>
-              </a:spcAft>
-              <a:buSzPts val="1800"/>
-              <a:buChar char="-"/>
-            </a:pPr>
-            <a:r>
-              <a:rPr lang="en"/>
-              <a:t>If somebody understood the argument, please explain it to me! </a:t>
+            <a:pPr indent="0" lvl="0" marL="0" rtl="0" algn="l">
+              <a:spcBef>
+                <a:spcPts val="1200"/>
+              </a:spcBef>
+              <a:spcAft>
+                <a:spcPts val="1200"/>
+              </a:spcAft>
+              <a:buNone/>
+            </a:pPr>
+            <a:r>
+              <a:t/>
             </a:r>
             <a:endParaRPr/>
           </a:p>
         </p:txBody>
       </p:sp>
+      <p:pic>
+        <p:nvPicPr>
+          <p:cNvPr id="117" name="Google Shape;117;p21"/>
+          <p:cNvPicPr preferRelativeResize="0"/>
+          <p:nvPr/>
+        </p:nvPicPr>
+        <p:blipFill>
+          <a:blip r:embed="rId4">
+            <a:alphaModFix/>
+          </a:blip>
+          <a:stretch>
+            <a:fillRect/>
+          </a:stretch>
+        </p:blipFill>
+        <p:spPr>
+          <a:xfrm>
+            <a:off x="5428550" y="133500"/>
+            <a:ext cx="3125875" cy="4757474"/>
+          </a:xfrm>
+          <a:prstGeom prst="rect">
+            <a:avLst/>
+          </a:prstGeom>
+          <a:noFill/>
+          <a:ln>
+            <a:noFill/>
+          </a:ln>
+        </p:spPr>
+      </p:pic>
     </p:spTree>
   </p:cSld>
   <p:clrMapOvr>
